--- a/ippnin_20141205.pptx
+++ b/ippnin_20141205.pptx
@@ -5,10 +5,10 @@
     <p:sldMasterId id="2147483915" r:id="rId1"/>
   </p:sldMasterIdLst>
   <p:notesMasterIdLst>
-    <p:notesMasterId r:id="rId29"/>
+    <p:notesMasterId r:id="rId41"/>
   </p:notesMasterIdLst>
   <p:handoutMasterIdLst>
-    <p:handoutMasterId r:id="rId30"/>
+    <p:handoutMasterId r:id="rId42"/>
   </p:handoutMasterIdLst>
   <p:sldIdLst>
     <p:sldId id="256" r:id="rId2"/>
@@ -19,25 +19,37 @@
     <p:sldId id="287" r:id="rId7"/>
     <p:sldId id="288" r:id="rId8"/>
     <p:sldId id="289" r:id="rId9"/>
-    <p:sldId id="266" r:id="rId10"/>
-    <p:sldId id="269" r:id="rId11"/>
-    <p:sldId id="268" r:id="rId12"/>
-    <p:sldId id="270" r:id="rId13"/>
-    <p:sldId id="271" r:id="rId14"/>
-    <p:sldId id="272" r:id="rId15"/>
-    <p:sldId id="273" r:id="rId16"/>
-    <p:sldId id="274" r:id="rId17"/>
-    <p:sldId id="275" r:id="rId18"/>
-    <p:sldId id="276" r:id="rId19"/>
-    <p:sldId id="277" r:id="rId20"/>
-    <p:sldId id="278" r:id="rId21"/>
-    <p:sldId id="281" r:id="rId22"/>
-    <p:sldId id="283" r:id="rId23"/>
-    <p:sldId id="284" r:id="rId24"/>
-    <p:sldId id="285" r:id="rId25"/>
-    <p:sldId id="282" r:id="rId26"/>
-    <p:sldId id="279" r:id="rId27"/>
-    <p:sldId id="280" r:id="rId28"/>
+    <p:sldId id="292" r:id="rId10"/>
+    <p:sldId id="291" r:id="rId11"/>
+    <p:sldId id="293" r:id="rId12"/>
+    <p:sldId id="294" r:id="rId13"/>
+    <p:sldId id="297" r:id="rId14"/>
+    <p:sldId id="298" r:id="rId15"/>
+    <p:sldId id="295" r:id="rId16"/>
+    <p:sldId id="296" r:id="rId17"/>
+    <p:sldId id="299" r:id="rId18"/>
+    <p:sldId id="300" r:id="rId19"/>
+    <p:sldId id="301" r:id="rId20"/>
+    <p:sldId id="302" r:id="rId21"/>
+    <p:sldId id="304" r:id="rId22"/>
+    <p:sldId id="305" r:id="rId23"/>
+    <p:sldId id="303" r:id="rId24"/>
+    <p:sldId id="306" r:id="rId25"/>
+    <p:sldId id="266" r:id="rId26"/>
+    <p:sldId id="269" r:id="rId27"/>
+    <p:sldId id="268" r:id="rId28"/>
+    <p:sldId id="270" r:id="rId29"/>
+    <p:sldId id="271" r:id="rId30"/>
+    <p:sldId id="308" r:id="rId31"/>
+    <p:sldId id="309" r:id="rId32"/>
+    <p:sldId id="276" r:id="rId33"/>
+    <p:sldId id="310" r:id="rId34"/>
+    <p:sldId id="277" r:id="rId35"/>
+    <p:sldId id="313" r:id="rId36"/>
+    <p:sldId id="315" r:id="rId37"/>
+    <p:sldId id="312" r:id="rId38"/>
+    <p:sldId id="314" r:id="rId39"/>
+    <p:sldId id="311" r:id="rId40"/>
   </p:sldIdLst>
   <p:sldSz cx="9144000" cy="6858000" type="screen4x3"/>
   <p:notesSz cx="6858000" cy="9144000"/>
@@ -847,90 +859,6 @@
     <p:extLst>
       <p:ext uri="{BB962C8B-B14F-4D97-AF65-F5344CB8AC3E}">
         <p14:creationId xmlns:p14="http://schemas.microsoft.com/office/powerpoint/2010/main" val="4106292995"/>
-      </p:ext>
-    </p:extLst>
-  </p:cSld>
-  <p:clrMapOvr>
-    <a:masterClrMapping/>
-  </p:clrMapOvr>
-</p:notes>
-</file>
-
-<file path=ppt/notesSlides/notesSlide3.xml><?xml version="1.0" encoding="utf-8"?>
-<p:notes xmlns:a="http://schemas.openxmlformats.org/drawingml/2006/main" xmlns:r="http://schemas.openxmlformats.org/officeDocument/2006/relationships" xmlns:p="http://schemas.openxmlformats.org/presentationml/2006/main">
-  <p:cSld>
-    <p:spTree>
-      <p:nvGrpSpPr>
-        <p:cNvPr id="1" name=""/>
-        <p:cNvGrpSpPr/>
-        <p:nvPr/>
-      </p:nvGrpSpPr>
-      <p:grpSpPr>
-        <a:xfrm>
-          <a:off x="0" y="0"/>
-          <a:ext cx="0" cy="0"/>
-          <a:chOff x="0" y="0"/>
-          <a:chExt cx="0" cy="0"/>
-        </a:xfrm>
-      </p:grpSpPr>
-      <p:sp>
-        <p:nvSpPr>
-          <p:cNvPr id="2" name="スライド イメージ プレースホルダー 1"/>
-          <p:cNvSpPr>
-            <a:spLocks noGrp="1" noRot="1" noChangeAspect="1"/>
-          </p:cNvSpPr>
-          <p:nvPr>
-            <p:ph type="sldImg"/>
-          </p:nvPr>
-        </p:nvSpPr>
-        <p:spPr/>
-      </p:sp>
-      <p:sp>
-        <p:nvSpPr>
-          <p:cNvPr id="3" name="ノート プレースホルダー 2"/>
-          <p:cNvSpPr>
-            <a:spLocks noGrp="1"/>
-          </p:cNvSpPr>
-          <p:nvPr>
-            <p:ph type="body" idx="1"/>
-          </p:nvPr>
-        </p:nvSpPr>
-        <p:spPr/>
-        <p:txBody>
-          <a:bodyPr/>
-          <a:lstStyle/>
-          <a:p>
-            <a:endParaRPr kumimoji="1" lang="ja-JP" altLang="en-US" dirty="0"/>
-          </a:p>
-        </p:txBody>
-      </p:sp>
-      <p:sp>
-        <p:nvSpPr>
-          <p:cNvPr id="4" name="スライド番号プレースホルダー 3"/>
-          <p:cNvSpPr>
-            <a:spLocks noGrp="1"/>
-          </p:cNvSpPr>
-          <p:nvPr>
-            <p:ph type="sldNum" sz="quarter" idx="10"/>
-          </p:nvPr>
-        </p:nvSpPr>
-        <p:spPr/>
-        <p:txBody>
-          <a:bodyPr/>
-          <a:lstStyle/>
-          <a:p>
-            <a:fld id="{F592B914-0673-7E49-A054-FC186BDDAE0E}" type="slidenum">
-              <a:rPr kumimoji="1" lang="ja-JP" altLang="en-US" smtClean="0"/>
-              <a:t>24</a:t>
-            </a:fld>
-            <a:endParaRPr kumimoji="1" lang="ja-JP" altLang="en-US"/>
-          </a:p>
-        </p:txBody>
-      </p:sp>
-    </p:spTree>
-    <p:extLst>
-      <p:ext uri="{BB962C8B-B14F-4D97-AF65-F5344CB8AC3E}">
-        <p14:creationId xmlns:p14="http://schemas.microsoft.com/office/powerpoint/2010/main" val="2131281635"/>
       </p:ext>
     </p:extLst>
   </p:cSld>
@@ -24108,11 +24036,7 @@
           <a:p>
             <a:r>
               <a:rPr lang="en-US" altLang="en-US" dirty="0" err="1" smtClean="0"/>
-              <a:t>PAAK勉強</a:t>
-            </a:r>
-            <a:r>
-              <a:rPr lang="en-US" altLang="en-US" dirty="0" err="1" smtClean="0"/>
-              <a:t>会</a:t>
+              <a:t>PAAK勉強会</a:t>
             </a:r>
             <a:r>
               <a:rPr lang="en-US" altLang="en-US" dirty="0"/>
@@ -24122,11 +24046,15 @@
               <a:rPr lang="en-US" altLang="en-US" dirty="0"/>
             </a:br>
             <a:r>
-              <a:rPr lang="en-US" altLang="en-US" dirty="0" err="1" smtClean="0"/>
+              <a:rPr lang="en-US" altLang="en-US" dirty="0" smtClean="0"/>
               <a:t>JS</a:t>
             </a:r>
             <a:r>
-              <a:rPr lang="en-US" altLang="en-US" dirty="0" err="1" smtClean="0"/>
+              <a:rPr lang="ja-JP" altLang="en-US" dirty="0" smtClean="0"/>
+              <a:t>・</a:t>
+            </a:r>
+            <a:r>
+              <a:rPr lang="en-US" altLang="en-US" dirty="0" smtClean="0"/>
               <a:t>掲示板</a:t>
             </a:r>
             <a:r>
@@ -24187,7 +24115,11 @@
           <a:p>
             <a:r>
               <a:rPr lang="en-US" altLang="ja-JP" dirty="0" smtClean="0"/>
-              <a:t>2014/10/24</a:t>
+              <a:t>2014/</a:t>
+            </a:r>
+            <a:r>
+              <a:rPr lang="en-US" altLang="ja-JP" dirty="0" smtClean="0"/>
+              <a:t>12/05</a:t>
             </a:r>
             <a:endParaRPr kumimoji="1" lang="ja-JP" altLang="en-US" dirty="0"/>
           </a:p>
@@ -24272,105 +24204,42 @@
           <a:lstStyle/>
           <a:p>
             <a:r>
-              <a:rPr kumimoji="1" lang="en-US" altLang="ja-JP" dirty="0" smtClean="0"/>
-              <a:t>Web</a:t>
-            </a:r>
-            <a:r>
-              <a:rPr kumimoji="1" lang="ja-JP" altLang="en-US" dirty="0" smtClean="0"/>
-              <a:t>アプリを取得</a:t>
+              <a:rPr lang="ja-JP" altLang="en-US" dirty="0" smtClean="0"/>
+              <a:t>変数</a:t>
             </a:r>
             <a:endParaRPr kumimoji="1" lang="ja-JP" altLang="en-US" dirty="0"/>
           </a:p>
         </p:txBody>
       </p:sp>
-      <p:sp>
-        <p:nvSpPr>
-          <p:cNvPr id="4" name="コンテンツ プレースホルダー 3"/>
-          <p:cNvSpPr>
-            <a:spLocks noGrp="1"/>
-          </p:cNvSpPr>
+      <p:pic>
+        <p:nvPicPr>
+          <p:cNvPr id="7" name="コンテンツ プレースホルダー 6" descr="スクリーンショット 2014-12-04 14.12.05.png"/>
+          <p:cNvPicPr>
+            <a:picLocks noGrp="1" noChangeAspect="1"/>
+          </p:cNvPicPr>
           <p:nvPr>
             <p:ph sz="quarter" idx="13"/>
           </p:nvPr>
-        </p:nvSpPr>
+        </p:nvPicPr>
+        <p:blipFill>
+          <a:blip r:embed="rId2">
+            <a:extLst>
+              <a:ext uri="{28A0092B-C50C-407E-A947-70E740481C1C}">
+                <a14:useLocalDpi xmlns:a14="http://schemas.microsoft.com/office/drawing/2010/main" val="0"/>
+              </a:ext>
+            </a:extLst>
+          </a:blip>
+          <a:srcRect t="-15176" b="-15176"/>
+          <a:stretch>
+            <a:fillRect/>
+          </a:stretch>
+        </p:blipFill>
         <p:spPr/>
-        <p:txBody>
-          <a:bodyPr/>
-          <a:lstStyle/>
-          <a:p>
-            <a:r>
-              <a:rPr lang="en-US" altLang="ja-JP" dirty="0" smtClean="0">
-                <a:solidFill>
-                  <a:schemeClr val="tx1"/>
-                </a:solidFill>
-                <a:hlinkClick r:id="rId2"/>
-              </a:rPr>
-              <a:t>https</a:t>
-            </a:r>
-            <a:r>
-              <a:rPr lang="en-US" altLang="ja-JP" dirty="0">
-                <a:solidFill>
-                  <a:schemeClr val="tx1"/>
-                </a:solidFill>
-                <a:hlinkClick r:id="rId2"/>
-              </a:rPr>
-              <a:t>://github.com/ippei-takahashi/</a:t>
-            </a:r>
-            <a:r>
-              <a:rPr lang="en-US" altLang="ja-JP" dirty="0" smtClean="0">
-                <a:solidFill>
-                  <a:schemeClr val="tx1"/>
-                </a:solidFill>
-                <a:hlinkClick r:id="rId2"/>
-              </a:rPr>
-              <a:t>recruit_study_20141024</a:t>
-            </a:r>
-            <a:r>
-              <a:rPr lang="ja-JP" altLang="en-US" dirty="0" smtClean="0">
-                <a:solidFill>
-                  <a:schemeClr val="tx1"/>
-                </a:solidFill>
-                <a:hlinkClick r:id="rId2"/>
-              </a:rPr>
-              <a:t>から</a:t>
-            </a:r>
-            <a:r>
-              <a:rPr lang="en-US" altLang="ja-JP" dirty="0" smtClean="0">
-                <a:solidFill>
-                  <a:schemeClr val="tx1"/>
-                </a:solidFill>
-                <a:hlinkClick r:id="rId2"/>
-              </a:rPr>
-              <a:t>node</a:t>
-            </a:r>
-            <a:r>
-              <a:rPr lang="ja-JP" altLang="en-US" dirty="0" smtClean="0">
-                <a:solidFill>
-                  <a:schemeClr val="tx1"/>
-                </a:solidFill>
-                <a:hlinkClick r:id="rId2"/>
-              </a:rPr>
-              <a:t>のプロジェクトを適当なフォルダにコピー</a:t>
-            </a:r>
-            <a:endParaRPr lang="en-US" altLang="ja-JP" dirty="0" smtClean="0">
-              <a:solidFill>
-                <a:schemeClr val="tx1"/>
-              </a:solidFill>
-            </a:endParaRPr>
-          </a:p>
-          <a:p>
-            <a:r>
-              <a:rPr kumimoji="1" lang="ja-JP" altLang="en-US" dirty="0" smtClean="0"/>
-              <a:t>コンソールから，プロジェクトのフォルダに移動</a:t>
-            </a:r>
-            <a:endParaRPr kumimoji="1" lang="ja-JP" altLang="en-US" dirty="0"/>
-          </a:p>
-        </p:txBody>
-      </p:sp>
+      </p:pic>
     </p:spTree>
     <p:extLst>
       <p:ext uri="{BB962C8B-B14F-4D97-AF65-F5344CB8AC3E}">
-        <p14:creationId xmlns:p14="http://schemas.microsoft.com/office/powerpoint/2010/main" val="801554102"/>
+        <p14:creationId xmlns:p14="http://schemas.microsoft.com/office/powerpoint/2010/main" val="1056693710"/>
       </p:ext>
     </p:extLst>
   </p:cSld>
@@ -24439,100 +24308,46 @@
           <a:lstStyle/>
           <a:p>
             <a:r>
-              <a:rPr kumimoji="1" lang="ja-JP" altLang="en-US" dirty="0" smtClean="0"/>
-              <a:t>動かしてみる</a:t>
+              <a:rPr kumimoji="1" lang="en-US" altLang="ja-JP" dirty="0" smtClean="0"/>
+              <a:t>if</a:t>
+            </a:r>
+            <a:r>
+              <a:rPr lang="ja-JP" altLang="en-US" dirty="0" smtClean="0"/>
+              <a:t>文</a:t>
             </a:r>
             <a:endParaRPr kumimoji="1" lang="ja-JP" altLang="en-US" dirty="0"/>
           </a:p>
         </p:txBody>
       </p:sp>
-      <p:sp>
-        <p:nvSpPr>
-          <p:cNvPr id="4" name="コンテンツ プレースホルダー 3"/>
-          <p:cNvSpPr>
-            <a:spLocks noGrp="1"/>
-          </p:cNvSpPr>
+      <p:pic>
+        <p:nvPicPr>
+          <p:cNvPr id="5" name="コンテンツ プレースホルダー 4" descr="スクリーンショット 2014-12-04 14.18.53.png"/>
+          <p:cNvPicPr>
+            <a:picLocks noGrp="1" noChangeAspect="1"/>
+          </p:cNvPicPr>
           <p:nvPr>
             <p:ph sz="quarter" idx="13"/>
           </p:nvPr>
-        </p:nvSpPr>
+        </p:nvPicPr>
+        <p:blipFill>
+          <a:blip r:embed="rId2">
+            <a:extLst>
+              <a:ext uri="{28A0092B-C50C-407E-A947-70E740481C1C}">
+                <a14:useLocalDpi xmlns:a14="http://schemas.microsoft.com/office/drawing/2010/main" val="0"/>
+              </a:ext>
+            </a:extLst>
+          </a:blip>
+          <a:srcRect l="-1878" r="-1878"/>
+          <a:stretch>
+            <a:fillRect/>
+          </a:stretch>
+        </p:blipFill>
         <p:spPr/>
-        <p:txBody>
-          <a:bodyPr/>
-          <a:lstStyle/>
-          <a:p>
-            <a:r>
-              <a:rPr kumimoji="1" lang="en-US" altLang="ja-JP" dirty="0" err="1" smtClean="0"/>
-              <a:t>npm</a:t>
-            </a:r>
-            <a:r>
-              <a:rPr kumimoji="1" lang="en-US" altLang="ja-JP" dirty="0" smtClean="0"/>
-              <a:t> install </a:t>
-            </a:r>
-            <a:r>
-              <a:rPr kumimoji="1" lang="ja-JP" altLang="en-US" dirty="0" smtClean="0"/>
-              <a:t>で必要モジュールをインストール</a:t>
-            </a:r>
-            <a:endParaRPr kumimoji="1" lang="en-US" altLang="ja-JP" dirty="0" smtClean="0"/>
-          </a:p>
-          <a:p>
-            <a:r>
-              <a:rPr kumimoji="1" lang="en-US" altLang="ja-JP" dirty="0" smtClean="0"/>
-              <a:t>node </a:t>
-            </a:r>
-            <a:r>
-              <a:rPr kumimoji="1" lang="en-US" altLang="ja-JP" dirty="0" err="1" smtClean="0"/>
-              <a:t>app.js</a:t>
-            </a:r>
-            <a:r>
-              <a:rPr kumimoji="1" lang="en-US" altLang="ja-JP" dirty="0" smtClean="0"/>
-              <a:t> </a:t>
-            </a:r>
-            <a:r>
-              <a:rPr kumimoji="1" lang="ja-JP" altLang="en-US" dirty="0" smtClean="0"/>
-              <a:t>で起動</a:t>
-            </a:r>
-            <a:endParaRPr kumimoji="1" lang="en-US" altLang="ja-JP" dirty="0" smtClean="0"/>
-          </a:p>
-          <a:p>
-            <a:r>
-              <a:rPr kumimoji="1" lang="ja-JP" altLang="en-US" dirty="0" smtClean="0"/>
-              <a:t>ブラウザで</a:t>
-            </a:r>
-            <a:r>
-              <a:rPr kumimoji="1" lang="en-US" altLang="ja-JP" dirty="0" smtClean="0"/>
-              <a:t> </a:t>
-            </a:r>
-            <a:r>
-              <a:rPr kumimoji="1" lang="en-US" altLang="ja-JP" dirty="0" smtClean="0">
-                <a:hlinkClick r:id="rId2"/>
-              </a:rPr>
-              <a:t>http://localhost:3000</a:t>
-            </a:r>
-            <a:r>
-              <a:rPr kumimoji="1" lang="en-US" altLang="ja-JP" dirty="0" smtClean="0"/>
-              <a:t> </a:t>
-            </a:r>
-            <a:r>
-              <a:rPr kumimoji="1" lang="ja-JP" altLang="en-US" dirty="0" smtClean="0"/>
-              <a:t>にアクセスし，</a:t>
-            </a:r>
-            <a:r>
-              <a:rPr kumimoji="1" lang="en-US" altLang="ja-JP" dirty="0" smtClean="0"/>
-              <a:t>Hello World! </a:t>
-            </a:r>
-            <a:r>
-              <a:rPr lang="ja-JP" altLang="en-US" dirty="0" smtClean="0"/>
-              <a:t>と表示されれば成功</a:t>
-            </a:r>
-            <a:endParaRPr kumimoji="1" lang="ja-JP" altLang="en-US" dirty="0"/>
-          </a:p>
-        </p:txBody>
-      </p:sp>
+      </p:pic>
     </p:spTree>
     <p:extLst>
       <p:ext uri="{BB962C8B-B14F-4D97-AF65-F5344CB8AC3E}">
-        <p14:creationId xmlns:p14="http://schemas.microsoft.com/office/powerpoint/2010/main" val="2924921398"/>
+        <p14:creationId xmlns:p14="http://schemas.microsoft.com/office/powerpoint/2010/main" val="968329215"/>
       </p:ext>
     </p:extLst>
   </p:cSld>
@@ -24601,272 +24416,46 @@
           <a:lstStyle/>
           <a:p>
             <a:r>
-              <a:rPr kumimoji="1" lang="ja-JP" altLang="en-US" dirty="0" smtClean="0"/>
-              <a:t>ソースコードの解説</a:t>
+              <a:rPr kumimoji="1" lang="en-US" altLang="ja-JP" dirty="0" smtClean="0"/>
+              <a:t>for</a:t>
+            </a:r>
+            <a:r>
+              <a:rPr lang="ja-JP" altLang="en-US" dirty="0" smtClean="0"/>
+              <a:t>文</a:t>
             </a:r>
             <a:endParaRPr kumimoji="1" lang="ja-JP" altLang="en-US" dirty="0"/>
           </a:p>
         </p:txBody>
       </p:sp>
-      <p:sp>
-        <p:nvSpPr>
-          <p:cNvPr id="4" name="コンテンツ プレースホルダー 3"/>
-          <p:cNvSpPr>
-            <a:spLocks noGrp="1"/>
-          </p:cNvSpPr>
+      <p:pic>
+        <p:nvPicPr>
+          <p:cNvPr id="5" name="コンテンツ プレースホルダー 4" descr="スクリーンショット 2014-12-04 14.30.35.png"/>
+          <p:cNvPicPr>
+            <a:picLocks noGrp="1" noChangeAspect="1"/>
+          </p:cNvPicPr>
           <p:nvPr>
             <p:ph sz="quarter" idx="13"/>
           </p:nvPr>
-        </p:nvSpPr>
+        </p:nvPicPr>
+        <p:blipFill>
+          <a:blip r:embed="rId2">
+            <a:extLst>
+              <a:ext uri="{28A0092B-C50C-407E-A947-70E740481C1C}">
+                <a14:useLocalDpi xmlns:a14="http://schemas.microsoft.com/office/drawing/2010/main" val="0"/>
+              </a:ext>
+            </a:extLst>
+          </a:blip>
+          <a:srcRect t="-8875" b="-8875"/>
+          <a:stretch>
+            <a:fillRect/>
+          </a:stretch>
+        </p:blipFill>
         <p:spPr/>
-        <p:txBody>
-          <a:bodyPr>
-            <a:normAutofit lnSpcReduction="10000"/>
-          </a:bodyPr>
-          <a:lstStyle/>
-          <a:p>
-            <a:r>
-              <a:rPr lang="ja-JP" altLang="en-US" dirty="0"/>
-              <a:t>今回，</a:t>
-            </a:r>
-            <a:r>
-              <a:rPr lang="en-US" altLang="ja-JP" dirty="0">
-                <a:solidFill>
-                  <a:srgbClr val="FF0000"/>
-                </a:solidFill>
-              </a:rPr>
-              <a:t>Express</a:t>
-            </a:r>
-            <a:r>
-              <a:rPr lang="en-US" altLang="ja-JP" dirty="0"/>
-              <a:t> </a:t>
-            </a:r>
-            <a:r>
-              <a:rPr lang="ja-JP" altLang="en-US" dirty="0"/>
-              <a:t>というフレームワークを</a:t>
-            </a:r>
-            <a:r>
-              <a:rPr lang="ja-JP" altLang="en-US" dirty="0" smtClean="0"/>
-              <a:t>利用</a:t>
-            </a:r>
-            <a:endParaRPr kumimoji="1" lang="en-US" altLang="ja-JP" dirty="0" smtClean="0"/>
-          </a:p>
-          <a:p>
-            <a:r>
-              <a:rPr kumimoji="1" lang="ja-JP" altLang="en-US" dirty="0" smtClean="0"/>
-              <a:t>適当なテキストエディタ</a:t>
-            </a:r>
-            <a:r>
-              <a:rPr kumimoji="1" lang="en-US" altLang="ja-JP" dirty="0" smtClean="0"/>
-              <a:t>(Sublime Text</a:t>
-            </a:r>
-            <a:r>
-              <a:rPr kumimoji="1" lang="ja-JP" altLang="en-US" dirty="0" smtClean="0"/>
-              <a:t>がオススメ</a:t>
-            </a:r>
-            <a:r>
-              <a:rPr kumimoji="1" lang="en-US" altLang="ja-JP" dirty="0" smtClean="0"/>
-              <a:t>)</a:t>
-            </a:r>
-            <a:r>
-              <a:rPr kumimoji="1" lang="ja-JP" altLang="en-US" dirty="0" smtClean="0"/>
-              <a:t>で，</a:t>
-            </a:r>
-            <a:r>
-              <a:rPr kumimoji="1" lang="en-US" altLang="ja-JP" dirty="0" err="1" smtClean="0"/>
-              <a:t>routes.js</a:t>
-            </a:r>
-            <a:r>
-              <a:rPr kumimoji="1" lang="ja-JP" altLang="en-US" dirty="0" smtClean="0"/>
-              <a:t>を開く</a:t>
-            </a:r>
-            <a:endParaRPr kumimoji="1" lang="en-US" altLang="ja-JP" dirty="0" smtClean="0"/>
-          </a:p>
-          <a:p>
-            <a:endParaRPr kumimoji="1" lang="en-US" altLang="ja-JP" dirty="0" smtClean="0"/>
-          </a:p>
-          <a:p>
-            <a:pPr marL="0" indent="0">
-              <a:buNone/>
-            </a:pPr>
-            <a:r>
-              <a:rPr lang="en-US" altLang="ja-JP" dirty="0" err="1" smtClean="0"/>
-              <a:t>app.get</a:t>
-            </a:r>
-            <a:r>
-              <a:rPr lang="en-US" altLang="ja-JP" dirty="0" smtClean="0"/>
-              <a:t>(</a:t>
-            </a:r>
-            <a:r>
-              <a:rPr lang="en-US" altLang="ja-JP" dirty="0" smtClean="0">
-                <a:solidFill>
-                  <a:srgbClr val="FF0000"/>
-                </a:solidFill>
-              </a:rPr>
-              <a:t>"/"</a:t>
-            </a:r>
-            <a:r>
-              <a:rPr lang="en-US" altLang="ja-JP" dirty="0" smtClean="0"/>
-              <a:t>, function(request, response) {</a:t>
-            </a:r>
-          </a:p>
-          <a:p>
-            <a:pPr marL="0" indent="0">
-              <a:buNone/>
-            </a:pPr>
-            <a:r>
-              <a:rPr lang="en-US" altLang="ja-JP" dirty="0"/>
-              <a:t> </a:t>
-            </a:r>
-            <a:r>
-              <a:rPr lang="en-US" altLang="ja-JP" dirty="0" smtClean="0"/>
-              <a:t>   	</a:t>
-            </a:r>
-            <a:r>
-              <a:rPr lang="en-US" altLang="ja-JP" dirty="0" err="1" smtClean="0"/>
-              <a:t>response.redirect</a:t>
-            </a:r>
-            <a:r>
-              <a:rPr lang="en-US" altLang="ja-JP" dirty="0" smtClean="0"/>
-              <a:t>("/</a:t>
-            </a:r>
-            <a:r>
-              <a:rPr lang="en-US" altLang="ja-JP" dirty="0" err="1" smtClean="0"/>
-              <a:t>index.html</a:t>
-            </a:r>
-            <a:r>
-              <a:rPr lang="en-US" altLang="ja-JP" dirty="0" smtClean="0"/>
-              <a:t>");</a:t>
-            </a:r>
-          </a:p>
-          <a:p>
-            <a:pPr marL="0" indent="0">
-              <a:buNone/>
-            </a:pPr>
-            <a:r>
-              <a:rPr lang="en-US" altLang="ja-JP" dirty="0" smtClean="0"/>
-              <a:t>});</a:t>
-            </a:r>
-          </a:p>
-          <a:p>
-            <a:pPr marL="0" indent="0">
-              <a:buNone/>
-            </a:pPr>
-            <a:endParaRPr lang="en-US" altLang="ja-JP" dirty="0"/>
-          </a:p>
-          <a:p>
-            <a:pPr marL="0" indent="0">
-              <a:buNone/>
-            </a:pPr>
-            <a:r>
-              <a:rPr lang="ja-JP" altLang="en-US" dirty="0" smtClean="0"/>
-              <a:t>この部分で，</a:t>
-            </a:r>
-            <a:r>
-              <a:rPr lang="en-US" altLang="ja-JP" dirty="0" smtClean="0"/>
-              <a:t>localhost:3000</a:t>
-            </a:r>
-            <a:r>
-              <a:rPr lang="en-US" altLang="ja-JP" dirty="0"/>
-              <a:t> </a:t>
-            </a:r>
-            <a:r>
-              <a:rPr lang="ja-JP" altLang="en-US" dirty="0" smtClean="0"/>
-              <a:t>にアクセスしたとき，</a:t>
-            </a:r>
-            <a:endParaRPr lang="en-US" altLang="ja-JP" dirty="0" smtClean="0"/>
-          </a:p>
-          <a:p>
-            <a:pPr marL="0" indent="0">
-              <a:buNone/>
-            </a:pPr>
-            <a:r>
-              <a:rPr lang="en-US" altLang="ja-JP" dirty="0" smtClean="0"/>
-              <a:t>public/</a:t>
-            </a:r>
-            <a:r>
-              <a:rPr lang="en-US" altLang="ja-JP" dirty="0" err="1" smtClean="0"/>
-              <a:t>index.html</a:t>
-            </a:r>
-            <a:r>
-              <a:rPr lang="ja-JP" altLang="en-US" dirty="0" smtClean="0"/>
-              <a:t>の内容を表示するよう設定している</a:t>
-            </a:r>
-            <a:endParaRPr lang="en-US" altLang="ja-JP" dirty="0" smtClean="0"/>
-          </a:p>
-          <a:p>
-            <a:pPr marL="0" indent="0">
-              <a:buNone/>
-            </a:pPr>
-            <a:endParaRPr kumimoji="1" lang="en-US" altLang="ja-JP" dirty="0">
-              <a:solidFill>
-                <a:srgbClr val="FF0000"/>
-              </a:solidFill>
-            </a:endParaRPr>
-          </a:p>
-          <a:p>
-            <a:pPr marL="0" indent="0">
-              <a:buNone/>
-            </a:pPr>
-            <a:r>
-              <a:rPr lang="en-US" altLang="ja-JP" dirty="0" smtClean="0">
-                <a:solidFill>
-                  <a:srgbClr val="FF0000"/>
-                </a:solidFill>
-              </a:rPr>
-              <a:t> </a:t>
-            </a:r>
-            <a:r>
-              <a:rPr kumimoji="1" lang="en-US" altLang="ja-JP" dirty="0" smtClean="0">
-                <a:solidFill>
-                  <a:srgbClr val="FF0000"/>
-                </a:solidFill>
-              </a:rPr>
-              <a:t>“/” </a:t>
-            </a:r>
-            <a:r>
-              <a:rPr kumimoji="1" lang="ja-JP" altLang="en-US" dirty="0" smtClean="0"/>
-              <a:t>という部分がパスで，</a:t>
-            </a:r>
-            <a:r>
-              <a:rPr kumimoji="1" lang="en-US" altLang="ja-JP" dirty="0" smtClean="0"/>
-              <a:t> </a:t>
-            </a:r>
-            <a:r>
-              <a:rPr kumimoji="1" lang="ja-JP" altLang="en-US" dirty="0" smtClean="0"/>
-              <a:t>たとえばこれが</a:t>
-            </a:r>
-            <a:r>
-              <a:rPr kumimoji="1" lang="en-US" altLang="ja-JP" dirty="0" smtClean="0"/>
-              <a:t> ”/user” </a:t>
-            </a:r>
-            <a:r>
-              <a:rPr kumimoji="1" lang="ja-JP" altLang="en-US" dirty="0" smtClean="0"/>
-              <a:t>なら，</a:t>
-            </a:r>
-            <a:r>
-              <a:rPr kumimoji="1" lang="en-US" altLang="ja-JP" dirty="0" smtClean="0"/>
-              <a:t/>
-            </a:r>
-            <a:br>
-              <a:rPr kumimoji="1" lang="en-US" altLang="ja-JP" dirty="0" smtClean="0"/>
-            </a:br>
-            <a:r>
-              <a:rPr kumimoji="1" lang="en-US" altLang="ja-JP" dirty="0" smtClean="0"/>
-              <a:t>localhost:3000/user </a:t>
-            </a:r>
-            <a:r>
-              <a:rPr kumimoji="1" lang="ja-JP" altLang="en-US" dirty="0" smtClean="0"/>
-              <a:t>にアクセスしたときの設定になる</a:t>
-            </a:r>
-            <a:endParaRPr kumimoji="1" lang="en-US" altLang="ja-JP" dirty="0" smtClean="0"/>
-          </a:p>
-        </p:txBody>
-      </p:sp>
+      </p:pic>
     </p:spTree>
     <p:extLst>
       <p:ext uri="{BB962C8B-B14F-4D97-AF65-F5344CB8AC3E}">
-        <p14:creationId xmlns:p14="http://schemas.microsoft.com/office/powerpoint/2010/main" val="2465566052"/>
+        <p14:creationId xmlns:p14="http://schemas.microsoft.com/office/powerpoint/2010/main" val="1013778767"/>
       </p:ext>
     </p:extLst>
   </p:cSld>
@@ -24957,53 +24546,112 @@
           <a:bodyPr/>
           <a:lstStyle/>
           <a:p>
-            <a:pPr marL="457200" indent="-457200">
-              <a:buFont typeface="+mj-lt"/>
-              <a:buAutoNum type="arabicPeriod"/>
-            </a:pPr>
+            <a:r>
+              <a:rPr lang="ja-JP" altLang="en-US" dirty="0" smtClean="0"/>
+              <a:t>結果画面に以下を出力するプログラムを書いてみよう</a:t>
+            </a:r>
+            <a:endParaRPr lang="en-US" altLang="ja-JP" dirty="0" smtClean="0"/>
+          </a:p>
+          <a:p>
+            <a:pPr lvl="1"/>
+            <a:r>
+              <a:rPr kumimoji="1" lang="ja-JP" altLang="en-US" dirty="0" smtClean="0"/>
+              <a:t>ヒント：</a:t>
+            </a:r>
+            <a:r>
+              <a:rPr lang="en-US" altLang="ja-JP" dirty="0" err="1" smtClean="0"/>
+              <a:t>i</a:t>
+            </a:r>
             <a:r>
               <a:rPr lang="en-US" altLang="ja-JP" dirty="0" smtClean="0"/>
-              <a:t>localhost:3000 </a:t>
+              <a:t>--</a:t>
             </a:r>
             <a:r>
               <a:rPr lang="ja-JP" altLang="en-US" dirty="0" smtClean="0"/>
-              <a:t>にアクセスしたときに，違う文字を表示する</a:t>
-            </a:r>
-            <a:endParaRPr lang="en-US" altLang="ja-JP" dirty="0" smtClean="0"/>
-          </a:p>
-          <a:p>
-            <a:pPr marL="457200" indent="-457200">
-              <a:buFont typeface="+mj-lt"/>
-              <a:buAutoNum type="arabicPeriod"/>
-            </a:pPr>
-            <a:r>
-              <a:rPr lang="en-US" altLang="ja-JP" dirty="0"/>
-              <a:t>localhost:</a:t>
+              <a:t>で</a:t>
+            </a:r>
+            <a:r>
+              <a:rPr lang="en-US" altLang="ja-JP" dirty="0" err="1" smtClean="0"/>
+              <a:t>i</a:t>
+            </a:r>
+            <a:r>
+              <a:rPr lang="ja-JP" altLang="en-US" dirty="0" smtClean="0"/>
+              <a:t>から</a:t>
+            </a:r>
+            <a:r>
+              <a:rPr lang="en-US" altLang="ja-JP" dirty="0" err="1" smtClean="0"/>
+              <a:t>i</a:t>
+            </a:r>
+            <a:r>
+              <a:rPr lang="ja-JP" altLang="en-US" dirty="0" smtClean="0"/>
+              <a:t>を引く，</a:t>
+            </a:r>
+            <a:r>
+              <a:rPr lang="en-US" altLang="ja-JP" dirty="0" err="1" smtClean="0"/>
+              <a:t>i</a:t>
             </a:r>
             <a:r>
               <a:rPr lang="en-US" altLang="ja-JP" dirty="0" smtClean="0"/>
-              <a:t>3000/index </a:t>
+              <a:t> &gt;= 0</a:t>
             </a:r>
             <a:r>
               <a:rPr lang="ja-JP" altLang="en-US" dirty="0" smtClean="0"/>
-              <a:t>にアクセスしたときも，</a:t>
+              <a:t>で</a:t>
             </a:r>
             <a:r>
               <a:rPr lang="en-US" altLang="ja-JP" dirty="0" err="1" smtClean="0"/>
-              <a:t>index.html</a:t>
+              <a:t>i</a:t>
             </a:r>
             <a:r>
               <a:rPr lang="ja-JP" altLang="en-US" dirty="0" smtClean="0"/>
-              <a:t>を表示する</a:t>
+              <a:t>が</a:t>
+            </a:r>
+            <a:r>
+              <a:rPr lang="en-US" altLang="ja-JP" dirty="0" smtClean="0"/>
+              <a:t>0</a:t>
+            </a:r>
+            <a:r>
+              <a:rPr lang="ja-JP" altLang="en-US" dirty="0" smtClean="0"/>
+              <a:t>以上という意味になる</a:t>
             </a:r>
             <a:endParaRPr kumimoji="1" lang="ja-JP" altLang="en-US" dirty="0"/>
           </a:p>
         </p:txBody>
       </p:sp>
+      <p:pic>
+        <p:nvPicPr>
+          <p:cNvPr id="6" name="図 5" descr="スクリーンショット 2014-12-04 14.42.38.png"/>
+          <p:cNvPicPr>
+            <a:picLocks noChangeAspect="1"/>
+          </p:cNvPicPr>
+          <p:nvPr/>
+        </p:nvPicPr>
+        <p:blipFill>
+          <a:blip r:embed="rId2">
+            <a:extLst>
+              <a:ext uri="{28A0092B-C50C-407E-A947-70E740481C1C}">
+                <a14:useLocalDpi xmlns:a14="http://schemas.microsoft.com/office/drawing/2010/main" val="0"/>
+              </a:ext>
+            </a:extLst>
+          </a:blip>
+          <a:stretch>
+            <a:fillRect/>
+          </a:stretch>
+        </p:blipFill>
+        <p:spPr>
+          <a:xfrm>
+            <a:off x="2406650" y="2262413"/>
+            <a:ext cx="4324350" cy="4274645"/>
+          </a:xfrm>
+          <a:prstGeom prst="rect">
+            <a:avLst/>
+          </a:prstGeom>
+        </p:spPr>
+      </p:pic>
     </p:spTree>
     <p:extLst>
       <p:ext uri="{BB962C8B-B14F-4D97-AF65-F5344CB8AC3E}">
-        <p14:creationId xmlns:p14="http://schemas.microsoft.com/office/powerpoint/2010/main" val="1965321083"/>
+        <p14:creationId xmlns:p14="http://schemas.microsoft.com/office/powerpoint/2010/main" val="1337720585"/>
       </p:ext>
     </p:extLst>
   </p:cSld>
@@ -25072,154 +24720,46 @@
           <a:lstStyle/>
           <a:p>
             <a:r>
-              <a:rPr kumimoji="1" lang="en-US" altLang="ja-JP" dirty="0" smtClean="0"/>
-              <a:t>html</a:t>
+              <a:rPr lang="ja-JP" altLang="en-US" dirty="0" smtClean="0"/>
+              <a:t>解答</a:t>
             </a:r>
             <a:r>
               <a:rPr kumimoji="1" lang="ja-JP" altLang="en-US" dirty="0" smtClean="0"/>
-              <a:t>以外のデータを送る</a:t>
+              <a:t>例</a:t>
             </a:r>
             <a:endParaRPr kumimoji="1" lang="ja-JP" altLang="en-US" dirty="0"/>
           </a:p>
         </p:txBody>
       </p:sp>
-      <p:sp>
-        <p:nvSpPr>
-          <p:cNvPr id="4" name="コンテンツ プレースホルダー 3"/>
-          <p:cNvSpPr>
-            <a:spLocks noGrp="1"/>
-          </p:cNvSpPr>
+      <p:pic>
+        <p:nvPicPr>
+          <p:cNvPr id="5" name="コンテンツ プレースホルダー 4" descr="スクリーンショット 2014-12-04 14.44.18.png"/>
+          <p:cNvPicPr>
+            <a:picLocks noGrp="1" noChangeAspect="1"/>
+          </p:cNvPicPr>
           <p:nvPr>
             <p:ph sz="quarter" idx="13"/>
           </p:nvPr>
-        </p:nvSpPr>
+        </p:nvPicPr>
+        <p:blipFill>
+          <a:blip r:embed="rId2">
+            <a:extLst>
+              <a:ext uri="{28A0092B-C50C-407E-A947-70E740481C1C}">
+                <a14:useLocalDpi xmlns:a14="http://schemas.microsoft.com/office/drawing/2010/main" val="0"/>
+              </a:ext>
+            </a:extLst>
+          </a:blip>
+          <a:srcRect t="-17188" b="-17188"/>
+          <a:stretch>
+            <a:fillRect/>
+          </a:stretch>
+        </p:blipFill>
         <p:spPr/>
-        <p:txBody>
-          <a:bodyPr/>
-          <a:lstStyle/>
-          <a:p>
-            <a:r>
-              <a:rPr lang="ja-JP" altLang="en-US" dirty="0" smtClean="0"/>
-              <a:t>データのやり取りには，</a:t>
-            </a:r>
-            <a:r>
-              <a:rPr lang="en-US" altLang="ja-JP" dirty="0" smtClean="0">
-                <a:solidFill>
-                  <a:srgbClr val="FF0000"/>
-                </a:solidFill>
-              </a:rPr>
-              <a:t>JSON</a:t>
-            </a:r>
-            <a:r>
-              <a:rPr lang="ja-JP" altLang="en-US" dirty="0" smtClean="0"/>
-              <a:t>を用いるのが一般的</a:t>
-            </a:r>
-            <a:endParaRPr lang="en-US" altLang="ja-JP" dirty="0" smtClean="0"/>
-          </a:p>
-          <a:p>
-            <a:pPr marL="172800" lvl="1" indent="0">
-              <a:buNone/>
-            </a:pPr>
-            <a:r>
-              <a:rPr kumimoji="1" lang="en-US" altLang="ja-JP" dirty="0" smtClean="0"/>
-              <a:t>JSON</a:t>
-            </a:r>
-            <a:r>
-              <a:rPr kumimoji="1" lang="ja-JP" altLang="en-US" dirty="0" smtClean="0"/>
-              <a:t>の例</a:t>
-            </a:r>
-            <a:r>
-              <a:rPr lang="en-US" altLang="ja-JP" dirty="0"/>
-              <a:t>:</a:t>
-            </a:r>
-            <a:r>
-              <a:rPr lang="en-US" altLang="ja-JP" dirty="0" smtClean="0"/>
-              <a:t> </a:t>
-            </a:r>
-          </a:p>
-          <a:p>
-            <a:pPr marL="172800" lvl="1" indent="0">
-              <a:buNone/>
-            </a:pPr>
-            <a:r>
-              <a:rPr kumimoji="1" lang="en-US" altLang="ja-JP" dirty="0" smtClean="0"/>
-              <a:t>{ </a:t>
-            </a:r>
-          </a:p>
-          <a:p>
-            <a:pPr marL="172800" lvl="1" indent="0">
-              <a:buNone/>
-            </a:pPr>
-            <a:r>
-              <a:rPr lang="en-US" altLang="ja-JP" dirty="0"/>
-              <a:t> </a:t>
-            </a:r>
-            <a:r>
-              <a:rPr lang="en-US" altLang="ja-JP" dirty="0" smtClean="0"/>
-              <a:t>  </a:t>
-            </a:r>
-            <a:r>
-              <a:rPr kumimoji="1" lang="en-US" altLang="ja-JP" dirty="0" smtClean="0"/>
-              <a:t>“name”: “Taro”,</a:t>
-            </a:r>
-          </a:p>
-          <a:p>
-            <a:pPr marL="172800" lvl="1" indent="0">
-              <a:buNone/>
-            </a:pPr>
-            <a:r>
-              <a:rPr kumimoji="1" lang="en-US" altLang="ja-JP" dirty="0" smtClean="0"/>
-              <a:t>   “age”: 20,</a:t>
-            </a:r>
-          </a:p>
-          <a:p>
-            <a:pPr marL="172800" lvl="1" indent="0">
-              <a:buNone/>
-            </a:pPr>
-            <a:r>
-              <a:rPr lang="en-US" altLang="ja-JP" dirty="0"/>
-              <a:t> </a:t>
-            </a:r>
-            <a:r>
-              <a:rPr lang="en-US" altLang="ja-JP" dirty="0" smtClean="0"/>
-              <a:t>  “list”: [1, 2, 3]</a:t>
-            </a:r>
-          </a:p>
-          <a:p>
-            <a:pPr marL="172800" lvl="1" indent="0">
-              <a:buNone/>
-            </a:pPr>
-            <a:r>
-              <a:rPr kumimoji="1" lang="en-US" altLang="ja-JP" dirty="0" smtClean="0"/>
-              <a:t> }</a:t>
-            </a:r>
-            <a:endParaRPr kumimoji="1" lang="en-US" altLang="ja-JP" dirty="0"/>
-          </a:p>
-          <a:p>
-            <a:r>
-              <a:rPr lang="en-US" altLang="ja-JP" dirty="0" err="1" smtClean="0"/>
-              <a:t>Node.js</a:t>
-            </a:r>
-            <a:r>
-              <a:rPr lang="ja-JP" altLang="en-US" dirty="0" smtClean="0"/>
-              <a:t>では</a:t>
-            </a:r>
-            <a:r>
-              <a:rPr lang="en-US" altLang="ja-JP" dirty="0" smtClean="0"/>
-              <a:t>JSON</a:t>
-            </a:r>
-            <a:r>
-              <a:rPr lang="ja-JP" altLang="en-US" dirty="0" smtClean="0"/>
-              <a:t>を扱うのが簡単</a:t>
-            </a:r>
-            <a:endParaRPr kumimoji="1" lang="ja-JP" altLang="en-US" dirty="0"/>
-          </a:p>
-        </p:txBody>
-      </p:sp>
+      </p:pic>
     </p:spTree>
     <p:extLst>
       <p:ext uri="{BB962C8B-B14F-4D97-AF65-F5344CB8AC3E}">
-        <p14:creationId xmlns:p14="http://schemas.microsoft.com/office/powerpoint/2010/main" val="432594759"/>
+        <p14:creationId xmlns:p14="http://schemas.microsoft.com/office/powerpoint/2010/main" val="1906339319"/>
       </p:ext>
     </p:extLst>
   </p:cSld>
@@ -25288,20 +24828,8 @@
           <a:lstStyle/>
           <a:p>
             <a:r>
-              <a:rPr kumimoji="1" lang="en-US" altLang="ja-JP" dirty="0" err="1" smtClean="0"/>
-              <a:t>Node.js</a:t>
-            </a:r>
-            <a:r>
               <a:rPr kumimoji="1" lang="ja-JP" altLang="en-US" dirty="0" smtClean="0"/>
-              <a:t>で</a:t>
-            </a:r>
-            <a:r>
-              <a:rPr kumimoji="1" lang="en-US" altLang="ja-JP" dirty="0" smtClean="0"/>
-              <a:t>JSON</a:t>
-            </a:r>
-            <a:r>
-              <a:rPr kumimoji="1" lang="ja-JP" altLang="en-US" dirty="0" smtClean="0"/>
-              <a:t>データを送るには</a:t>
+              <a:t>演習（応用）</a:t>
             </a:r>
             <a:endParaRPr kumimoji="1" lang="ja-JP" altLang="en-US" dirty="0"/>
           </a:p>
@@ -25319,200 +24847,117 @@
         </p:nvSpPr>
         <p:spPr/>
         <p:txBody>
-          <a:bodyPr>
-            <a:normAutofit lnSpcReduction="10000"/>
-          </a:bodyPr>
+          <a:bodyPr/>
           <a:lstStyle/>
           <a:p>
             <a:r>
-              <a:rPr lang="en-US" altLang="ja-JP" dirty="0" err="1" smtClean="0"/>
-              <a:t>routes.js</a:t>
-            </a:r>
-            <a:r>
               <a:rPr lang="ja-JP" altLang="en-US" dirty="0" smtClean="0"/>
-              <a:t>に以下を追記</a:t>
-            </a:r>
-            <a:endParaRPr kumimoji="1" lang="en-US" altLang="ja-JP" dirty="0" smtClean="0"/>
-          </a:p>
-          <a:p>
-            <a:pPr marL="0" indent="0">
-              <a:buNone/>
-            </a:pPr>
-            <a:endParaRPr kumimoji="1" lang="en-US" altLang="ja-JP" dirty="0" smtClean="0"/>
+              <a:t>結果画面に以下を出力するプログラムを書いてみよう</a:t>
+            </a:r>
+            <a:endParaRPr lang="en-US" altLang="ja-JP" dirty="0" smtClean="0"/>
+          </a:p>
+          <a:p>
+            <a:pPr lvl="1"/>
+            <a:r>
+              <a:rPr kumimoji="1" lang="ja-JP" altLang="en-US" dirty="0" smtClean="0"/>
+              <a:t>ヒント：</a:t>
+            </a:r>
+            <a:r>
+              <a:rPr kumimoji="1" lang="en-US" altLang="ja-JP" dirty="0" smtClean="0"/>
+              <a:t>for</a:t>
+            </a:r>
+            <a:r>
+              <a:rPr lang="ja-JP" altLang="en-US" dirty="0" smtClean="0"/>
+              <a:t>文を二重に使う，文字列の連結には</a:t>
+            </a:r>
+            <a:r>
+              <a:rPr lang="en-US" altLang="ja-JP" dirty="0" smtClean="0"/>
+              <a:t>+</a:t>
+            </a:r>
+            <a:r>
+              <a:rPr lang="ja-JP" altLang="en-US" dirty="0" smtClean="0"/>
+              <a:t>を使う</a:t>
+            </a:r>
+            <a:endParaRPr lang="en-US" altLang="ja-JP" dirty="0" smtClean="0"/>
           </a:p>
           <a:p>
             <a:pPr marL="172800" lvl="1" indent="0">
               <a:buNone/>
             </a:pPr>
             <a:r>
-              <a:rPr lang="en-US" altLang="ja-JP" dirty="0" err="1" smtClean="0"/>
-              <a:t>app.get</a:t>
-            </a:r>
-            <a:r>
-              <a:rPr lang="en-US" altLang="ja-JP" dirty="0"/>
-              <a:t>("/</a:t>
-            </a:r>
-            <a:r>
-              <a:rPr lang="en-US" altLang="ja-JP" dirty="0" err="1"/>
-              <a:t>json</a:t>
-            </a:r>
-            <a:r>
-              <a:rPr lang="en-US" altLang="ja-JP" dirty="0"/>
-              <a:t>", function(request, response) {</a:t>
-            </a:r>
-          </a:p>
-          <a:p>
-            <a:pPr marL="172800" lvl="1" indent="0">
-              <a:buNone/>
-            </a:pPr>
-            <a:r>
-              <a:rPr lang="en-US" altLang="ja-JP" dirty="0"/>
-              <a:t>		</a:t>
-            </a:r>
-            <a:r>
-              <a:rPr lang="en-US" altLang="ja-JP" dirty="0" err="1"/>
-              <a:t>response.send</a:t>
-            </a:r>
-            <a:r>
-              <a:rPr lang="en-US" altLang="ja-JP" dirty="0"/>
-              <a:t>({</a:t>
-            </a:r>
-          </a:p>
-          <a:p>
-            <a:pPr marL="172800" lvl="1" indent="0">
-              <a:buNone/>
-            </a:pPr>
-            <a:r>
-              <a:rPr lang="en-US" altLang="ja-JP" dirty="0"/>
-              <a:t>			name: "Taro",</a:t>
-            </a:r>
-          </a:p>
-          <a:p>
-            <a:pPr marL="172800" lvl="1" indent="0">
-              <a:buNone/>
-            </a:pPr>
-            <a:r>
-              <a:rPr lang="en-US" altLang="ja-JP" dirty="0"/>
-              <a:t>			age: 20,</a:t>
-            </a:r>
-          </a:p>
-          <a:p>
-            <a:pPr marL="172800" lvl="1" indent="0">
-              <a:buNone/>
-            </a:pPr>
-            <a:r>
-              <a:rPr lang="en-US" altLang="ja-JP" dirty="0"/>
-              <a:t>			list: [1, 2, 3]</a:t>
-            </a:r>
-          </a:p>
-          <a:p>
-            <a:pPr marL="172800" lvl="1" indent="0">
-              <a:buNone/>
-            </a:pPr>
-            <a:r>
-              <a:rPr lang="en-US" altLang="ja-JP" dirty="0"/>
-              <a:t>		});</a:t>
-            </a:r>
-          </a:p>
-          <a:p>
-            <a:pPr marL="172800" lvl="1" indent="0">
-              <a:buNone/>
-            </a:pPr>
-            <a:r>
-              <a:rPr lang="en-US" altLang="ja-JP" dirty="0" smtClean="0"/>
-              <a:t>}</a:t>
-            </a:r>
-            <a:r>
-              <a:rPr lang="en-US" altLang="ja-JP" dirty="0"/>
-              <a:t>)</a:t>
-            </a:r>
-            <a:r>
-              <a:rPr lang="en-US" altLang="ja-JP" dirty="0" smtClean="0"/>
-              <a:t>;</a:t>
-            </a:r>
-          </a:p>
-          <a:p>
-            <a:pPr marL="172800" lvl="1" indent="0">
-              <a:buNone/>
-            </a:pPr>
-            <a:endParaRPr kumimoji="1" lang="en-US" altLang="ja-JP" dirty="0"/>
-          </a:p>
-          <a:p>
-            <a:pPr marL="172800" lvl="1" indent="0">
-              <a:buNone/>
-            </a:pPr>
-            <a:r>
-              <a:rPr kumimoji="1" lang="ja-JP" altLang="en-US" dirty="0" smtClean="0"/>
-              <a:t>このように変更してサーバを再起動</a:t>
-            </a:r>
-            <a:endParaRPr kumimoji="1" lang="en-US" altLang="ja-JP" dirty="0" smtClean="0"/>
-          </a:p>
-          <a:p>
-            <a:pPr marL="172800" lvl="1" indent="0">
-              <a:buNone/>
-            </a:pPr>
-            <a:r>
-              <a:rPr kumimoji="1" lang="en-US" altLang="ja-JP" dirty="0" smtClean="0"/>
-              <a:t>(ctrl + c </a:t>
-            </a:r>
-            <a:r>
-              <a:rPr kumimoji="1" lang="ja-JP" altLang="en-US" dirty="0" smtClean="0"/>
-              <a:t>してからもう一度</a:t>
-            </a:r>
-            <a:r>
-              <a:rPr kumimoji="1" lang="en-US" altLang="ja-JP" dirty="0" smtClean="0"/>
-              <a:t> node </a:t>
-            </a:r>
-            <a:r>
-              <a:rPr kumimoji="1" lang="en-US" altLang="ja-JP" dirty="0" err="1" smtClean="0"/>
-              <a:t>app.js</a:t>
-            </a:r>
-            <a:r>
-              <a:rPr kumimoji="1" lang="en-US" altLang="ja-JP" dirty="0" smtClean="0"/>
-              <a:t>) </a:t>
-            </a:r>
-            <a:r>
-              <a:rPr kumimoji="1" lang="ja-JP" altLang="en-US" dirty="0" smtClean="0"/>
-              <a:t>すれば，</a:t>
-            </a:r>
-            <a:endParaRPr kumimoji="1" lang="en-US" altLang="ja-JP" dirty="0" smtClean="0"/>
-          </a:p>
-          <a:p>
-            <a:pPr marL="172800" lvl="1" indent="0">
-              <a:buNone/>
-            </a:pPr>
-            <a:r>
-              <a:rPr kumimoji="1" lang="en-US" altLang="ja-JP" dirty="0" smtClean="0"/>
-              <a:t>localhost:3000/</a:t>
-            </a:r>
-            <a:r>
-              <a:rPr kumimoji="1" lang="en-US" altLang="ja-JP" dirty="0" err="1" smtClean="0"/>
-              <a:t>json</a:t>
-            </a:r>
-            <a:r>
               <a:rPr lang="en-US" altLang="ja-JP" dirty="0"/>
               <a:t> </a:t>
             </a:r>
             <a:r>
+              <a:rPr lang="en-US" altLang="ja-JP" dirty="0" smtClean="0"/>
+              <a:t>                                                            </a:t>
+            </a:r>
+            <a:r>
               <a:rPr lang="ja-JP" altLang="en-US" dirty="0" smtClean="0"/>
-              <a:t>にアクセスしたとき，</a:t>
+              <a:t>（</a:t>
+            </a:r>
+            <a:r>
+              <a:rPr lang="en-US" altLang="ja-JP" dirty="0" smtClean="0"/>
+              <a:t>”a” + “</a:t>
             </a:r>
             <a:r>
               <a:rPr lang="en-US" altLang="ja-JP" dirty="0" err="1" smtClean="0"/>
-              <a:t>json</a:t>
+              <a:t>bc</a:t>
+            </a:r>
+            <a:r>
+              <a:rPr lang="en-US" altLang="ja-JP" dirty="0" smtClean="0"/>
+              <a:t>” =&gt; “</a:t>
+            </a:r>
+            <a:r>
+              <a:rPr lang="en-US" altLang="ja-JP" dirty="0" err="1" smtClean="0"/>
+              <a:t>abc</a:t>
+            </a:r>
+            <a:r>
+              <a:rPr lang="en-US" altLang="ja-JP" dirty="0" smtClean="0"/>
+              <a:t>”</a:t>
             </a:r>
             <a:r>
               <a:rPr lang="ja-JP" altLang="en-US" dirty="0" smtClean="0"/>
-              <a:t>がブラウザ上に表示</a:t>
+              <a:t>）</a:t>
             </a:r>
             <a:endParaRPr kumimoji="1" lang="ja-JP" altLang="en-US" dirty="0"/>
           </a:p>
         </p:txBody>
       </p:sp>
+      <p:pic>
+        <p:nvPicPr>
+          <p:cNvPr id="5" name="図 4" descr="スクリーンショット 2014-12-04 14.34.54.png"/>
+          <p:cNvPicPr>
+            <a:picLocks noChangeAspect="1"/>
+          </p:cNvPicPr>
+          <p:nvPr/>
+        </p:nvPicPr>
+        <p:blipFill>
+          <a:blip r:embed="rId2">
+            <a:extLst>
+              <a:ext uri="{28A0092B-C50C-407E-A947-70E740481C1C}">
+                <a14:useLocalDpi xmlns:a14="http://schemas.microsoft.com/office/drawing/2010/main" val="0"/>
+              </a:ext>
+            </a:extLst>
+          </a:blip>
+          <a:stretch>
+            <a:fillRect/>
+          </a:stretch>
+        </p:blipFill>
+        <p:spPr>
+          <a:xfrm>
+            <a:off x="2920999" y="2633722"/>
+            <a:ext cx="3229429" cy="4006565"/>
+          </a:xfrm>
+          <a:prstGeom prst="rect">
+            <a:avLst/>
+          </a:prstGeom>
+        </p:spPr>
+      </p:pic>
     </p:spTree>
     <p:extLst>
       <p:ext uri="{BB962C8B-B14F-4D97-AF65-F5344CB8AC3E}">
-        <p14:creationId xmlns:p14="http://schemas.microsoft.com/office/powerpoint/2010/main" val="1455059596"/>
+        <p14:creationId xmlns:p14="http://schemas.microsoft.com/office/powerpoint/2010/main" val="2942797864"/>
       </p:ext>
     </p:extLst>
   </p:cSld>
@@ -25581,253 +25026,42 @@
           <a:lstStyle/>
           <a:p>
             <a:r>
-              <a:rPr kumimoji="1" lang="ja-JP" altLang="en-US" dirty="0" smtClean="0"/>
-              <a:t>クライアントからデータを受け取る</a:t>
+              <a:rPr lang="ja-JP" altLang="en-US" dirty="0" smtClean="0"/>
+              <a:t>解答例</a:t>
             </a:r>
             <a:endParaRPr kumimoji="1" lang="ja-JP" altLang="en-US" dirty="0"/>
           </a:p>
         </p:txBody>
       </p:sp>
-      <p:sp>
-        <p:nvSpPr>
-          <p:cNvPr id="4" name="コンテンツ プレースホルダー 3"/>
-          <p:cNvSpPr>
-            <a:spLocks noGrp="1"/>
-          </p:cNvSpPr>
+      <p:pic>
+        <p:nvPicPr>
+          <p:cNvPr id="5" name="コンテンツ プレースホルダー 4" descr="スクリーンショット 2014-12-04 14.37.24.png"/>
+          <p:cNvPicPr>
+            <a:picLocks noGrp="1" noChangeAspect="1"/>
+          </p:cNvPicPr>
           <p:nvPr>
             <p:ph sz="quarter" idx="13"/>
           </p:nvPr>
-        </p:nvSpPr>
+        </p:nvPicPr>
+        <p:blipFill>
+          <a:blip r:embed="rId2">
+            <a:extLst>
+              <a:ext uri="{28A0092B-C50C-407E-A947-70E740481C1C}">
+                <a14:useLocalDpi xmlns:a14="http://schemas.microsoft.com/office/drawing/2010/main" val="0"/>
+              </a:ext>
+            </a:extLst>
+          </a:blip>
+          <a:srcRect l="-7671" r="-7671"/>
+          <a:stretch>
+            <a:fillRect/>
+          </a:stretch>
+        </p:blipFill>
         <p:spPr/>
-        <p:txBody>
-          <a:bodyPr>
-            <a:normAutofit lnSpcReduction="10000"/>
-          </a:bodyPr>
-          <a:lstStyle/>
-          <a:p>
-            <a:r>
-              <a:rPr kumimoji="1" lang="en-US" altLang="ja-JP" dirty="0" smtClean="0"/>
-              <a:t>public/</a:t>
-            </a:r>
-            <a:r>
-              <a:rPr kumimoji="1" lang="en-US" altLang="ja-JP" dirty="0" err="1" smtClean="0"/>
-              <a:t>js</a:t>
-            </a:r>
-            <a:r>
-              <a:rPr kumimoji="1" lang="en-US" altLang="ja-JP" dirty="0" smtClean="0"/>
-              <a:t>/</a:t>
-            </a:r>
-            <a:r>
-              <a:rPr kumimoji="1" lang="en-US" altLang="ja-JP" dirty="0" err="1" smtClean="0"/>
-              <a:t>main.js</a:t>
-            </a:r>
-            <a:r>
-              <a:rPr kumimoji="1" lang="ja-JP" altLang="en-US" dirty="0" smtClean="0"/>
-              <a:t>を開き，以下を追記</a:t>
-            </a:r>
-            <a:endParaRPr kumimoji="1" lang="en-US" altLang="ja-JP" dirty="0" smtClean="0"/>
-          </a:p>
-          <a:p>
-            <a:pPr marL="0" indent="0">
-              <a:buNone/>
-            </a:pPr>
-            <a:endParaRPr kumimoji="1" lang="en-US" altLang="ja-JP" dirty="0" smtClean="0"/>
-          </a:p>
-          <a:p>
-            <a:pPr marL="172800" lvl="1" indent="0">
-              <a:buNone/>
-            </a:pPr>
-            <a:r>
-              <a:rPr lang="en-US" altLang="ja-JP" dirty="0"/>
-              <a:t>function power() {</a:t>
-            </a:r>
-          </a:p>
-          <a:p>
-            <a:pPr marL="172800" lvl="1" indent="0">
-              <a:buNone/>
-            </a:pPr>
-            <a:r>
-              <a:rPr lang="en-US" altLang="ja-JP" dirty="0"/>
-              <a:t>	$.</a:t>
-            </a:r>
-            <a:r>
-              <a:rPr lang="en-US" altLang="ja-JP" dirty="0" err="1"/>
-              <a:t>ajax</a:t>
-            </a:r>
-            <a:r>
-              <a:rPr lang="en-US" altLang="ja-JP" dirty="0"/>
-              <a:t>({</a:t>
-            </a:r>
-          </a:p>
-          <a:p>
-            <a:pPr marL="172800" lvl="1" indent="0">
-              <a:buNone/>
-            </a:pPr>
-            <a:r>
-              <a:rPr lang="en-US" altLang="ja-JP" dirty="0"/>
-              <a:t>	</a:t>
-            </a:r>
-            <a:r>
-              <a:rPr lang="en-US" altLang="ja-JP" dirty="0" smtClean="0"/>
-              <a:t>	</a:t>
-            </a:r>
-            <a:r>
-              <a:rPr lang="en-US" altLang="ja-JP" dirty="0"/>
-              <a:t>	</a:t>
-            </a:r>
-            <a:r>
-              <a:rPr lang="en-US" altLang="ja-JP" dirty="0" err="1"/>
-              <a:t>url</a:t>
-            </a:r>
-            <a:r>
-              <a:rPr lang="en-US" altLang="ja-JP" dirty="0"/>
-              <a:t>: "/power",</a:t>
-            </a:r>
-          </a:p>
-          <a:p>
-            <a:pPr marL="172800" lvl="1" indent="0">
-              <a:buNone/>
-            </a:pPr>
-            <a:r>
-              <a:rPr lang="en-US" altLang="ja-JP" dirty="0"/>
-              <a:t>	</a:t>
-            </a:r>
-            <a:r>
-              <a:rPr lang="en-US" altLang="ja-JP" dirty="0" smtClean="0"/>
-              <a:t>	</a:t>
-            </a:r>
-            <a:r>
-              <a:rPr lang="en-US" altLang="ja-JP" dirty="0"/>
-              <a:t>	data: {</a:t>
-            </a:r>
-          </a:p>
-          <a:p>
-            <a:pPr marL="172800" lvl="1" indent="0">
-              <a:buNone/>
-            </a:pPr>
-            <a:r>
-              <a:rPr lang="en-US" altLang="ja-JP" dirty="0"/>
-              <a:t>			</a:t>
-            </a:r>
-            <a:r>
-              <a:rPr lang="en-US" altLang="ja-JP" dirty="0" smtClean="0"/>
-              <a:t>		value</a:t>
-            </a:r>
-            <a:r>
-              <a:rPr lang="en-US" altLang="ja-JP" dirty="0"/>
-              <a:t>: 30</a:t>
-            </a:r>
-          </a:p>
-          <a:p>
-            <a:pPr marL="172800" lvl="1" indent="0">
-              <a:buNone/>
-            </a:pPr>
-            <a:r>
-              <a:rPr lang="en-US" altLang="ja-JP" dirty="0"/>
-              <a:t>		</a:t>
-            </a:r>
-            <a:r>
-              <a:rPr lang="en-US" altLang="ja-JP" dirty="0" smtClean="0"/>
-              <a:t>	}</a:t>
-            </a:r>
-            <a:r>
-              <a:rPr lang="en-US" altLang="ja-JP" dirty="0"/>
-              <a:t>,</a:t>
-            </a:r>
-          </a:p>
-          <a:p>
-            <a:pPr marL="172800" lvl="1" indent="0">
-              <a:buNone/>
-            </a:pPr>
-            <a:r>
-              <a:rPr lang="en-US" altLang="ja-JP" dirty="0"/>
-              <a:t>		</a:t>
-            </a:r>
-            <a:r>
-              <a:rPr lang="en-US" altLang="ja-JP" dirty="0" smtClean="0"/>
-              <a:t>	success</a:t>
-            </a:r>
-            <a:r>
-              <a:rPr lang="en-US" altLang="ja-JP" dirty="0"/>
-              <a:t>: function(data) { </a:t>
-            </a:r>
-          </a:p>
-          <a:p>
-            <a:pPr marL="172800" lvl="1" indent="0">
-              <a:buNone/>
-            </a:pPr>
-            <a:r>
-              <a:rPr lang="en-US" altLang="ja-JP" dirty="0"/>
-              <a:t>			</a:t>
-            </a:r>
-            <a:r>
-              <a:rPr lang="en-US" altLang="ja-JP" dirty="0" smtClean="0"/>
-              <a:t>		$</a:t>
-            </a:r>
-            <a:r>
-              <a:rPr lang="en-US" altLang="ja-JP" dirty="0"/>
-              <a:t>("h1")</a:t>
-            </a:r>
-            <a:r>
-              <a:rPr lang="en-US" altLang="ja-JP" dirty="0" smtClean="0"/>
-              <a:t>.text(</a:t>
-            </a:r>
-            <a:r>
-              <a:rPr lang="en-US" altLang="ja-JP" dirty="0" err="1"/>
-              <a:t>data.value</a:t>
-            </a:r>
-            <a:r>
-              <a:rPr lang="en-US" altLang="ja-JP" dirty="0"/>
-              <a:t>);</a:t>
-            </a:r>
-          </a:p>
-          <a:p>
-            <a:pPr marL="172800" lvl="1" indent="0">
-              <a:buNone/>
-            </a:pPr>
-            <a:r>
-              <a:rPr lang="en-US" altLang="ja-JP" dirty="0"/>
-              <a:t>		</a:t>
-            </a:r>
-            <a:r>
-              <a:rPr lang="en-US" altLang="ja-JP" dirty="0" smtClean="0"/>
-              <a:t>	}</a:t>
-            </a:r>
-            <a:endParaRPr lang="en-US" altLang="ja-JP" dirty="0"/>
-          </a:p>
-          <a:p>
-            <a:pPr marL="172800" lvl="1" indent="0">
-              <a:buNone/>
-            </a:pPr>
-            <a:r>
-              <a:rPr lang="en-US" altLang="ja-JP" dirty="0"/>
-              <a:t>	</a:t>
-            </a:r>
-            <a:r>
-              <a:rPr lang="en-US" altLang="ja-JP" dirty="0" smtClean="0"/>
-              <a:t>	}</a:t>
-            </a:r>
-            <a:r>
-              <a:rPr lang="en-US" altLang="ja-JP" dirty="0"/>
-              <a:t>);</a:t>
-            </a:r>
-          </a:p>
-          <a:p>
-            <a:pPr marL="172800" lvl="1" indent="0">
-              <a:buNone/>
-            </a:pPr>
-            <a:r>
-              <a:rPr lang="en-US" altLang="ja-JP" dirty="0"/>
-              <a:t>}</a:t>
-            </a:r>
-            <a:endParaRPr kumimoji="1" lang="ja-JP" altLang="en-US" dirty="0"/>
-          </a:p>
-        </p:txBody>
-      </p:sp>
+      </p:pic>
     </p:spTree>
     <p:extLst>
       <p:ext uri="{BB962C8B-B14F-4D97-AF65-F5344CB8AC3E}">
-        <p14:creationId xmlns:p14="http://schemas.microsoft.com/office/powerpoint/2010/main" val="3368577983"/>
+        <p14:creationId xmlns:p14="http://schemas.microsoft.com/office/powerpoint/2010/main" val="203820690"/>
       </p:ext>
     </p:extLst>
   </p:cSld>
@@ -25897,11 +25131,15 @@
           <a:p>
             <a:r>
               <a:rPr kumimoji="1" lang="en-US" altLang="ja-JP" dirty="0" smtClean="0"/>
-              <a:t>html</a:t>
+              <a:t>JavaScript</a:t>
+            </a:r>
+            <a:r>
+              <a:rPr lang="ja-JP" altLang="en-US" dirty="0" smtClean="0"/>
+              <a:t>の</a:t>
             </a:r>
             <a:r>
               <a:rPr kumimoji="1" lang="ja-JP" altLang="en-US" dirty="0" smtClean="0"/>
-              <a:t>の書き換え</a:t>
+              <a:t>関数</a:t>
             </a:r>
             <a:endParaRPr kumimoji="1" lang="ja-JP" altLang="en-US" dirty="0"/>
           </a:p>
@@ -25923,185 +25161,103 @@
           <a:lstStyle/>
           <a:p>
             <a:r>
-              <a:rPr kumimoji="1" lang="en-US" altLang="ja-JP" dirty="0" err="1" smtClean="0"/>
-              <a:t>index.html</a:t>
-            </a:r>
-            <a:r>
               <a:rPr kumimoji="1" lang="ja-JP" altLang="en-US" dirty="0" smtClean="0"/>
-              <a:t>を以下のように追記</a:t>
+              <a:t>関数とは？</a:t>
             </a:r>
             <a:endParaRPr kumimoji="1" lang="en-US" altLang="ja-JP" dirty="0" smtClean="0"/>
           </a:p>
           <a:p>
-            <a:pPr marL="0" indent="0">
-              <a:buNone/>
+            <a:pPr lvl="1"/>
+            <a:r>
+              <a:rPr lang="ja-JP" altLang="en-US" dirty="0" smtClean="0"/>
+              <a:t>引数を受け取って何らかの処理をして返り値を返すもの</a:t>
+            </a:r>
+            <a:endParaRPr lang="en-US" altLang="ja-JP" dirty="0" smtClean="0"/>
+          </a:p>
+          <a:p>
+            <a:pPr lvl="2"/>
+            <a:r>
+              <a:rPr kumimoji="1" lang="en-US" altLang="ja-JP" dirty="0" smtClean="0"/>
+              <a:t>y = f(x)</a:t>
+            </a:r>
+            <a:r>
+              <a:rPr kumimoji="1" lang="ja-JP" altLang="en-US" dirty="0" smtClean="0"/>
+              <a:t>の</a:t>
+            </a:r>
+            <a:r>
+              <a:rPr kumimoji="1" lang="en-US" altLang="ja-JP" dirty="0" smtClean="0"/>
+              <a:t>f</a:t>
+            </a:r>
+            <a:endParaRPr kumimoji="1" lang="en-US" altLang="ja-JP" dirty="0" smtClean="0"/>
+          </a:p>
+          <a:p>
+            <a:r>
+              <a:rPr kumimoji="1" lang="en-US" altLang="ja-JP" dirty="0" smtClean="0"/>
+              <a:t>JavaScript</a:t>
+            </a:r>
+            <a:r>
+              <a:rPr kumimoji="1" lang="ja-JP" altLang="en-US" dirty="0" smtClean="0"/>
+              <a:t>は関数型プログラミングをサポート</a:t>
+            </a:r>
+            <a:endParaRPr kumimoji="1" lang="en-US" altLang="ja-JP" dirty="0" smtClean="0"/>
+          </a:p>
+          <a:p>
+            <a:pPr lvl="1"/>
+            <a:r>
+              <a:rPr kumimoji="1" lang="ja-JP" altLang="en-US" dirty="0" smtClean="0"/>
+              <a:t>関数が第一級オブジェクト</a:t>
+            </a:r>
+            <a:endParaRPr kumimoji="1" lang="en-US" altLang="ja-JP" dirty="0" smtClean="0"/>
+          </a:p>
+          <a:p>
+            <a:pPr lvl="2"/>
+            <a:r>
+              <a:rPr lang="ja-JP" altLang="en-US" dirty="0" smtClean="0"/>
+              <a:t>関数は変数に代入できる</a:t>
+            </a:r>
+            <a:endParaRPr lang="en-US" altLang="ja-JP" dirty="0" smtClean="0"/>
+          </a:p>
+          <a:p>
+            <a:pPr lvl="2"/>
+            <a:r>
+              <a:rPr kumimoji="1" lang="ja-JP" altLang="en-US" dirty="0" smtClean="0"/>
+              <a:t>関数は関数の引数に渡せる</a:t>
+            </a:r>
+            <a:endParaRPr kumimoji="1" lang="en-US" altLang="ja-JP" dirty="0" smtClean="0"/>
+          </a:p>
+          <a:p>
+            <a:pPr lvl="2"/>
+            <a:r>
+              <a:rPr lang="ja-JP" altLang="en-US" dirty="0" smtClean="0"/>
+              <a:t>関数は関数の返り値にできる</a:t>
+            </a:r>
+            <a:endParaRPr lang="en-US" altLang="ja-JP" dirty="0" smtClean="0"/>
+          </a:p>
+          <a:p>
+            <a:pPr lvl="2">
+              <a:buFont typeface="ヒラギノ角ゴ ProN W3"/>
+              <a:buChar char="→"/>
             </a:pPr>
-            <a:endParaRPr lang="en-US" altLang="ja-JP" dirty="0" smtClean="0"/>
-          </a:p>
-          <a:p>
-            <a:pPr marL="0" indent="0">
-              <a:buNone/>
-            </a:pPr>
-            <a:r>
-              <a:rPr lang="en-US" altLang="ja-JP" dirty="0"/>
-              <a:t> </a:t>
-            </a:r>
-            <a:r>
-              <a:rPr lang="en-US" altLang="ja-JP" dirty="0" smtClean="0"/>
-              <a:t>&lt;</a:t>
-            </a:r>
-            <a:r>
-              <a:rPr lang="en-US" altLang="ja-JP" dirty="0"/>
-              <a:t>h1&gt;Hello World!&lt;/h1&gt;</a:t>
-            </a:r>
-          </a:p>
-          <a:p>
-            <a:pPr marL="0" indent="0">
-              <a:buNone/>
-            </a:pPr>
-            <a:r>
-              <a:rPr lang="en-US" altLang="ja-JP" dirty="0"/>
-              <a:t> </a:t>
-            </a:r>
-            <a:r>
-              <a:rPr lang="en-US" altLang="ja-JP" dirty="0" smtClean="0"/>
-              <a:t>&lt;</a:t>
-            </a:r>
-            <a:r>
-              <a:rPr lang="en-US" altLang="ja-JP" dirty="0"/>
-              <a:t>input id="number" type="text" /&gt;</a:t>
-            </a:r>
-          </a:p>
-          <a:p>
-            <a:pPr marL="0" indent="0">
-              <a:buNone/>
-            </a:pPr>
-            <a:r>
-              <a:rPr lang="en-US" altLang="ja-JP" dirty="0"/>
-              <a:t> </a:t>
-            </a:r>
-            <a:r>
-              <a:rPr lang="en-US" altLang="ja-JP" dirty="0" smtClean="0"/>
-              <a:t>&lt;</a:t>
-            </a:r>
-            <a:r>
-              <a:rPr lang="en-US" altLang="ja-JP" dirty="0"/>
-              <a:t>button </a:t>
-            </a:r>
-            <a:r>
-              <a:rPr lang="en-US" altLang="ja-JP" dirty="0" err="1"/>
-              <a:t>onclick</a:t>
-            </a:r>
-            <a:r>
-              <a:rPr lang="en-US" altLang="ja-JP" dirty="0" smtClean="0"/>
-              <a:t>=“power</a:t>
-            </a:r>
-            <a:r>
-              <a:rPr lang="en-US" altLang="ja-JP" dirty="0"/>
-              <a:t>(</a:t>
-            </a:r>
-            <a:r>
-              <a:rPr lang="en-US" altLang="ja-JP" dirty="0" smtClean="0"/>
-              <a:t>)”&gt;</a:t>
-            </a:r>
-            <a:r>
-              <a:rPr lang="ja-JP" altLang="en-US" dirty="0" smtClean="0"/>
-              <a:t>送信</a:t>
-            </a:r>
-            <a:r>
-              <a:rPr lang="en-US" altLang="ja-JP" dirty="0" smtClean="0"/>
-              <a:t>&lt;</a:t>
-            </a:r>
-            <a:r>
-              <a:rPr lang="en-US" altLang="ja-JP" dirty="0"/>
-              <a:t>/button</a:t>
-            </a:r>
-            <a:r>
-              <a:rPr lang="en-US" altLang="ja-JP" dirty="0" smtClean="0"/>
-              <a:t>&gt;</a:t>
-            </a:r>
-          </a:p>
-          <a:p>
-            <a:pPr marL="0" indent="0">
-              <a:buNone/>
-            </a:pPr>
-            <a:endParaRPr lang="en-US" altLang="ja-JP" dirty="0"/>
-          </a:p>
-          <a:p>
-            <a:pPr marL="0" indent="0">
-              <a:buNone/>
-            </a:pPr>
-            <a:r>
-              <a:rPr lang="ja-JP" altLang="en-US" dirty="0" smtClean="0"/>
-              <a:t>このように書くことで，ボタンをクリックしたときに先ほど作った</a:t>
-            </a:r>
-            <a:r>
-              <a:rPr lang="en-US" altLang="ja-JP" dirty="0" smtClean="0"/>
-              <a:t> power </a:t>
-            </a:r>
-            <a:r>
-              <a:rPr lang="ja-JP" altLang="en-US" dirty="0" smtClean="0"/>
-              <a:t>関数が呼ばれ，サーバに対して</a:t>
-            </a:r>
-            <a:r>
-              <a:rPr lang="en-US" altLang="ja-JP" dirty="0" smtClean="0"/>
-              <a:t>JSON</a:t>
-            </a:r>
-          </a:p>
-          <a:p>
-            <a:pPr marL="172800" lvl="1" indent="0">
-              <a:buNone/>
-            </a:pPr>
-            <a:r>
-              <a:rPr lang="en-US" altLang="ja-JP" dirty="0"/>
-              <a:t>{</a:t>
-            </a:r>
-          </a:p>
-          <a:p>
-            <a:pPr marL="172800" lvl="1" indent="0">
-              <a:buNone/>
-            </a:pPr>
-            <a:r>
-              <a:rPr lang="en-US" altLang="ja-JP" dirty="0" smtClean="0"/>
-              <a:t>	value</a:t>
-            </a:r>
-            <a:r>
-              <a:rPr lang="en-US" altLang="ja-JP" dirty="0"/>
-              <a:t>: 30</a:t>
-            </a:r>
-          </a:p>
-          <a:p>
-            <a:pPr marL="172800" lvl="1" indent="0">
-              <a:buNone/>
-            </a:pPr>
-            <a:r>
-              <a:rPr lang="en-US" altLang="ja-JP" dirty="0" smtClean="0"/>
-              <a:t>}</a:t>
-            </a:r>
-            <a:endParaRPr lang="en-US" altLang="ja-JP" dirty="0"/>
-          </a:p>
-          <a:p>
-            <a:pPr marL="0" indent="0">
-              <a:buNone/>
-            </a:pPr>
-            <a:r>
-              <a:rPr lang="ja-JP" altLang="en-US" dirty="0" smtClean="0"/>
-              <a:t>を送信する</a:t>
-            </a:r>
-            <a:endParaRPr lang="en-US" altLang="ja-JP" dirty="0" smtClean="0"/>
-          </a:p>
-          <a:p>
-            <a:pPr marL="0" indent="0">
-              <a:buNone/>
-            </a:pPr>
-            <a:endParaRPr kumimoji="1" lang="ja-JP" altLang="en-US" dirty="0"/>
+            <a:r>
+              <a:rPr kumimoji="1" lang="ja-JP" altLang="en-US" dirty="0" smtClean="0">
+                <a:solidFill>
+                  <a:srgbClr val="FF0000"/>
+                </a:solidFill>
+              </a:rPr>
+              <a:t>関数は数値や文字列と同じように扱える！</a:t>
+            </a:r>
+            <a:endParaRPr kumimoji="1" lang="ja-JP" altLang="en-US" dirty="0">
+              <a:solidFill>
+                <a:srgbClr val="FF0000"/>
+              </a:solidFill>
+            </a:endParaRPr>
           </a:p>
         </p:txBody>
       </p:sp>
     </p:spTree>
     <p:extLst>
       <p:ext uri="{BB962C8B-B14F-4D97-AF65-F5344CB8AC3E}">
-        <p14:creationId xmlns:p14="http://schemas.microsoft.com/office/powerpoint/2010/main" val="2205659010"/>
+        <p14:creationId xmlns:p14="http://schemas.microsoft.com/office/powerpoint/2010/main" val="2347784206"/>
       </p:ext>
     </p:extLst>
   </p:cSld>
@@ -26171,285 +25327,41 @@
           <a:p>
             <a:r>
               <a:rPr kumimoji="1" lang="ja-JP" altLang="en-US" dirty="0" smtClean="0"/>
-              <a:t>サーバで受け取ったデータを処理</a:t>
+              <a:t>関数</a:t>
             </a:r>
             <a:endParaRPr kumimoji="1" lang="ja-JP" altLang="en-US" dirty="0"/>
           </a:p>
         </p:txBody>
       </p:sp>
-      <p:sp>
-        <p:nvSpPr>
-          <p:cNvPr id="4" name="コンテンツ プレースホルダー 3"/>
-          <p:cNvSpPr>
-            <a:spLocks noGrp="1"/>
-          </p:cNvSpPr>
+      <p:pic>
+        <p:nvPicPr>
+          <p:cNvPr id="5" name="コンテンツ プレースホルダー 4" descr="スクリーンショット 2014-12-04 16.41.05.png"/>
+          <p:cNvPicPr>
+            <a:picLocks noGrp="1" noChangeAspect="1"/>
+          </p:cNvPicPr>
           <p:nvPr>
             <p:ph sz="quarter" idx="13"/>
           </p:nvPr>
-        </p:nvSpPr>
+        </p:nvPicPr>
+        <p:blipFill>
+          <a:blip r:embed="rId2">
+            <a:extLst>
+              <a:ext uri="{28A0092B-C50C-407E-A947-70E740481C1C}">
+                <a14:useLocalDpi xmlns:a14="http://schemas.microsoft.com/office/drawing/2010/main" val="0"/>
+              </a:ext>
+            </a:extLst>
+          </a:blip>
+          <a:srcRect t="-12257" b="-12257"/>
+          <a:stretch>
+            <a:fillRect/>
+          </a:stretch>
+        </p:blipFill>
         <p:spPr/>
-        <p:txBody>
-          <a:bodyPr>
-            <a:normAutofit fontScale="92500" lnSpcReduction="10000"/>
-          </a:bodyPr>
-          <a:lstStyle/>
-          <a:p>
-            <a:r>
-              <a:rPr kumimoji="1" lang="en-US" altLang="ja-JP" dirty="0" err="1" smtClean="0"/>
-              <a:t>routes.js</a:t>
-            </a:r>
-            <a:r>
-              <a:rPr kumimoji="1" lang="ja-JP" altLang="en-US" dirty="0" smtClean="0"/>
-              <a:t>に以下を追記</a:t>
-            </a:r>
-            <a:endParaRPr kumimoji="1" lang="en-US" altLang="ja-JP" dirty="0" smtClean="0"/>
-          </a:p>
-          <a:p>
-            <a:endParaRPr lang="en-US" altLang="ja-JP" dirty="0"/>
-          </a:p>
-          <a:p>
-            <a:pPr marL="172800" lvl="1" indent="0">
-              <a:buNone/>
-            </a:pPr>
-            <a:r>
-              <a:rPr lang="en-US" altLang="ja-JP" dirty="0" err="1"/>
-              <a:t>app.get</a:t>
-            </a:r>
-            <a:r>
-              <a:rPr lang="en-US" altLang="ja-JP" dirty="0"/>
-              <a:t>("</a:t>
-            </a:r>
-            <a:r>
-              <a:rPr lang="en-US" altLang="ja-JP" dirty="0" smtClean="0"/>
-              <a:t>/power"</a:t>
-            </a:r>
-            <a:r>
-              <a:rPr lang="en-US" altLang="ja-JP" dirty="0"/>
-              <a:t>, function(request, response) </a:t>
-            </a:r>
-            <a:r>
-              <a:rPr lang="en-US" altLang="ja-JP" dirty="0" smtClean="0"/>
-              <a:t>{</a:t>
-            </a:r>
-          </a:p>
-          <a:p>
-            <a:pPr marL="172800" lvl="1" indent="0">
-              <a:buNone/>
-            </a:pPr>
-            <a:r>
-              <a:rPr lang="en-US" altLang="ja-JP" dirty="0"/>
-              <a:t>	</a:t>
-            </a:r>
-            <a:r>
-              <a:rPr lang="en-US" altLang="ja-JP" dirty="0" err="1" smtClean="0"/>
-              <a:t>var</a:t>
-            </a:r>
-            <a:r>
-              <a:rPr lang="en-US" altLang="ja-JP" dirty="0"/>
-              <a:t> </a:t>
-            </a:r>
-            <a:r>
-              <a:rPr lang="en-US" altLang="ja-JP" dirty="0" smtClean="0"/>
-              <a:t>x = </a:t>
-            </a:r>
-            <a:r>
-              <a:rPr lang="en-US" altLang="ja-JP" dirty="0" err="1"/>
-              <a:t>parseInt</a:t>
-            </a:r>
-            <a:r>
-              <a:rPr lang="en-US" altLang="ja-JP" dirty="0" smtClean="0"/>
-              <a:t>(</a:t>
-            </a:r>
-            <a:r>
-              <a:rPr lang="en-US" altLang="ja-JP" dirty="0" err="1" smtClean="0"/>
-              <a:t>request.query.value</a:t>
-            </a:r>
-            <a:r>
-              <a:rPr lang="en-US" altLang="ja-JP" dirty="0" smtClean="0"/>
-              <a:t>);</a:t>
-            </a:r>
-            <a:endParaRPr lang="en-US" altLang="ja-JP" dirty="0"/>
-          </a:p>
-          <a:p>
-            <a:pPr marL="172800" lvl="1" indent="0">
-              <a:buNone/>
-            </a:pPr>
-            <a:r>
-              <a:rPr lang="en-US" altLang="ja-JP" dirty="0"/>
-              <a:t>		</a:t>
-            </a:r>
-            <a:r>
-              <a:rPr lang="en-US" altLang="ja-JP" dirty="0" err="1"/>
-              <a:t>response.send</a:t>
-            </a:r>
-            <a:r>
-              <a:rPr lang="en-US" altLang="ja-JP" dirty="0"/>
-              <a:t>({</a:t>
-            </a:r>
-          </a:p>
-          <a:p>
-            <a:pPr marL="172800" lvl="1" indent="0">
-              <a:buNone/>
-            </a:pPr>
-            <a:r>
-              <a:rPr lang="en-US" altLang="ja-JP" dirty="0"/>
-              <a:t>		</a:t>
-            </a:r>
-            <a:r>
-              <a:rPr lang="en-US" altLang="ja-JP" dirty="0" smtClean="0"/>
-              <a:t>	value: x * x</a:t>
-            </a:r>
-          </a:p>
-          <a:p>
-            <a:pPr marL="172800" lvl="1" indent="0">
-              <a:buNone/>
-            </a:pPr>
-            <a:r>
-              <a:rPr lang="en-US" altLang="ja-JP" dirty="0"/>
-              <a:t>	</a:t>
-            </a:r>
-            <a:r>
-              <a:rPr lang="en-US" altLang="ja-JP" dirty="0" smtClean="0"/>
-              <a:t>}</a:t>
-            </a:r>
-            <a:r>
-              <a:rPr lang="en-US" altLang="ja-JP" dirty="0"/>
-              <a:t>);</a:t>
-            </a:r>
-          </a:p>
-          <a:p>
-            <a:pPr marL="172800" lvl="1" indent="0">
-              <a:buNone/>
-            </a:pPr>
-            <a:r>
-              <a:rPr lang="en-US" altLang="ja-JP" dirty="0"/>
-              <a:t>})</a:t>
-            </a:r>
-            <a:r>
-              <a:rPr lang="en-US" altLang="ja-JP" dirty="0" smtClean="0"/>
-              <a:t>;</a:t>
-            </a:r>
-          </a:p>
-          <a:p>
-            <a:pPr marL="172800" lvl="1" indent="0">
-              <a:buNone/>
-            </a:pPr>
-            <a:endParaRPr lang="en-US" altLang="ja-JP" dirty="0"/>
-          </a:p>
-          <a:p>
-            <a:pPr marL="172800" lvl="1" indent="0">
-              <a:buNone/>
-            </a:pPr>
-            <a:r>
-              <a:rPr lang="ja-JP" altLang="en-US" dirty="0" smtClean="0"/>
-              <a:t>このとき，</a:t>
-            </a:r>
-            <a:r>
-              <a:rPr lang="en-US" altLang="ja-JP" dirty="0" err="1" smtClean="0"/>
-              <a:t>request.query</a:t>
-            </a:r>
-            <a:r>
-              <a:rPr lang="en-US" altLang="ja-JP" dirty="0" smtClean="0"/>
-              <a:t> </a:t>
-            </a:r>
-            <a:r>
-              <a:rPr lang="ja-JP" altLang="en-US" dirty="0" smtClean="0"/>
-              <a:t>には，クライアントが送信した</a:t>
-            </a:r>
-            <a:r>
-              <a:rPr lang="en-US" altLang="ja-JP" dirty="0" smtClean="0"/>
-              <a:t>JSON</a:t>
-            </a:r>
-            <a:r>
-              <a:rPr lang="ja-JP" altLang="en-US" dirty="0" smtClean="0"/>
-              <a:t>が入っており，その中の</a:t>
-            </a:r>
-            <a:r>
-              <a:rPr lang="en-US" altLang="ja-JP" dirty="0" smtClean="0"/>
-              <a:t> value </a:t>
-            </a:r>
-            <a:r>
-              <a:rPr lang="ja-JP" altLang="en-US" dirty="0" smtClean="0"/>
-              <a:t>を取り出して，</a:t>
-            </a:r>
-            <a:r>
-              <a:rPr lang="en-US" altLang="ja-JP" dirty="0" smtClean="0"/>
-              <a:t>x</a:t>
-            </a:r>
-            <a:r>
-              <a:rPr lang="ja-JP" altLang="en-US" dirty="0" smtClean="0"/>
-              <a:t>に代入し，それを</a:t>
-            </a:r>
-            <a:r>
-              <a:rPr lang="en-US" altLang="ja-JP" dirty="0" smtClean="0"/>
-              <a:t>2</a:t>
-            </a:r>
-            <a:r>
-              <a:rPr lang="ja-JP" altLang="en-US" dirty="0" smtClean="0"/>
-              <a:t>乗した数を入れた</a:t>
-            </a:r>
-            <a:r>
-              <a:rPr lang="en-US" altLang="ja-JP" dirty="0" smtClean="0"/>
-              <a:t>JSON</a:t>
-            </a:r>
-            <a:r>
-              <a:rPr lang="ja-JP" altLang="en-US" dirty="0" smtClean="0"/>
-              <a:t>を，クライアントに返している</a:t>
-            </a:r>
-            <a:endParaRPr lang="en-US" altLang="ja-JP" dirty="0" smtClean="0"/>
-          </a:p>
-          <a:p>
-            <a:pPr marL="172800" lvl="1" indent="0">
-              <a:buNone/>
-            </a:pPr>
-            <a:endParaRPr lang="en-US" altLang="ja-JP" dirty="0"/>
-          </a:p>
-          <a:p>
-            <a:pPr marL="172800" lvl="1" indent="0">
-              <a:buNone/>
-            </a:pPr>
-            <a:r>
-              <a:rPr lang="ja-JP" altLang="en-US" dirty="0" smtClean="0"/>
-              <a:t>このあと，サーバを再起動して</a:t>
-            </a:r>
-            <a:r>
-              <a:rPr lang="en-US" altLang="ja-JP" dirty="0" smtClean="0"/>
-              <a:t> localhost:3000 </a:t>
-            </a:r>
-            <a:r>
-              <a:rPr lang="ja-JP" altLang="en-US" dirty="0" smtClean="0"/>
-              <a:t>にアクセスして送信ボタンを押したとき，</a:t>
-            </a:r>
-            <a:r>
-              <a:rPr lang="en-US" altLang="ja-JP" dirty="0" smtClean="0"/>
-              <a:t>Hello World!</a:t>
-            </a:r>
-            <a:r>
-              <a:rPr lang="ja-JP" altLang="en-US" dirty="0" smtClean="0"/>
-              <a:t>が</a:t>
-            </a:r>
-            <a:r>
-              <a:rPr lang="en-US" altLang="ja-JP" dirty="0" smtClean="0"/>
-              <a:t>900</a:t>
-            </a:r>
-            <a:r>
-              <a:rPr lang="ja-JP" altLang="en-US" dirty="0" smtClean="0"/>
-              <a:t>に変われば成功</a:t>
-            </a:r>
-            <a:endParaRPr lang="en-US" altLang="ja-JP" dirty="0"/>
-          </a:p>
-          <a:p>
-            <a:pPr marL="0" indent="0">
-              <a:buNone/>
-            </a:pPr>
-            <a:endParaRPr kumimoji="1" lang="ja-JP" altLang="en-US" dirty="0"/>
-          </a:p>
-        </p:txBody>
-      </p:sp>
+      </p:pic>
     </p:spTree>
     <p:extLst>
       <p:ext uri="{BB962C8B-B14F-4D97-AF65-F5344CB8AC3E}">
-        <p14:creationId xmlns:p14="http://schemas.microsoft.com/office/powerpoint/2010/main" val="3505598367"/>
+        <p14:creationId xmlns:p14="http://schemas.microsoft.com/office/powerpoint/2010/main" val="794334863"/>
       </p:ext>
     </p:extLst>
   </p:cSld>
@@ -26518,8 +25430,16 @@
           <a:lstStyle/>
           <a:p>
             <a:r>
+              <a:rPr lang="en-US" altLang="ja-JP" dirty="0" smtClean="0"/>
+              <a:t>JavaScript</a:t>
+            </a:r>
+            <a:r>
+              <a:rPr lang="ja-JP" altLang="en-US" dirty="0" smtClean="0"/>
+              <a:t>の</a:t>
+            </a:r>
+            <a:r>
               <a:rPr kumimoji="1" lang="ja-JP" altLang="en-US" dirty="0" smtClean="0"/>
-              <a:t>演習</a:t>
+              <a:t>関数を更に学ぶには</a:t>
             </a:r>
             <a:endParaRPr kumimoji="1" lang="ja-JP" altLang="en-US" dirty="0"/>
           </a:p>
@@ -26540,101 +25460,38 @@
           <a:bodyPr/>
           <a:lstStyle/>
           <a:p>
-            <a:pPr marL="457200" indent="-457200">
-              <a:buFont typeface="+mj-lt"/>
-              <a:buAutoNum type="arabicPeriod"/>
-            </a:pPr>
-            <a:r>
-              <a:rPr lang="en-US" altLang="ja-JP" dirty="0" smtClean="0"/>
-              <a:t>30</a:t>
-            </a:r>
-            <a:r>
-              <a:rPr lang="ja-JP" altLang="en-US" dirty="0" smtClean="0"/>
-              <a:t>ではなく，インプットフォームに入れた値を送信するようにする</a:t>
-            </a:r>
-            <a:endParaRPr lang="en-US" altLang="ja-JP" dirty="0" smtClean="0"/>
+            <a:r>
+              <a:rPr kumimoji="1" lang="ja-JP" altLang="en-US" dirty="0" smtClean="0"/>
+              <a:t>以下のことを調べてみよう</a:t>
+            </a:r>
+            <a:endParaRPr kumimoji="1" lang="en-US" altLang="ja-JP" dirty="0" smtClean="0"/>
           </a:p>
           <a:p>
             <a:pPr lvl="1"/>
             <a:r>
-              <a:rPr lang="ja-JP" altLang="en-US" dirty="0" smtClean="0"/>
-              <a:t>ヒント：</a:t>
-            </a:r>
-            <a:r>
-              <a:rPr lang="en-US" altLang="ja-JP" dirty="0"/>
-              <a:t>$(“#number”</a:t>
-            </a:r>
-            <a:r>
-              <a:rPr lang="en-US" altLang="ja-JP" dirty="0" smtClean="0"/>
-              <a:t>).</a:t>
-            </a:r>
-            <a:r>
-              <a:rPr lang="en-US" altLang="ja-JP" dirty="0" err="1" smtClean="0"/>
-              <a:t>val</a:t>
-            </a:r>
-            <a:r>
-              <a:rPr lang="en-US" altLang="ja-JP" dirty="0" smtClean="0"/>
-              <a:t>() </a:t>
-            </a:r>
-            <a:r>
-              <a:rPr lang="ja-JP" altLang="en-US" dirty="0" smtClean="0"/>
-              <a:t>で，値を取れる</a:t>
-            </a:r>
-            <a:endParaRPr lang="en-US" altLang="ja-JP" dirty="0" smtClean="0"/>
-          </a:p>
-          <a:p>
-            <a:pPr marL="457200" indent="-457200">
-              <a:buFont typeface="+mj-lt"/>
-              <a:buAutoNum type="arabicPeriod"/>
-            </a:pPr>
-            <a:r>
-              <a:rPr lang="ja-JP" altLang="en-US" dirty="0" smtClean="0"/>
-              <a:t>（余力があれば）</a:t>
-            </a:r>
-            <a:r>
-              <a:rPr lang="en-US" altLang="ja-JP" dirty="0" smtClean="0"/>
-              <a:t>2</a:t>
-            </a:r>
-            <a:r>
-              <a:rPr lang="ja-JP" altLang="en-US" dirty="0" smtClean="0"/>
-              <a:t>乗だけではなく，任意の冪乗を可能にする</a:t>
-            </a:r>
-            <a:endParaRPr lang="en-US" altLang="ja-JP" dirty="0" smtClean="0"/>
+              <a:rPr kumimoji="1" lang="ja-JP" altLang="en-US" dirty="0" smtClean="0"/>
+              <a:t>高階関数</a:t>
+            </a:r>
+            <a:endParaRPr kumimoji="1" lang="en-US" altLang="ja-JP" dirty="0" smtClean="0"/>
           </a:p>
           <a:p>
             <a:pPr lvl="1"/>
             <a:r>
               <a:rPr kumimoji="1" lang="ja-JP" altLang="en-US" dirty="0" smtClean="0"/>
-              <a:t>ヒント：</a:t>
-            </a:r>
-            <a:r>
-              <a:rPr kumimoji="1" lang="en-US" altLang="ja-JP" dirty="0" err="1" smtClean="0"/>
-              <a:t>Math.pow</a:t>
-            </a:r>
-            <a:r>
-              <a:rPr kumimoji="1" lang="en-US" altLang="ja-JP" dirty="0" smtClean="0"/>
-              <a:t>(3, 4)</a:t>
-            </a:r>
+              <a:t>スコープ</a:t>
+            </a:r>
+            <a:endParaRPr kumimoji="1" lang="en-US" altLang="ja-JP" dirty="0" smtClean="0"/>
+          </a:p>
+          <a:p>
+            <a:pPr lvl="1"/>
             <a:r>
               <a:rPr kumimoji="1" lang="ja-JP" altLang="en-US" dirty="0" smtClean="0"/>
-              <a:t>とすれば，</a:t>
-            </a:r>
-            <a:r>
-              <a:rPr kumimoji="1" lang="en-US" altLang="ja-JP" dirty="0" smtClean="0"/>
-              <a:t>3</a:t>
-            </a:r>
-            <a:r>
-              <a:rPr kumimoji="1" lang="ja-JP" altLang="en-US" dirty="0" smtClean="0"/>
-              <a:t>の</a:t>
-            </a:r>
-            <a:r>
-              <a:rPr kumimoji="1" lang="en-US" altLang="ja-JP" dirty="0" smtClean="0"/>
-              <a:t>4</a:t>
-            </a:r>
-            <a:r>
-              <a:rPr kumimoji="1" lang="ja-JP" altLang="en-US" dirty="0" smtClean="0"/>
-              <a:t>乗が計算できる</a:t>
-            </a:r>
+              <a:t>クロージャ</a:t>
+            </a:r>
+            <a:endParaRPr kumimoji="1" lang="en-US" altLang="ja-JP" dirty="0" smtClean="0"/>
+          </a:p>
+          <a:p>
+            <a:pPr lvl="1"/>
             <a:endParaRPr kumimoji="1" lang="ja-JP" altLang="en-US" dirty="0"/>
           </a:p>
         </p:txBody>
@@ -26642,7 +25499,7 @@
     </p:spTree>
     <p:extLst>
       <p:ext uri="{BB962C8B-B14F-4D97-AF65-F5344CB8AC3E}">
-        <p14:creationId xmlns:p14="http://schemas.microsoft.com/office/powerpoint/2010/main" val="2996286885"/>
+        <p14:creationId xmlns:p14="http://schemas.microsoft.com/office/powerpoint/2010/main" val="3765369935"/>
       </p:ext>
     </p:extLst>
   </p:cSld>
@@ -26709,7 +25566,11 @@
           <a:p>
             <a:r>
               <a:rPr lang="ja-JP" altLang="en-US" dirty="0" smtClean="0"/>
-              <a:t>名前：髙橋一平（イッペンニン）</a:t>
+              <a:t>名前：髙橋</a:t>
+            </a:r>
+            <a:r>
+              <a:rPr lang="ja-JP" altLang="en-US" dirty="0" smtClean="0"/>
+              <a:t>一平</a:t>
             </a:r>
             <a:endParaRPr lang="en-US" altLang="ja-JP" dirty="0" smtClean="0"/>
           </a:p>
@@ -26725,24 +25586,28 @@
           </a:p>
           <a:p>
             <a:r>
+              <a:rPr lang="en-US" altLang="en-US" dirty="0" smtClean="0"/>
+              <a:t>所属</a:t>
+            </a:r>
+            <a:r>
               <a:rPr lang="ja-JP" altLang="en-US" dirty="0" smtClean="0"/>
-              <a:t>配属：</a:t>
+              <a:t>：</a:t>
+            </a:r>
+            <a:r>
+              <a:rPr lang="ja-JP" altLang="en-US" dirty="0" smtClean="0"/>
+              <a:t>東京工業大学修士</a:t>
             </a:r>
             <a:r>
               <a:rPr lang="en-US" altLang="ja-JP" dirty="0" smtClean="0"/>
-              <a:t>RHD Web</a:t>
+              <a:t>2</a:t>
             </a:r>
             <a:r>
               <a:rPr lang="ja-JP" altLang="en-US" dirty="0" smtClean="0"/>
-              <a:t>総合コース</a:t>
-            </a:r>
-            <a:r>
-              <a:rPr lang="en-US" altLang="ja-JP" dirty="0" smtClean="0"/>
-              <a:t> </a:t>
+              <a:t>年</a:t>
             </a:r>
             <a:r>
               <a:rPr lang="ja-JP" altLang="en-US" dirty="0" smtClean="0"/>
-              <a:t>内定者</a:t>
+              <a:t>，リクルート内定者</a:t>
             </a:r>
             <a:endParaRPr lang="en-US" altLang="ja-JP" dirty="0" smtClean="0"/>
           </a:p>
@@ -26756,7 +25621,15 @@
           <a:p>
             <a:r>
               <a:rPr lang="ja-JP" altLang="en-US" dirty="0" smtClean="0"/>
-              <a:t>プログラミングをはじめたきっかけ：中学の自由研究に利用するため参加したプログラミング体験イベント</a:t>
+              <a:t>好きなプログラミング言語</a:t>
+            </a:r>
+            <a:r>
+              <a:rPr lang="ja-JP" altLang="en-US" dirty="0" smtClean="0"/>
+              <a:t>：</a:t>
+            </a:r>
+            <a:r>
+              <a:rPr lang="en-US" altLang="ja-JP" dirty="0" smtClean="0"/>
+              <a:t>Haskell</a:t>
             </a:r>
             <a:endParaRPr lang="en-US" altLang="ja-JP" dirty="0" smtClean="0"/>
           </a:p>
@@ -26867,8 +25740,12 @@
           <a:lstStyle/>
           <a:p>
             <a:r>
-              <a:rPr lang="ja-JP" altLang="en-US" dirty="0" smtClean="0"/>
-              <a:t>チャットを作るには</a:t>
+              <a:rPr kumimoji="1" lang="en-US" altLang="ja-JP" dirty="0" smtClean="0"/>
+              <a:t>JavaScript</a:t>
+            </a:r>
+            <a:r>
+              <a:rPr kumimoji="1" lang="ja-JP" altLang="en-US" dirty="0" smtClean="0"/>
+              <a:t>のオブジェクト</a:t>
             </a:r>
             <a:endParaRPr kumimoji="1" lang="ja-JP" altLang="en-US" dirty="0"/>
           </a:p>
@@ -26891,7 +25768,7 @@
           <a:p>
             <a:r>
               <a:rPr kumimoji="1" lang="ja-JP" altLang="en-US" dirty="0" smtClean="0"/>
-              <a:t>クライアントとサーバの双方向通信が必要</a:t>
+              <a:t>オブジェクトとは</a:t>
             </a:r>
             <a:endParaRPr kumimoji="1" lang="en-US" altLang="ja-JP" dirty="0" smtClean="0"/>
           </a:p>
@@ -26899,71 +25776,134 @@
             <a:pPr lvl="1"/>
             <a:r>
               <a:rPr lang="ja-JP" altLang="en-US" dirty="0" smtClean="0"/>
-              <a:t>今までは，どれもクライアントからサーバに対してリクエストを送っていた</a:t>
+              <a:t>キーと値によってデータをまとめた構造</a:t>
             </a:r>
             <a:endParaRPr lang="en-US" altLang="ja-JP" dirty="0" smtClean="0"/>
           </a:p>
           <a:p>
+            <a:pPr lvl="2"/>
+            <a:r>
+              <a:rPr kumimoji="1" lang="ja-JP" altLang="en-US" dirty="0" smtClean="0"/>
+              <a:t>例）名前（キー）が太郎（値）で，年齢（キー）が</a:t>
+            </a:r>
+            <a:r>
+              <a:rPr kumimoji="1" lang="en-US" altLang="ja-JP" dirty="0" smtClean="0"/>
+              <a:t>20</a:t>
+            </a:r>
+            <a:r>
+              <a:rPr kumimoji="1" lang="ja-JP" altLang="en-US" dirty="0" smtClean="0"/>
+              <a:t>歳（値）のオブジェクト</a:t>
+            </a:r>
+            <a:endParaRPr kumimoji="1" lang="en-US" altLang="ja-JP" dirty="0" smtClean="0"/>
+          </a:p>
+          <a:p>
             <a:pPr lvl="1"/>
             <a:r>
+              <a:rPr kumimoji="1" lang="en-US" altLang="ja-JP" dirty="0" smtClean="0"/>
+              <a:t>JavaScript</a:t>
+            </a:r>
+            <a:r>
               <a:rPr kumimoji="1" lang="ja-JP" altLang="en-US" dirty="0" smtClean="0"/>
-              <a:t>チャットの場合，メッセージを受け取ったときにサーバからクライアントにメッセージを送りたい</a:t>
+              <a:t>の配列はオブジェクトの</a:t>
+            </a:r>
+            <a:r>
+              <a:rPr kumimoji="1" lang="en-US" altLang="ja-JP" dirty="0" smtClean="0"/>
+              <a:t>1</a:t>
+            </a:r>
+            <a:r>
+              <a:rPr kumimoji="1" lang="ja-JP" altLang="en-US" dirty="0" smtClean="0"/>
+              <a:t>つ</a:t>
             </a:r>
             <a:endParaRPr kumimoji="1" lang="en-US" altLang="ja-JP" dirty="0" smtClean="0"/>
           </a:p>
           <a:p>
-            <a:r>
-              <a:rPr lang="en-US" altLang="ja-JP" dirty="0" err="1" smtClean="0">
+            <a:pPr lvl="2"/>
+            <a:r>
+              <a:rPr lang="ja-JP" altLang="en-US" dirty="0" smtClean="0"/>
+              <a:t>キーが数値のオブジェクト</a:t>
+            </a:r>
+            <a:endParaRPr lang="en-US" altLang="ja-JP" dirty="0" smtClean="0"/>
+          </a:p>
+          <a:p>
+            <a:r>
+              <a:rPr lang="en-US" altLang="ja-JP" dirty="0"/>
+              <a:t>JavaScript</a:t>
+            </a:r>
+            <a:r>
+              <a:rPr lang="ja-JP" altLang="en-US" dirty="0" smtClean="0"/>
+              <a:t>は</a:t>
+            </a:r>
+            <a:r>
+              <a:rPr lang="ja-JP" altLang="en-US" dirty="0" smtClean="0"/>
+              <a:t>オブジェクト指向</a:t>
+            </a:r>
+            <a:r>
+              <a:rPr lang="ja-JP" altLang="en-US" dirty="0" smtClean="0"/>
+              <a:t>プログラミング</a:t>
+            </a:r>
+            <a:r>
+              <a:rPr lang="ja-JP" altLang="en-US" dirty="0"/>
+              <a:t>を</a:t>
+            </a:r>
+            <a:r>
+              <a:rPr lang="ja-JP" altLang="en-US" dirty="0" smtClean="0"/>
+              <a:t>サポート</a:t>
+            </a:r>
+            <a:endParaRPr lang="en-US" altLang="ja-JP" dirty="0" smtClean="0"/>
+          </a:p>
+          <a:p>
+            <a:pPr lvl="1"/>
+            <a:r>
+              <a:rPr lang="ja-JP" altLang="en-US" dirty="0" smtClean="0"/>
+              <a:t>クロージャによるカプセル化</a:t>
+            </a:r>
+            <a:endParaRPr lang="en-US" altLang="ja-JP" dirty="0" smtClean="0"/>
+          </a:p>
+          <a:p>
+            <a:pPr lvl="1"/>
+            <a:r>
+              <a:rPr lang="ja-JP" altLang="en-US" dirty="0" smtClean="0"/>
+              <a:t>プロトタイプによる継承</a:t>
+            </a:r>
+            <a:endParaRPr lang="en-US" altLang="ja-JP" dirty="0" smtClean="0"/>
+          </a:p>
+          <a:p>
+            <a:pPr lvl="1">
+              <a:buFont typeface="ヒラギノ角ゴ ProN W3"/>
+              <a:buChar char="→"/>
+            </a:pPr>
+            <a:r>
+              <a:rPr lang="ja-JP" altLang="en-US" dirty="0" smtClean="0"/>
+              <a:t>ひとまず，</a:t>
+            </a:r>
+            <a:r>
+              <a:rPr lang="ja-JP" altLang="en-US" dirty="0" smtClean="0">
                 <a:solidFill>
                   <a:srgbClr val="FF0000"/>
                 </a:solidFill>
               </a:rPr>
-              <a:t>WebSocket</a:t>
-            </a:r>
-            <a:endParaRPr lang="en-US" altLang="ja-JP" dirty="0" smtClean="0">
+              <a:t>オブジェクトが便利だということを知っていれば</a:t>
+            </a:r>
+            <a:r>
+              <a:rPr lang="en-US" altLang="ja-JP" dirty="0" smtClean="0">
+                <a:solidFill>
+                  <a:srgbClr val="FF0000"/>
+                </a:solidFill>
+              </a:rPr>
+              <a:t>OK!</a:t>
+            </a:r>
+            <a:endParaRPr lang="en-US" altLang="ja-JP" dirty="0">
               <a:solidFill>
                 <a:srgbClr val="FF0000"/>
               </a:solidFill>
             </a:endParaRPr>
-          </a:p>
-          <a:p>
-            <a:pPr lvl="1"/>
-            <a:r>
-              <a:rPr lang="ja-JP" altLang="en-US" dirty="0" smtClean="0"/>
-              <a:t>ブラウザとサーバで双方向通信を行うための規格</a:t>
-            </a:r>
-            <a:endParaRPr lang="en-US" altLang="ja-JP" dirty="0" smtClean="0"/>
-          </a:p>
-          <a:p>
-            <a:pPr lvl="1"/>
-            <a:r>
-              <a:rPr lang="en-US" altLang="ja-JP" dirty="0" err="1" smtClean="0"/>
-              <a:t>Node.js</a:t>
-            </a:r>
-            <a:r>
-              <a:rPr lang="ja-JP" altLang="en-US" dirty="0" smtClean="0"/>
-              <a:t>では，</a:t>
-            </a:r>
-            <a:r>
-              <a:rPr lang="en-US" altLang="ja-JP" dirty="0" err="1" smtClean="0">
-                <a:solidFill>
-                  <a:srgbClr val="FF0000"/>
-                </a:solidFill>
-              </a:rPr>
-              <a:t>Socket.IO</a:t>
-            </a:r>
-            <a:r>
-              <a:rPr lang="ja-JP" altLang="en-US" dirty="0" smtClean="0"/>
-              <a:t>というライブラリによりサポート</a:t>
-            </a:r>
-            <a:endParaRPr lang="en-US" altLang="ja-JP" dirty="0" smtClean="0"/>
           </a:p>
         </p:txBody>
       </p:sp>
     </p:spTree>
     <p:extLst>
       <p:ext uri="{BB962C8B-B14F-4D97-AF65-F5344CB8AC3E}">
-        <p14:creationId xmlns:p14="http://schemas.microsoft.com/office/powerpoint/2010/main" val="1671907017"/>
+        <p14:creationId xmlns:p14="http://schemas.microsoft.com/office/powerpoint/2010/main" val="3135819163"/>
       </p:ext>
     </p:extLst>
   </p:cSld>
@@ -27032,156 +25972,42 @@
           <a:lstStyle/>
           <a:p>
             <a:r>
-              <a:rPr lang="en-US" altLang="ja-JP" dirty="0" err="1" smtClean="0"/>
-              <a:t>Socket.IO</a:t>
-            </a:r>
-            <a:r>
-              <a:rPr lang="ja-JP" altLang="en-US" dirty="0" smtClean="0"/>
-              <a:t>のインストール</a:t>
+              <a:rPr kumimoji="1" lang="ja-JP" altLang="en-US" dirty="0" smtClean="0"/>
+              <a:t>オブジェクト</a:t>
             </a:r>
             <a:endParaRPr kumimoji="1" lang="ja-JP" altLang="en-US" dirty="0"/>
           </a:p>
         </p:txBody>
       </p:sp>
-      <p:sp>
-        <p:nvSpPr>
-          <p:cNvPr id="4" name="コンテンツ プレースホルダー 3"/>
-          <p:cNvSpPr>
-            <a:spLocks noGrp="1"/>
-          </p:cNvSpPr>
+      <p:pic>
+        <p:nvPicPr>
+          <p:cNvPr id="5" name="コンテンツ プレースホルダー 4" descr="スクリーンショット 2014-12-04 17.14.09.png"/>
+          <p:cNvPicPr>
+            <a:picLocks noGrp="1" noChangeAspect="1"/>
+          </p:cNvPicPr>
           <p:nvPr>
             <p:ph sz="quarter" idx="13"/>
           </p:nvPr>
-        </p:nvSpPr>
+        </p:nvPicPr>
+        <p:blipFill>
+          <a:blip r:embed="rId2">
+            <a:extLst>
+              <a:ext uri="{28A0092B-C50C-407E-A947-70E740481C1C}">
+                <a14:useLocalDpi xmlns:a14="http://schemas.microsoft.com/office/drawing/2010/main" val="0"/>
+              </a:ext>
+            </a:extLst>
+          </a:blip>
+          <a:srcRect l="-1302" r="-1302"/>
+          <a:stretch>
+            <a:fillRect/>
+          </a:stretch>
+        </p:blipFill>
         <p:spPr/>
-        <p:txBody>
-          <a:bodyPr/>
-          <a:lstStyle/>
-          <a:p>
-            <a:r>
-              <a:rPr kumimoji="1" lang="en-US" altLang="ja-JP" dirty="0" err="1" smtClean="0"/>
-              <a:t>package.json</a:t>
-            </a:r>
-            <a:r>
-              <a:rPr kumimoji="1" lang="ja-JP" altLang="en-US" dirty="0" smtClean="0"/>
-              <a:t>を開き，以下のように追記</a:t>
-            </a:r>
-            <a:endParaRPr kumimoji="1" lang="en-US" altLang="ja-JP" dirty="0" smtClean="0"/>
-          </a:p>
-          <a:p>
-            <a:pPr marL="0" indent="0">
-              <a:buNone/>
-            </a:pPr>
-            <a:endParaRPr lang="pl-PL" altLang="ja-JP" dirty="0" smtClean="0"/>
-          </a:p>
-          <a:p>
-            <a:pPr marL="0" indent="0">
-              <a:buNone/>
-            </a:pPr>
-            <a:r>
-              <a:rPr lang="pl-PL" altLang="ja-JP" dirty="0" smtClean="0"/>
-              <a:t>"</a:t>
-            </a:r>
-            <a:r>
-              <a:rPr lang="pl-PL" altLang="ja-JP" dirty="0" err="1"/>
-              <a:t>dependencies</a:t>
-            </a:r>
-            <a:r>
-              <a:rPr lang="pl-PL" altLang="ja-JP" dirty="0"/>
-              <a:t>": {</a:t>
-            </a:r>
-          </a:p>
-          <a:p>
-            <a:pPr marL="0" indent="0">
-              <a:buNone/>
-            </a:pPr>
-            <a:r>
-              <a:rPr lang="pl-PL" altLang="ja-JP" dirty="0"/>
-              <a:t>		"express": "3.2.x",</a:t>
-            </a:r>
-          </a:p>
-          <a:p>
-            <a:pPr marL="0" indent="0">
-              <a:buNone/>
-            </a:pPr>
-            <a:r>
-              <a:rPr lang="pl-PL" altLang="ja-JP" dirty="0"/>
-              <a:t>		"</a:t>
-            </a:r>
-            <a:r>
-              <a:rPr lang="pl-PL" altLang="ja-JP" dirty="0" err="1"/>
-              <a:t>mongodb</a:t>
-            </a:r>
-            <a:r>
-              <a:rPr lang="pl-PL" altLang="ja-JP" dirty="0"/>
-              <a:t>": "1.3.x",</a:t>
-            </a:r>
-          </a:p>
-          <a:p>
-            <a:pPr marL="0" indent="0">
-              <a:buNone/>
-            </a:pPr>
-            <a:r>
-              <a:rPr lang="pl-PL" altLang="ja-JP" dirty="0"/>
-              <a:t>		"</a:t>
-            </a:r>
-            <a:r>
-              <a:rPr lang="pl-PL" altLang="ja-JP" dirty="0" err="1"/>
-              <a:t>socket.io</a:t>
-            </a:r>
-            <a:r>
-              <a:rPr lang="pl-PL" altLang="ja-JP" dirty="0"/>
-              <a:t>": "1.0.</a:t>
-            </a:r>
-            <a:r>
-              <a:rPr lang="pl-PL" altLang="ja-JP" dirty="0" smtClean="0"/>
-              <a:t>x”</a:t>
-            </a:r>
-            <a:endParaRPr lang="pl-PL" altLang="ja-JP" dirty="0"/>
-          </a:p>
-          <a:p>
-            <a:pPr marL="0" indent="0">
-              <a:buNone/>
-            </a:pPr>
-            <a:r>
-              <a:rPr lang="pl-PL" altLang="ja-JP" dirty="0" smtClean="0"/>
-              <a:t>},</a:t>
-            </a:r>
-          </a:p>
-          <a:p>
-            <a:pPr marL="0" indent="0">
-              <a:buNone/>
-            </a:pPr>
-            <a:endParaRPr kumimoji="1" lang="pl-PL" altLang="ja-JP" dirty="0"/>
-          </a:p>
-          <a:p>
-            <a:pPr marL="0" indent="0">
-              <a:buNone/>
-            </a:pPr>
-            <a:r>
-              <a:rPr kumimoji="1" lang="ja-JP" altLang="en-US" dirty="0" smtClean="0"/>
-              <a:t>その後コンソールで，</a:t>
-            </a:r>
-            <a:r>
-              <a:rPr kumimoji="1" lang="en-US" altLang="ja-JP" dirty="0" err="1" smtClean="0"/>
-              <a:t>npm</a:t>
-            </a:r>
-            <a:r>
-              <a:rPr kumimoji="1" lang="en-US" altLang="ja-JP" dirty="0" smtClean="0"/>
-              <a:t> install </a:t>
-            </a:r>
-            <a:r>
-              <a:rPr kumimoji="1" lang="ja-JP" altLang="en-US" dirty="0" smtClean="0"/>
-              <a:t>でインストール完了</a:t>
-            </a:r>
-            <a:endParaRPr kumimoji="1" lang="ja-JP" altLang="en-US" dirty="0"/>
-          </a:p>
-        </p:txBody>
-      </p:sp>
+      </p:pic>
     </p:spTree>
     <p:extLst>
       <p:ext uri="{BB962C8B-B14F-4D97-AF65-F5344CB8AC3E}">
-        <p14:creationId xmlns:p14="http://schemas.microsoft.com/office/powerpoint/2010/main" val="1881871013"/>
+        <p14:creationId xmlns:p14="http://schemas.microsoft.com/office/powerpoint/2010/main" val="3028721740"/>
       </p:ext>
     </p:extLst>
   </p:cSld>
@@ -27251,245 +26077,41 @@
           <a:p>
             <a:r>
               <a:rPr kumimoji="1" lang="ja-JP" altLang="en-US" dirty="0" smtClean="0"/>
-              <a:t>サーバ側の</a:t>
-            </a:r>
-            <a:r>
-              <a:rPr lang="ja-JP" altLang="en-US" dirty="0" smtClean="0"/>
-              <a:t>設定</a:t>
+              <a:t>配列</a:t>
             </a:r>
             <a:endParaRPr kumimoji="1" lang="ja-JP" altLang="en-US" dirty="0"/>
           </a:p>
         </p:txBody>
       </p:sp>
-      <p:sp>
-        <p:nvSpPr>
-          <p:cNvPr id="4" name="コンテンツ プレースホルダー 3"/>
-          <p:cNvSpPr>
-            <a:spLocks noGrp="1"/>
-          </p:cNvSpPr>
+      <p:pic>
+        <p:nvPicPr>
+          <p:cNvPr id="5" name="コンテンツ プレースホルダー 4" descr="スクリーンショット 2014-12-04 17.18.10.png"/>
+          <p:cNvPicPr>
+            <a:picLocks noGrp="1" noChangeAspect="1"/>
+          </p:cNvPicPr>
           <p:nvPr>
             <p:ph sz="quarter" idx="13"/>
           </p:nvPr>
-        </p:nvSpPr>
+        </p:nvPicPr>
+        <p:blipFill>
+          <a:blip r:embed="rId2">
+            <a:extLst>
+              <a:ext uri="{28A0092B-C50C-407E-A947-70E740481C1C}">
+                <a14:useLocalDpi xmlns:a14="http://schemas.microsoft.com/office/drawing/2010/main" val="0"/>
+              </a:ext>
+            </a:extLst>
+          </a:blip>
+          <a:srcRect l="-1735" r="-1735"/>
+          <a:stretch>
+            <a:fillRect/>
+          </a:stretch>
+        </p:blipFill>
         <p:spPr/>
-        <p:txBody>
-          <a:bodyPr>
-            <a:normAutofit fontScale="92500" lnSpcReduction="10000"/>
-          </a:bodyPr>
-          <a:lstStyle/>
-          <a:p>
-            <a:r>
-              <a:rPr kumimoji="1" lang="en-US" altLang="ja-JP" dirty="0" err="1" smtClean="0"/>
-              <a:t>app.js</a:t>
-            </a:r>
-            <a:r>
-              <a:rPr kumimoji="1" lang="ja-JP" altLang="en-US" dirty="0" smtClean="0"/>
-              <a:t>を以下のように追記</a:t>
-            </a:r>
-            <a:endParaRPr kumimoji="1" lang="en-US" altLang="ja-JP" dirty="0" smtClean="0"/>
-          </a:p>
-          <a:p>
-            <a:pPr marL="0" indent="0">
-              <a:buNone/>
-            </a:pPr>
-            <a:r>
-              <a:rPr lang="en-US" altLang="ja-JP" dirty="0" err="1"/>
-              <a:t>var</a:t>
-            </a:r>
-            <a:r>
-              <a:rPr lang="en-US" altLang="ja-JP" dirty="0"/>
-              <a:t> http = require("http"),</a:t>
-            </a:r>
-          </a:p>
-          <a:p>
-            <a:pPr marL="0" indent="0">
-              <a:buNone/>
-            </a:pPr>
-            <a:r>
-              <a:rPr lang="en-US" altLang="ja-JP" dirty="0"/>
-              <a:t>	express = require("express"),</a:t>
-            </a:r>
-          </a:p>
-          <a:p>
-            <a:pPr marL="0" indent="0">
-              <a:buNone/>
-            </a:pPr>
-            <a:r>
-              <a:rPr lang="en-US" altLang="ja-JP" dirty="0"/>
-              <a:t>	routes = require("./routes"),</a:t>
-            </a:r>
-          </a:p>
-          <a:p>
-            <a:pPr marL="0" indent="0">
-              <a:buNone/>
-            </a:pPr>
-            <a:r>
-              <a:rPr lang="en-US" altLang="ja-JP" dirty="0"/>
-              <a:t>	app = express(),</a:t>
-            </a:r>
-          </a:p>
-          <a:p>
-            <a:pPr marL="0" indent="0">
-              <a:buNone/>
-            </a:pPr>
-            <a:r>
-              <a:rPr lang="en-US" altLang="ja-JP" dirty="0"/>
-              <a:t>	server = </a:t>
-            </a:r>
-            <a:r>
-              <a:rPr lang="en-US" altLang="ja-JP" dirty="0" err="1"/>
-              <a:t>http.createServer</a:t>
-            </a:r>
-            <a:r>
-              <a:rPr lang="en-US" altLang="ja-JP" dirty="0"/>
-              <a:t>(app)</a:t>
-            </a:r>
-            <a:r>
-              <a:rPr lang="en-US" altLang="ja-JP" dirty="0" smtClean="0"/>
-              <a:t>,</a:t>
-            </a:r>
-          </a:p>
-          <a:p>
-            <a:pPr marL="0" indent="0">
-              <a:buNone/>
-            </a:pPr>
-            <a:r>
-              <a:rPr lang="en-US" altLang="ja-JP" dirty="0"/>
-              <a:t>	</a:t>
-            </a:r>
-            <a:r>
-              <a:rPr lang="en-US" altLang="ja-JP" dirty="0" err="1"/>
-              <a:t>socketIO</a:t>
-            </a:r>
-            <a:r>
-              <a:rPr lang="en-US" altLang="ja-JP" dirty="0"/>
-              <a:t> = require('</a:t>
-            </a:r>
-            <a:r>
-              <a:rPr lang="en-US" altLang="ja-JP" dirty="0" err="1"/>
-              <a:t>socket.io</a:t>
-            </a:r>
-            <a:r>
-              <a:rPr lang="en-US" altLang="ja-JP" dirty="0"/>
-              <a:t>')</a:t>
-            </a:r>
-            <a:r>
-              <a:rPr lang="en-US" altLang="ja-JP" dirty="0" smtClean="0"/>
-              <a:t>,</a:t>
-            </a:r>
-            <a:endParaRPr lang="en-US" altLang="ja-JP" dirty="0"/>
-          </a:p>
-          <a:p>
-            <a:pPr marL="0" indent="0">
-              <a:buNone/>
-            </a:pPr>
-            <a:r>
-              <a:rPr lang="en-US" altLang="ja-JP" dirty="0"/>
-              <a:t>	</a:t>
-            </a:r>
-            <a:r>
-              <a:rPr lang="en-US" altLang="ja-JP" dirty="0" err="1"/>
-              <a:t>io</a:t>
-            </a:r>
-            <a:r>
-              <a:rPr lang="en-US" altLang="ja-JP" dirty="0"/>
-              <a:t> = </a:t>
-            </a:r>
-            <a:r>
-              <a:rPr lang="en-US" altLang="ja-JP" dirty="0" err="1"/>
-              <a:t>socketIO.listen</a:t>
-            </a:r>
-            <a:r>
-              <a:rPr lang="en-US" altLang="ja-JP" dirty="0"/>
-              <a:t>(server);</a:t>
-            </a:r>
-          </a:p>
-          <a:p>
-            <a:pPr marL="0" indent="0">
-              <a:buNone/>
-            </a:pPr>
-            <a:endParaRPr lang="en-US" altLang="ja-JP" dirty="0"/>
-          </a:p>
-          <a:p>
-            <a:pPr marL="0" indent="0">
-              <a:buNone/>
-            </a:pPr>
-            <a:r>
-              <a:rPr lang="en-US" altLang="ja-JP" dirty="0" err="1"/>
-              <a:t>io.sockets.on</a:t>
-            </a:r>
-            <a:r>
-              <a:rPr lang="en-US" altLang="ja-JP" dirty="0"/>
-              <a:t>("connection", function(socket) {</a:t>
-            </a:r>
-          </a:p>
-          <a:p>
-            <a:pPr marL="0" indent="0">
-              <a:buNone/>
-            </a:pPr>
-            <a:r>
-              <a:rPr lang="en-US" altLang="ja-JP" dirty="0"/>
-              <a:t>	</a:t>
-            </a:r>
-            <a:r>
-              <a:rPr lang="en-US" altLang="ja-JP" dirty="0" err="1"/>
-              <a:t>socket.on</a:t>
-            </a:r>
-            <a:r>
-              <a:rPr lang="en-US" altLang="ja-JP" dirty="0"/>
-              <a:t>("message", function(data) {</a:t>
-            </a:r>
-          </a:p>
-          <a:p>
-            <a:pPr marL="0" indent="0">
-              <a:buNone/>
-            </a:pPr>
-            <a:r>
-              <a:rPr lang="en-US" altLang="ja-JP" dirty="0"/>
-              <a:t>	</a:t>
-            </a:r>
-            <a:r>
-              <a:rPr lang="en-US" altLang="ja-JP" dirty="0" smtClean="0"/>
-              <a:t>	</a:t>
-            </a:r>
-            <a:r>
-              <a:rPr lang="en-US" altLang="ja-JP" dirty="0"/>
-              <a:t>	</a:t>
-            </a:r>
-            <a:r>
-              <a:rPr lang="en-US" altLang="ja-JP" dirty="0" err="1"/>
-              <a:t>io.sockets.emit</a:t>
-            </a:r>
-            <a:r>
-              <a:rPr lang="en-US" altLang="ja-JP" dirty="0"/>
-              <a:t>("message", data);</a:t>
-            </a:r>
-          </a:p>
-          <a:p>
-            <a:pPr marL="0" indent="0">
-              <a:buNone/>
-            </a:pPr>
-            <a:r>
-              <a:rPr lang="en-US" altLang="ja-JP" dirty="0"/>
-              <a:t>	});</a:t>
-            </a:r>
-          </a:p>
-          <a:p>
-            <a:pPr marL="0" indent="0">
-              <a:buNone/>
-            </a:pPr>
-            <a:r>
-              <a:rPr lang="en-US" altLang="ja-JP" dirty="0"/>
-              <a:t>});</a:t>
-            </a:r>
-            <a:endParaRPr kumimoji="1" lang="ja-JP" altLang="en-US" dirty="0"/>
-          </a:p>
-        </p:txBody>
-      </p:sp>
+      </p:pic>
     </p:spTree>
     <p:extLst>
       <p:ext uri="{BB962C8B-B14F-4D97-AF65-F5344CB8AC3E}">
-        <p14:creationId xmlns:p14="http://schemas.microsoft.com/office/powerpoint/2010/main" val="1644640225"/>
+        <p14:creationId xmlns:p14="http://schemas.microsoft.com/office/powerpoint/2010/main" val="629217596"/>
       </p:ext>
     </p:extLst>
   </p:cSld>
@@ -27554,12 +26176,26 @@
         </p:nvSpPr>
         <p:spPr/>
         <p:txBody>
-          <a:bodyPr/>
+          <a:bodyPr>
+            <a:normAutofit fontScale="90000"/>
+          </a:bodyPr>
           <a:lstStyle/>
           <a:p>
             <a:r>
+              <a:rPr lang="en-US" altLang="ja-JP" dirty="0"/>
+              <a:t>JavaScript</a:t>
+            </a:r>
+            <a:r>
+              <a:rPr lang="ja-JP" altLang="en-US" dirty="0"/>
+              <a:t>の</a:t>
+            </a:r>
+            <a:r>
               <a:rPr lang="ja-JP" altLang="en-US" dirty="0" smtClean="0"/>
-              <a:t>クライアント側の設定</a:t>
+              <a:t>オブジェクト</a:t>
+            </a:r>
+            <a:r>
+              <a:rPr lang="ja-JP" altLang="en-US" dirty="0" smtClean="0"/>
+              <a:t>を更に学ぶには</a:t>
             </a:r>
             <a:endParaRPr kumimoji="1" lang="ja-JP" altLang="en-US" dirty="0"/>
           </a:p>
@@ -27577,226 +26213,36 @@
         </p:nvSpPr>
         <p:spPr/>
         <p:txBody>
-          <a:bodyPr>
-            <a:normAutofit fontScale="92500" lnSpcReduction="10000"/>
-          </a:bodyPr>
+          <a:bodyPr/>
           <a:lstStyle/>
           <a:p>
             <a:r>
-              <a:rPr lang="en-US" altLang="ja-JP" dirty="0" smtClean="0"/>
-              <a:t>public/</a:t>
-            </a:r>
-            <a:r>
-              <a:rPr lang="en-US" altLang="ja-JP" dirty="0" err="1" smtClean="0"/>
-              <a:t>js</a:t>
-            </a:r>
-            <a:r>
-              <a:rPr lang="en-US" altLang="ja-JP" dirty="0" smtClean="0"/>
-              <a:t>/</a:t>
-            </a:r>
-            <a:r>
-              <a:rPr lang="en-US" altLang="ja-JP" dirty="0" err="1" smtClean="0"/>
-              <a:t>main.js</a:t>
-            </a:r>
+              <a:rPr lang="ja-JP" altLang="en-US" dirty="0"/>
+              <a:t>以下のことを調べてみよう</a:t>
+            </a:r>
+            <a:endParaRPr lang="en-US" altLang="ja-JP" dirty="0"/>
+          </a:p>
+          <a:p>
+            <a:pPr lvl="1"/>
+            <a:r>
+              <a:rPr kumimoji="1" lang="ja-JP" altLang="en-US" dirty="0" smtClean="0"/>
+              <a:t>コンストラクタ関数</a:t>
+            </a:r>
+            <a:endParaRPr kumimoji="1" lang="en-US" altLang="ja-JP" dirty="0" smtClean="0"/>
+          </a:p>
+          <a:p>
+            <a:pPr lvl="1"/>
+            <a:r>
+              <a:rPr kumimoji="1" lang="ja-JP" altLang="en-US" dirty="0" smtClean="0"/>
+              <a:t>プロトタイプ</a:t>
+            </a:r>
+            <a:endParaRPr kumimoji="1" lang="en-US" altLang="ja-JP" dirty="0" smtClean="0"/>
+          </a:p>
+          <a:p>
+            <a:pPr lvl="1"/>
             <a:r>
               <a:rPr lang="ja-JP" altLang="en-US" dirty="0" smtClean="0"/>
-              <a:t>に以下を追記</a:t>
-            </a:r>
-            <a:endParaRPr lang="en-US" altLang="ja-JP" dirty="0" smtClean="0"/>
-          </a:p>
-          <a:p>
-            <a:pPr marL="0" indent="0">
-              <a:buNone/>
-            </a:pPr>
-            <a:r>
-              <a:rPr lang="en-US" altLang="ja-JP" dirty="0" err="1" smtClean="0"/>
-              <a:t>var</a:t>
-            </a:r>
-            <a:r>
-              <a:rPr lang="en-US" altLang="ja-JP" dirty="0" smtClean="0"/>
-              <a:t> </a:t>
-            </a:r>
-            <a:r>
-              <a:rPr lang="en-US" altLang="ja-JP" dirty="0"/>
-              <a:t>socket = </a:t>
-            </a:r>
-            <a:r>
-              <a:rPr lang="en-US" altLang="ja-JP" dirty="0" err="1"/>
-              <a:t>io.connect</a:t>
-            </a:r>
-            <a:r>
-              <a:rPr lang="en-US" altLang="ja-JP" dirty="0"/>
-              <a:t>();</a:t>
-            </a:r>
-          </a:p>
-          <a:p>
-            <a:pPr marL="0" indent="0">
-              <a:buNone/>
-            </a:pPr>
-            <a:r>
-              <a:rPr lang="en-US" altLang="ja-JP" dirty="0" err="1"/>
-              <a:t>socket.on</a:t>
-            </a:r>
-            <a:r>
-              <a:rPr lang="en-US" altLang="ja-JP" dirty="0"/>
-              <a:t>("message", function(data) {</a:t>
-            </a:r>
-          </a:p>
-          <a:p>
-            <a:pPr marL="0" indent="0">
-              <a:buNone/>
-            </a:pPr>
-            <a:r>
-              <a:rPr lang="en-US" altLang="ja-JP" dirty="0"/>
-              <a:t>	$("#messages").prepend(</a:t>
-            </a:r>
-          </a:p>
-          <a:p>
-            <a:pPr marL="0" indent="0">
-              <a:buNone/>
-            </a:pPr>
-            <a:r>
-              <a:rPr lang="en-US" altLang="ja-JP" dirty="0"/>
-              <a:t>		</a:t>
-            </a:r>
-            <a:r>
-              <a:rPr lang="en-US" altLang="ja-JP" dirty="0" smtClean="0"/>
-              <a:t>	$</a:t>
-            </a:r>
-            <a:r>
-              <a:rPr lang="en-US" altLang="ja-JP" dirty="0"/>
-              <a:t>("&lt;span /&gt;").text(</a:t>
-            </a:r>
-            <a:r>
-              <a:rPr lang="en-US" altLang="ja-JP" dirty="0" err="1"/>
-              <a:t>data.message</a:t>
-            </a:r>
-            <a:r>
-              <a:rPr lang="en-US" altLang="ja-JP" dirty="0"/>
-              <a:t>)</a:t>
-            </a:r>
-          </a:p>
-          <a:p>
-            <a:pPr marL="0" indent="0">
-              <a:buNone/>
-            </a:pPr>
-            <a:r>
-              <a:rPr lang="en-US" altLang="ja-JP" dirty="0"/>
-              <a:t>	);</a:t>
-            </a:r>
-          </a:p>
-          <a:p>
-            <a:pPr marL="0" indent="0">
-              <a:buNone/>
-            </a:pPr>
-            <a:r>
-              <a:rPr lang="en-US" altLang="ja-JP" dirty="0"/>
-              <a:t>});</a:t>
-            </a:r>
-          </a:p>
-          <a:p>
-            <a:pPr marL="0" indent="0">
-              <a:buNone/>
-            </a:pPr>
-            <a:endParaRPr lang="en-US" altLang="ja-JP" dirty="0"/>
-          </a:p>
-          <a:p>
-            <a:pPr marL="0" indent="0">
-              <a:buNone/>
-            </a:pPr>
-            <a:r>
-              <a:rPr lang="en-US" altLang="ja-JP" dirty="0"/>
-              <a:t>function </a:t>
-            </a:r>
-            <a:r>
-              <a:rPr lang="en-US" altLang="ja-JP" dirty="0" err="1"/>
-              <a:t>sendMessage</a:t>
-            </a:r>
-            <a:r>
-              <a:rPr lang="en-US" altLang="ja-JP" dirty="0"/>
-              <a:t>() {</a:t>
-            </a:r>
-          </a:p>
-          <a:p>
-            <a:pPr marL="0" indent="0">
-              <a:buNone/>
-            </a:pPr>
-            <a:r>
-              <a:rPr lang="en-US" altLang="ja-JP" dirty="0"/>
-              <a:t>	</a:t>
-            </a:r>
-            <a:r>
-              <a:rPr lang="en-US" altLang="ja-JP" dirty="0" err="1"/>
-              <a:t>socket.emit</a:t>
-            </a:r>
-            <a:r>
-              <a:rPr lang="en-US" altLang="ja-JP" dirty="0"/>
-              <a:t>("message", {</a:t>
-            </a:r>
-          </a:p>
-          <a:p>
-            <a:pPr marL="0" indent="0">
-              <a:buNone/>
-            </a:pPr>
-            <a:r>
-              <a:rPr lang="en-US" altLang="ja-JP" dirty="0"/>
-              <a:t>	</a:t>
-            </a:r>
-            <a:r>
-              <a:rPr lang="en-US" altLang="ja-JP" dirty="0" smtClean="0"/>
-              <a:t>	</a:t>
-            </a:r>
-            <a:r>
-              <a:rPr lang="en-US" altLang="ja-JP" dirty="0"/>
-              <a:t>	message: $("#number").</a:t>
-            </a:r>
-            <a:r>
-              <a:rPr lang="en-US" altLang="ja-JP" dirty="0" err="1"/>
-              <a:t>val</a:t>
-            </a:r>
-            <a:r>
-              <a:rPr lang="en-US" altLang="ja-JP" dirty="0"/>
-              <a:t>()</a:t>
-            </a:r>
-          </a:p>
-          <a:p>
-            <a:pPr marL="0" indent="0">
-              <a:buNone/>
-            </a:pPr>
-            <a:r>
-              <a:rPr lang="en-US" altLang="ja-JP" dirty="0"/>
-              <a:t>	});</a:t>
-            </a:r>
-          </a:p>
-          <a:p>
-            <a:pPr marL="0" indent="0">
-              <a:buNone/>
-            </a:pPr>
-            <a:r>
-              <a:rPr lang="en-US" altLang="ja-JP" dirty="0"/>
-              <a:t>	$("#number").</a:t>
-            </a:r>
-            <a:r>
-              <a:rPr lang="en-US" altLang="ja-JP" dirty="0" err="1"/>
-              <a:t>val</a:t>
-            </a:r>
-            <a:r>
-              <a:rPr lang="en-US" altLang="ja-JP" dirty="0"/>
-              <a:t>("")</a:t>
-            </a:r>
-            <a:r>
-              <a:rPr lang="en-US" altLang="ja-JP" dirty="0" smtClean="0"/>
-              <a:t>);</a:t>
-            </a:r>
-            <a:endParaRPr lang="en-US" altLang="ja-JP" dirty="0"/>
-          </a:p>
-          <a:p>
-            <a:pPr marL="0" indent="0">
-              <a:buNone/>
-            </a:pPr>
-            <a:r>
-              <a:rPr lang="en-US" altLang="ja-JP" dirty="0"/>
-              <a:t>}</a:t>
+              <a:t>継承</a:t>
             </a:r>
             <a:endParaRPr kumimoji="1" lang="ja-JP" altLang="en-US" dirty="0"/>
           </a:p>
@@ -27805,7 +26251,7 @@
     </p:spTree>
     <p:extLst>
       <p:ext uri="{BB962C8B-B14F-4D97-AF65-F5344CB8AC3E}">
-        <p14:creationId xmlns:p14="http://schemas.microsoft.com/office/powerpoint/2010/main" val="2337395332"/>
+        <p14:creationId xmlns:p14="http://schemas.microsoft.com/office/powerpoint/2010/main" val="309024709"/>
       </p:ext>
     </p:extLst>
   </p:cSld>
@@ -27875,15 +26321,11 @@
           <a:p>
             <a:r>
               <a:rPr lang="ja-JP" altLang="en-US" dirty="0" smtClean="0"/>
-              <a:t>クライアント側で</a:t>
-            </a:r>
-            <a:r>
-              <a:rPr lang="en-US" altLang="ja-JP" dirty="0" err="1" smtClean="0"/>
-              <a:t>socket.io</a:t>
-            </a:r>
-            <a:r>
-              <a:rPr lang="ja-JP" altLang="en-US" dirty="0" smtClean="0"/>
-              <a:t>を読み込み</a:t>
+              <a:t>サーバサイドの</a:t>
+            </a:r>
+            <a:r>
+              <a:rPr lang="en-US" altLang="ja-JP" dirty="0" smtClean="0"/>
+              <a:t>JavaScript</a:t>
             </a:r>
             <a:endParaRPr kumimoji="1" lang="ja-JP" altLang="en-US" dirty="0"/>
           </a:p>
@@ -27905,320 +26347,104 @@
           <a:lstStyle/>
           <a:p>
             <a:r>
-              <a:rPr kumimoji="1" lang="en-US" altLang="ja-JP" dirty="0" err="1" smtClean="0"/>
-              <a:t>index.html</a:t>
-            </a:r>
-            <a:r>
-              <a:rPr kumimoji="1" lang="ja-JP" altLang="en-US" dirty="0" smtClean="0"/>
-              <a:t>を以下のように追記</a:t>
-            </a:r>
-            <a:endParaRPr kumimoji="1" lang="en-US" altLang="ja-JP" dirty="0" smtClean="0"/>
-          </a:p>
-          <a:p>
-            <a:endParaRPr kumimoji="1" lang="en-US" altLang="ja-JP" dirty="0" smtClean="0"/>
-          </a:p>
-          <a:p>
-            <a:pPr marL="0" indent="0">
-              <a:buNone/>
-            </a:pPr>
-            <a:r>
-              <a:rPr lang="en-US" altLang="ja-JP" dirty="0"/>
-              <a:t> </a:t>
-            </a:r>
-            <a:r>
-              <a:rPr lang="en-US" altLang="ja-JP" sz="1800" dirty="0"/>
-              <a:t>&lt;script type="text/</a:t>
-            </a:r>
-            <a:r>
-              <a:rPr lang="en-US" altLang="ja-JP" sz="1800" dirty="0" err="1"/>
-              <a:t>javascript</a:t>
-            </a:r>
-            <a:r>
-              <a:rPr lang="en-US" altLang="ja-JP" sz="1800" dirty="0"/>
-              <a:t>" </a:t>
-            </a:r>
-            <a:r>
-              <a:rPr lang="en-US" altLang="ja-JP" sz="1800" dirty="0" err="1"/>
-              <a:t>src</a:t>
-            </a:r>
-            <a:r>
-              <a:rPr lang="en-US" altLang="ja-JP" sz="1800" dirty="0"/>
-              <a:t>="</a:t>
-            </a:r>
-            <a:r>
-              <a:rPr lang="en-US" altLang="ja-JP" sz="1800" dirty="0" err="1"/>
-              <a:t>js</a:t>
-            </a:r>
-            <a:r>
-              <a:rPr lang="en-US" altLang="ja-JP" sz="1800" dirty="0"/>
-              <a:t>/jquery-2.1.0.js"&gt;&lt;/script&gt;</a:t>
-            </a:r>
-          </a:p>
-          <a:p>
-            <a:pPr marL="0" indent="0">
-              <a:buNone/>
-            </a:pPr>
-            <a:r>
-              <a:rPr lang="en-US" altLang="ja-JP" sz="1800" dirty="0">
+              <a:rPr kumimoji="1" lang="en-US" altLang="ja-JP" dirty="0" err="1" smtClean="0">
                 <a:solidFill>
-                  <a:srgbClr val="FF0000"/>
+                  <a:srgbClr val="3366FF"/>
                 </a:solidFill>
               </a:rPr>
-              <a:t> </a:t>
-            </a:r>
-            <a:r>
-              <a:rPr lang="en-US" altLang="ja-JP" sz="1800" dirty="0" smtClean="0">
-                <a:solidFill>
-                  <a:srgbClr val="FF0000"/>
-                </a:solidFill>
-              </a:rPr>
-              <a:t>&lt;</a:t>
-            </a:r>
-            <a:r>
-              <a:rPr lang="en-US" altLang="ja-JP" sz="1800" dirty="0">
-                <a:solidFill>
-                  <a:srgbClr val="FF0000"/>
-                </a:solidFill>
-              </a:rPr>
-              <a:t>script type="text/</a:t>
-            </a:r>
-            <a:r>
-              <a:rPr lang="en-US" altLang="ja-JP" sz="1800" dirty="0" err="1">
-                <a:solidFill>
-                  <a:srgbClr val="FF0000"/>
-                </a:solidFill>
-              </a:rPr>
-              <a:t>javascript</a:t>
-            </a:r>
-            <a:r>
-              <a:rPr lang="en-US" altLang="ja-JP" sz="1800" dirty="0">
-                <a:solidFill>
-                  <a:srgbClr val="FF0000"/>
-                </a:solidFill>
-              </a:rPr>
-              <a:t>" </a:t>
-            </a:r>
-            <a:r>
-              <a:rPr lang="en-US" altLang="ja-JP" sz="1800" dirty="0" err="1">
-                <a:solidFill>
-                  <a:srgbClr val="FF0000"/>
-                </a:solidFill>
-              </a:rPr>
-              <a:t>src</a:t>
-            </a:r>
-            <a:r>
-              <a:rPr lang="en-US" altLang="ja-JP" sz="1800" dirty="0">
-                <a:solidFill>
-                  <a:srgbClr val="FF0000"/>
-                </a:solidFill>
-              </a:rPr>
-              <a:t>="/</a:t>
-            </a:r>
-            <a:r>
-              <a:rPr lang="en-US" altLang="ja-JP" sz="1800" dirty="0" err="1">
-                <a:solidFill>
-                  <a:srgbClr val="FF0000"/>
-                </a:solidFill>
-              </a:rPr>
-              <a:t>socket.io</a:t>
-            </a:r>
-            <a:r>
-              <a:rPr lang="en-US" altLang="ja-JP" sz="1800" dirty="0">
-                <a:solidFill>
-                  <a:srgbClr val="FF0000"/>
-                </a:solidFill>
-              </a:rPr>
-              <a:t>/</a:t>
-            </a:r>
-            <a:r>
-              <a:rPr lang="en-US" altLang="ja-JP" sz="1800" dirty="0" err="1">
-                <a:solidFill>
-                  <a:srgbClr val="FF0000"/>
-                </a:solidFill>
-              </a:rPr>
-              <a:t>socket.io.js</a:t>
-            </a:r>
-            <a:r>
-              <a:rPr lang="en-US" altLang="ja-JP" sz="1800" dirty="0">
-                <a:solidFill>
-                  <a:srgbClr val="FF0000"/>
-                </a:solidFill>
-              </a:rPr>
-              <a:t>"&gt;&lt;/script&gt;</a:t>
-            </a:r>
-          </a:p>
-          <a:p>
-            <a:pPr marL="0" indent="0">
-              <a:buNone/>
-            </a:pPr>
-            <a:r>
-              <a:rPr lang="en-US" altLang="ja-JP" sz="1800" dirty="0"/>
-              <a:t> </a:t>
-            </a:r>
-            <a:r>
-              <a:rPr lang="en-US" altLang="ja-JP" sz="1800" dirty="0" smtClean="0"/>
-              <a:t>&lt;</a:t>
-            </a:r>
-            <a:r>
-              <a:rPr lang="en-US" altLang="ja-JP" sz="1800" dirty="0"/>
-              <a:t>script type="text/</a:t>
-            </a:r>
-            <a:r>
-              <a:rPr lang="en-US" altLang="ja-JP" sz="1800" dirty="0" err="1"/>
-              <a:t>javascript</a:t>
-            </a:r>
-            <a:r>
-              <a:rPr lang="en-US" altLang="ja-JP" sz="1800" dirty="0"/>
-              <a:t>" </a:t>
-            </a:r>
-            <a:r>
-              <a:rPr lang="en-US" altLang="ja-JP" sz="1800" dirty="0" err="1"/>
-              <a:t>src</a:t>
-            </a:r>
-            <a:r>
-              <a:rPr lang="en-US" altLang="ja-JP" sz="1800" dirty="0"/>
-              <a:t>="</a:t>
-            </a:r>
-            <a:r>
-              <a:rPr lang="en-US" altLang="ja-JP" sz="1800" dirty="0" err="1"/>
-              <a:t>js</a:t>
-            </a:r>
-            <a:r>
-              <a:rPr lang="en-US" altLang="ja-JP" sz="1800" dirty="0"/>
-              <a:t>/</a:t>
-            </a:r>
-            <a:r>
-              <a:rPr lang="en-US" altLang="ja-JP" sz="1800" dirty="0" err="1"/>
-              <a:t>main.js</a:t>
-            </a:r>
-            <a:r>
-              <a:rPr lang="en-US" altLang="ja-JP" sz="1800" dirty="0"/>
-              <a:t>"&gt;&lt;/script</a:t>
-            </a:r>
-            <a:r>
-              <a:rPr lang="en-US" altLang="ja-JP" sz="1800" dirty="0" smtClean="0"/>
-              <a:t>&gt;</a:t>
-            </a:r>
-          </a:p>
-          <a:p>
-            <a:pPr marL="0" indent="0">
-              <a:buNone/>
-            </a:pPr>
-            <a:endParaRPr lang="en-US" altLang="ja-JP" sz="1800" dirty="0" smtClean="0"/>
-          </a:p>
-          <a:p>
-            <a:pPr marL="0" indent="0">
-              <a:buNone/>
-            </a:pPr>
-            <a:r>
-              <a:rPr lang="en-US" altLang="ja-JP" sz="1800" dirty="0"/>
-              <a:t>	</a:t>
-            </a:r>
-            <a:r>
-              <a:rPr lang="en-US" altLang="ja-JP" sz="1800" dirty="0" smtClean="0"/>
-              <a:t>						:</a:t>
-            </a:r>
-          </a:p>
-          <a:p>
-            <a:pPr marL="0" indent="0">
-              <a:buNone/>
-            </a:pPr>
-            <a:endParaRPr lang="en-US" altLang="ja-JP" sz="1800" dirty="0"/>
-          </a:p>
-          <a:p>
-            <a:pPr marL="0" indent="0">
-              <a:buNone/>
-            </a:pPr>
-            <a:r>
-              <a:rPr lang="en-US" altLang="ja-JP" sz="1800" dirty="0"/>
-              <a:t> &lt;input id="</a:t>
-            </a:r>
-            <a:r>
-              <a:rPr lang="en-US" altLang="ja-JP" sz="1800" dirty="0">
-                <a:solidFill>
-                  <a:srgbClr val="FF0000"/>
-                </a:solidFill>
-              </a:rPr>
-              <a:t>message</a:t>
-            </a:r>
-            <a:r>
-              <a:rPr lang="en-US" altLang="ja-JP" sz="1800" dirty="0"/>
-              <a:t>" type="text" /&gt;</a:t>
-            </a:r>
-          </a:p>
-          <a:p>
-            <a:pPr marL="0" indent="0">
-              <a:buNone/>
-            </a:pPr>
-            <a:r>
-              <a:rPr lang="en-US" altLang="ja-JP" sz="1800" dirty="0"/>
-              <a:t> </a:t>
-            </a:r>
-            <a:r>
-              <a:rPr lang="en-US" altLang="ja-JP" sz="1800" dirty="0" smtClean="0"/>
-              <a:t>&lt;button </a:t>
-            </a:r>
-            <a:r>
-              <a:rPr lang="en-US" altLang="ja-JP" sz="1800" dirty="0" err="1"/>
-              <a:t>onclick</a:t>
-            </a:r>
-            <a:r>
-              <a:rPr lang="en-US" altLang="ja-JP" sz="1800" dirty="0"/>
-              <a:t>="</a:t>
-            </a:r>
-            <a:r>
-              <a:rPr lang="en-US" altLang="ja-JP" sz="1800" dirty="0" err="1">
-                <a:solidFill>
-                  <a:srgbClr val="FF0000"/>
-                </a:solidFill>
-              </a:rPr>
-              <a:t>sendMessage</a:t>
-            </a:r>
-            <a:r>
-              <a:rPr lang="en-US" altLang="ja-JP" sz="1800" dirty="0"/>
-              <a:t>()"&gt;</a:t>
-            </a:r>
-            <a:r>
-              <a:rPr lang="ja-JP" altLang="en-US" sz="1800" dirty="0"/>
-              <a:t>送信</a:t>
-            </a:r>
-            <a:r>
-              <a:rPr lang="en-US" altLang="ja-JP" sz="1800" dirty="0"/>
-              <a:t>&lt;/button&gt;</a:t>
-            </a:r>
-            <a:endParaRPr lang="en-US" altLang="ja-JP" sz="1800" dirty="0" smtClean="0"/>
-          </a:p>
-          <a:p>
-            <a:pPr marL="0" indent="0">
-              <a:buNone/>
-            </a:pPr>
-            <a:endParaRPr kumimoji="1" lang="en-US" altLang="ja-JP" sz="1800" dirty="0"/>
-          </a:p>
-          <a:p>
-            <a:pPr marL="0" indent="0">
-              <a:buNone/>
-            </a:pPr>
+              <a:t>Node.js</a:t>
+            </a:r>
             <a:r>
               <a:rPr kumimoji="1" lang="ja-JP" altLang="en-US" dirty="0" smtClean="0"/>
-              <a:t>完了したら，サーバを再起動して</a:t>
+              <a:t>の登場により，クライアントー</a:t>
+            </a:r>
+            <a:r>
+              <a:rPr lang="ja-JP" altLang="en-US" dirty="0" smtClean="0"/>
+              <a:t>サーバサイド両方を</a:t>
             </a:r>
             <a:r>
               <a:rPr lang="en-US" altLang="ja-JP" dirty="0" smtClean="0"/>
-              <a:t>localhost:3000 </a:t>
+              <a:t>JavaScript</a:t>
             </a:r>
             <a:r>
               <a:rPr lang="ja-JP" altLang="en-US" dirty="0" smtClean="0"/>
-              <a:t>にアクセス</a:t>
+              <a:t>で記述することが一般的に</a:t>
+            </a:r>
+            <a:endParaRPr kumimoji="1" lang="en-US" altLang="ja-JP" dirty="0" smtClean="0"/>
+          </a:p>
+          <a:p>
+            <a:pPr lvl="1"/>
+            <a:r>
+              <a:rPr kumimoji="1" lang="en-US" altLang="ja-JP" dirty="0" err="1" smtClean="0"/>
+              <a:t>Node.js</a:t>
+            </a:r>
+            <a:r>
+              <a:rPr kumimoji="1" lang="en-US" altLang="ja-JP" dirty="0" smtClean="0"/>
+              <a:t>: </a:t>
+            </a:r>
+            <a:r>
+              <a:rPr kumimoji="1" lang="ja-JP" altLang="en-US" dirty="0" smtClean="0"/>
+              <a:t>サーバサイドで動作する</a:t>
+            </a:r>
+            <a:r>
+              <a:rPr kumimoji="1" lang="en-US" altLang="ja-JP" dirty="0" smtClean="0"/>
+              <a:t>JavaScript</a:t>
+            </a:r>
+            <a:r>
+              <a:rPr kumimoji="1" lang="ja-JP" altLang="en-US" dirty="0" smtClean="0"/>
+              <a:t>環境</a:t>
+            </a:r>
+            <a:endParaRPr kumimoji="1" lang="en-US" altLang="ja-JP" dirty="0" smtClean="0"/>
+          </a:p>
+          <a:p>
+            <a:pPr lvl="1"/>
+            <a:r>
+              <a:rPr kumimoji="1" lang="en-US" altLang="ja-JP" dirty="0" smtClean="0"/>
+              <a:t>JavaScript</a:t>
+            </a:r>
+            <a:r>
+              <a:rPr lang="ja-JP" altLang="en-US" dirty="0" smtClean="0"/>
+              <a:t>さえ</a:t>
+            </a:r>
+            <a:r>
+              <a:rPr kumimoji="1" lang="ja-JP" altLang="en-US" dirty="0" smtClean="0"/>
+              <a:t>覚えれば</a:t>
+            </a:r>
+            <a:r>
+              <a:rPr kumimoji="1" lang="en-US" altLang="ja-JP" dirty="0" smtClean="0"/>
+              <a:t>Web</a:t>
+            </a:r>
+            <a:r>
+              <a:rPr kumimoji="1" lang="ja-JP" altLang="en-US" dirty="0" smtClean="0"/>
+              <a:t>アプリケーションを一人で作れる！</a:t>
+            </a:r>
+            <a:endParaRPr kumimoji="1" lang="en-US" altLang="ja-JP" dirty="0" smtClean="0"/>
+          </a:p>
+          <a:p>
+            <a:pPr lvl="1"/>
+            <a:r>
+              <a:rPr lang="ja-JP" altLang="en-US" dirty="0" smtClean="0"/>
+              <a:t>同じ言語なので，もろもろの変換処理などが必要ない</a:t>
             </a:r>
             <a:endParaRPr lang="en-US" altLang="ja-JP" dirty="0" smtClean="0"/>
           </a:p>
           <a:p>
-            <a:pPr marL="0" indent="0">
-              <a:buNone/>
-            </a:pPr>
+            <a:pPr lvl="2"/>
+            <a:r>
+              <a:rPr kumimoji="1" lang="en-US" altLang="ja-JP" dirty="0" err="1" smtClean="0"/>
+              <a:t>MongoDB</a:t>
+            </a:r>
             <a:r>
               <a:rPr kumimoji="1" lang="ja-JP" altLang="en-US" dirty="0" smtClean="0"/>
-              <a:t>複数のブラウザで開いて，メッセージが送信されていれば成功</a:t>
+              <a:t>を使うと，データは全て「</a:t>
+            </a:r>
+            <a:r>
+              <a:rPr kumimoji="1" lang="en-US" altLang="ja-JP" dirty="0" smtClean="0"/>
+              <a:t>JSON</a:t>
+            </a:r>
+            <a:r>
+              <a:rPr lang="ja-JP" altLang="en-US" dirty="0" smtClean="0"/>
+              <a:t>」として処理できる</a:t>
             </a:r>
             <a:endParaRPr kumimoji="1" lang="ja-JP" altLang="en-US" dirty="0"/>
           </a:p>
@@ -28227,7 +26453,7 @@
     </p:spTree>
     <p:extLst>
       <p:ext uri="{BB962C8B-B14F-4D97-AF65-F5344CB8AC3E}">
-        <p14:creationId xmlns:p14="http://schemas.microsoft.com/office/powerpoint/2010/main" val="4143733850"/>
+        <p14:creationId xmlns:p14="http://schemas.microsoft.com/office/powerpoint/2010/main" val="512239650"/>
       </p:ext>
     </p:extLst>
   </p:cSld>
@@ -28296,8 +26522,12 @@
           <a:lstStyle/>
           <a:p>
             <a:r>
-              <a:rPr kumimoji="1" lang="ja-JP" altLang="en-US" dirty="0" smtClean="0"/>
-              <a:t>演習</a:t>
+              <a:rPr kumimoji="1" lang="en-US" altLang="ja-JP" dirty="0" err="1" smtClean="0"/>
+              <a:t>Node.js</a:t>
+            </a:r>
+            <a:r>
+              <a:rPr lang="ja-JP" altLang="en-US" dirty="0" smtClean="0"/>
+              <a:t>の特徴</a:t>
             </a:r>
             <a:endParaRPr kumimoji="1" lang="ja-JP" altLang="en-US" dirty="0"/>
           </a:p>
@@ -28318,91 +26548,109 @@
           <a:bodyPr/>
           <a:lstStyle/>
           <a:p>
-            <a:pPr marL="457200" indent="-457200">
-              <a:buFont typeface="+mj-lt"/>
-              <a:buAutoNum type="arabicPeriod"/>
-            </a:pPr>
+            <a:r>
+              <a:rPr lang="ja-JP" altLang="en-US" dirty="0" smtClean="0"/>
+              <a:t>別個で</a:t>
+            </a:r>
+            <a:r>
+              <a:rPr lang="en-US" altLang="ja-JP" dirty="0"/>
+              <a:t>A</a:t>
+            </a:r>
+            <a:r>
+              <a:rPr lang="en-US" altLang="ja-JP" dirty="0" smtClean="0"/>
+              <a:t>pache</a:t>
+            </a:r>
+            <a:r>
+              <a:rPr lang="ja-JP" altLang="en-US" dirty="0" smtClean="0"/>
+              <a:t>などの</a:t>
+            </a:r>
+            <a:r>
+              <a:rPr lang="en-US" altLang="ja-JP" dirty="0"/>
+              <a:t>W</a:t>
+            </a:r>
+            <a:r>
+              <a:rPr lang="en-US" altLang="ja-JP" dirty="0" smtClean="0"/>
+              <a:t>eb</a:t>
+            </a:r>
+            <a:r>
+              <a:rPr lang="ja-JP" altLang="en-US" dirty="0" smtClean="0"/>
+              <a:t>サーバーを用意しなくてもよい</a:t>
+            </a:r>
+            <a:endParaRPr lang="en-US" altLang="ja-JP" dirty="0" smtClean="0"/>
+          </a:p>
+          <a:p>
             <a:r>
               <a:rPr kumimoji="1" lang="ja-JP" altLang="en-US" dirty="0" smtClean="0"/>
-              <a:t>メッセージとは別のインプットフォームで送信者の名前を記入できるようにし，誰から来たメッセージなのか表示するようにする</a:t>
+              <a:t>パッケージ管理ツールなど，開発に必要なものは一通りそろっている</a:t>
             </a:r>
             <a:endParaRPr kumimoji="1" lang="en-US" altLang="ja-JP" dirty="0" smtClean="0"/>
           </a:p>
           <a:p>
+            <a:r>
+              <a:rPr lang="ja-JP" altLang="en-US" dirty="0" smtClean="0"/>
+              <a:t>たくさん</a:t>
+            </a:r>
+            <a:r>
+              <a:rPr lang="ja-JP" altLang="en-US" dirty="0" smtClean="0"/>
+              <a:t>のリクエストを処理するのが得意</a:t>
+            </a:r>
+            <a:endParaRPr lang="en-US" altLang="ja-JP" dirty="0" smtClean="0"/>
+          </a:p>
+          <a:p>
             <a:pPr lvl="1"/>
             <a:r>
+              <a:rPr kumimoji="1" lang="ja-JP" altLang="en-US" dirty="0" smtClean="0"/>
+              <a:t>チャットやメッセンジャーのような</a:t>
+            </a:r>
+            <a:r>
+              <a:rPr kumimoji="1" lang="ja-JP" altLang="en-US" dirty="0" smtClean="0"/>
+              <a:t>サービスには適任</a:t>
+            </a:r>
+            <a:endParaRPr kumimoji="1" lang="en-US" altLang="ja-JP" dirty="0" smtClean="0"/>
+          </a:p>
+          <a:p>
+            <a:r>
+              <a:rPr kumimoji="1" lang="ja-JP" altLang="en-US" dirty="0" smtClean="0"/>
+              <a:t>重い計算処理は</a:t>
+            </a:r>
+            <a:r>
+              <a:rPr kumimoji="1" lang="ja-JP" altLang="en-US" dirty="0" smtClean="0"/>
+              <a:t>苦手</a:t>
+            </a:r>
+            <a:endParaRPr kumimoji="1" lang="en-US" altLang="ja-JP" dirty="0" smtClean="0"/>
+          </a:p>
+          <a:p>
+            <a:r>
               <a:rPr lang="ja-JP" altLang="en-US" dirty="0" smtClean="0"/>
-              <a:t>例：</a:t>
-            </a:r>
-            <a:r>
-              <a:rPr lang="en-US" altLang="ja-JP" dirty="0" smtClean="0"/>
-              <a:t>[</a:t>
-            </a:r>
-            <a:r>
-              <a:rPr lang="ja-JP" altLang="en-US" dirty="0" smtClean="0"/>
-              <a:t>ポニー村山さん</a:t>
-            </a:r>
-            <a:r>
-              <a:rPr lang="en-US" altLang="ja-JP" dirty="0" smtClean="0"/>
-              <a:t>] </a:t>
-            </a:r>
-            <a:r>
-              <a:rPr lang="ja-JP" altLang="en-US" dirty="0" smtClean="0"/>
-              <a:t>こんにちは！！！</a:t>
-            </a:r>
-            <a:endParaRPr lang="en-US" altLang="ja-JP" dirty="0" smtClean="0"/>
-          </a:p>
-          <a:p>
-            <a:pPr marL="457200" indent="-457200">
-              <a:buFont typeface="+mj-lt"/>
-              <a:buAutoNum type="arabicPeriod"/>
-            </a:pPr>
-            <a:r>
-              <a:rPr lang="ja-JP" altLang="en-US" dirty="0" smtClean="0"/>
-              <a:t>メッセージに送信日時を表示する</a:t>
-            </a:r>
-            <a:endParaRPr lang="en-US" altLang="ja-JP" dirty="0" smtClean="0"/>
+              <a:t>基本的に，</a:t>
+            </a:r>
+            <a:r>
+              <a:rPr lang="ja-JP" altLang="en-US" dirty="0" smtClean="0">
+                <a:solidFill>
+                  <a:srgbClr val="FF0000"/>
+                </a:solidFill>
+              </a:rPr>
+              <a:t>結構速い</a:t>
+            </a:r>
+            <a:endParaRPr lang="en-US" altLang="ja-JP" dirty="0" smtClean="0">
+              <a:solidFill>
+                <a:srgbClr val="FF0000"/>
+              </a:solidFill>
+            </a:endParaRPr>
           </a:p>
           <a:p>
             <a:pPr lvl="1"/>
             <a:r>
-              <a:rPr lang="ja-JP" altLang="en-US" dirty="0" smtClean="0"/>
-              <a:t>ヒント：</a:t>
-            </a:r>
-            <a:r>
-              <a:rPr lang="en-US" altLang="ja-JP" dirty="0" smtClean="0"/>
-              <a:t>new Date</a:t>
-            </a:r>
-            <a:r>
               <a:rPr lang="en-US" altLang="ja-JP" dirty="0"/>
-              <a:t>()</a:t>
-            </a:r>
-            <a:r>
-              <a:rPr lang="en-US" altLang="ja-JP" dirty="0" smtClean="0"/>
-              <a:t>.</a:t>
-            </a:r>
-            <a:r>
-              <a:rPr lang="en-US" altLang="ja-JP" dirty="0" err="1" smtClean="0"/>
-              <a:t>toLocaleString</a:t>
-            </a:r>
-            <a:r>
-              <a:rPr lang="en-US" altLang="ja-JP" dirty="0" smtClean="0"/>
-              <a:t>() </a:t>
-            </a:r>
-            <a:r>
-              <a:rPr lang="ja-JP" altLang="en-US" dirty="0" smtClean="0"/>
-              <a:t>で，現在時刻を表示できる</a:t>
-            </a:r>
-            <a:endParaRPr lang="en-US" altLang="ja-JP" dirty="0" smtClean="0"/>
-          </a:p>
-          <a:p>
-            <a:pPr marL="457200" indent="-457200">
-              <a:buFont typeface="+mj-lt"/>
-              <a:buAutoNum type="arabicPeriod"/>
-            </a:pPr>
-            <a:r>
-              <a:rPr lang="ja-JP" altLang="en-US" dirty="0" smtClean="0"/>
-              <a:t>（時間が余ったら）見た目を整える</a:t>
+              <a:t>http://</a:t>
+            </a:r>
+            <a:r>
+              <a:rPr lang="en-US" altLang="ja-JP" dirty="0" err="1"/>
+              <a:t>www.techempower.com</a:t>
+            </a:r>
+            <a:r>
+              <a:rPr lang="en-US" altLang="ja-JP" dirty="0"/>
+              <a:t>/benchmarks/</a:t>
             </a:r>
             <a:endParaRPr kumimoji="1" lang="ja-JP" altLang="en-US" dirty="0"/>
           </a:p>
@@ -28411,7 +26659,7 @@
     </p:spTree>
     <p:extLst>
       <p:ext uri="{BB962C8B-B14F-4D97-AF65-F5344CB8AC3E}">
-        <p14:creationId xmlns:p14="http://schemas.microsoft.com/office/powerpoint/2010/main" val="1422691797"/>
+        <p14:creationId xmlns:p14="http://schemas.microsoft.com/office/powerpoint/2010/main" val="1153243270"/>
       </p:ext>
     </p:extLst>
   </p:cSld>
@@ -28481,7 +26729,7 @@
           <a:p>
             <a:r>
               <a:rPr kumimoji="1" lang="ja-JP" altLang="en-US" dirty="0" smtClean="0"/>
-              <a:t>もっと本格的なアプリを目指すには</a:t>
+              <a:t>さっそく，掲示板作りをスタート</a:t>
             </a:r>
             <a:endParaRPr kumimoji="1" lang="ja-JP" altLang="en-US" dirty="0"/>
           </a:p>
@@ -28502,59 +26750,99 @@
           <a:bodyPr/>
           <a:lstStyle/>
           <a:p>
+            <a:pPr marL="457200" indent="-457200">
+              <a:buFont typeface="+mj-lt"/>
+              <a:buAutoNum type="arabicPeriod"/>
+            </a:pPr>
+            <a:r>
+              <a:rPr lang="ja-JP" altLang="en-US" dirty="0" smtClean="0"/>
+              <a:t>ターミナルを開く</a:t>
+            </a:r>
+            <a:endParaRPr lang="en-US" altLang="ja-JP" dirty="0" smtClean="0"/>
+          </a:p>
+          <a:p>
+            <a:pPr lvl="1"/>
+            <a:r>
+              <a:rPr lang="en-US" altLang="ja-JP" dirty="0" smtClean="0"/>
+              <a:t>Launchpad -&gt; </a:t>
+            </a:r>
+            <a:r>
+              <a:rPr lang="ja-JP" altLang="en-US" dirty="0" smtClean="0"/>
+              <a:t>その他に入っている</a:t>
+            </a:r>
+            <a:endParaRPr lang="en-US" altLang="ja-JP" dirty="0" smtClean="0"/>
+          </a:p>
+          <a:p>
+            <a:pPr marL="457200" indent="-457200">
+              <a:buFont typeface="+mj-lt"/>
+              <a:buAutoNum type="arabicPeriod"/>
+            </a:pPr>
+            <a:r>
+              <a:rPr lang="en-US" altLang="ja-JP" dirty="0" smtClean="0"/>
+              <a:t>cd &lt;zip</a:t>
+            </a:r>
+            <a:r>
+              <a:rPr lang="ja-JP" altLang="en-US" dirty="0" smtClean="0"/>
+              <a:t>解凍先フォルダ</a:t>
+            </a:r>
+            <a:r>
+              <a:rPr lang="en-US" altLang="ja-JP" dirty="0" smtClean="0"/>
+              <a:t>&gt;</a:t>
+            </a:r>
             <a:r>
               <a:rPr kumimoji="1" lang="en-US" altLang="ja-JP" dirty="0" smtClean="0"/>
-              <a:t>DB</a:t>
-            </a:r>
-            <a:r>
-              <a:rPr kumimoji="1" lang="ja-JP" altLang="en-US" dirty="0" smtClean="0"/>
-              <a:t>にコメントデータを保存できるようにし，リロードしたらそれを読み込むようにする</a:t>
-            </a:r>
-            <a:endParaRPr kumimoji="1" lang="en-US" altLang="ja-JP" dirty="0" smtClean="0"/>
-          </a:p>
-          <a:p>
+              <a:t>/</a:t>
+            </a:r>
+            <a:r>
+              <a:rPr kumimoji="1" lang="en-US" altLang="ja-JP" dirty="0" err="1" smtClean="0"/>
+              <a:t>msgboard</a:t>
+            </a:r>
+            <a:r>
+              <a:rPr lang="en-US" altLang="ja-JP" dirty="0"/>
+              <a:t> </a:t>
+            </a:r>
             <a:r>
               <a:rPr lang="ja-JP" altLang="en-US" dirty="0" smtClean="0"/>
-              <a:t>通信環境の悪さ等の原因で届かなかったメッセージを処理する</a:t>
-            </a:r>
-            <a:endParaRPr lang="en-US" altLang="ja-JP" dirty="0" smtClean="0"/>
-          </a:p>
-          <a:p>
-            <a:r>
-              <a:rPr lang="ja-JP" altLang="en-US" dirty="0" smtClean="0"/>
-              <a:t>本番環境にデプロイする</a:t>
-            </a:r>
-            <a:endParaRPr lang="en-US" altLang="ja-JP" dirty="0" smtClean="0"/>
-          </a:p>
-          <a:p>
-            <a:r>
-              <a:rPr kumimoji="1" lang="ja-JP" altLang="en-US" dirty="0" smtClean="0"/>
-              <a:t>ログイン機能を作って送信相手を指定できるようにすれば，</a:t>
-            </a:r>
-            <a:r>
-              <a:rPr kumimoji="1" lang="en-US" altLang="ja-JP" dirty="0" smtClean="0"/>
-              <a:t>Skype</a:t>
-            </a:r>
-            <a:r>
-              <a:rPr kumimoji="1" lang="ja-JP" altLang="en-US" dirty="0" smtClean="0"/>
-              <a:t>や</a:t>
-            </a:r>
-            <a:r>
-              <a:rPr kumimoji="1" lang="en-US" altLang="ja-JP" dirty="0" smtClean="0"/>
-              <a:t>Line</a:t>
-            </a:r>
-            <a:r>
-              <a:rPr kumimoji="1" lang="ja-JP" altLang="en-US" dirty="0" smtClean="0"/>
-              <a:t>のようなメッセンジャーになる</a:t>
+              <a:t>で掲示板アプリの土台があるフォルダに移動</a:t>
             </a:r>
             <a:endParaRPr kumimoji="1" lang="ja-JP" altLang="en-US" dirty="0"/>
           </a:p>
         </p:txBody>
       </p:sp>
+      <p:pic>
+        <p:nvPicPr>
+          <p:cNvPr id="6" name="図 5" descr="スクリーンショット 2014-12-04 18.29.30.png"/>
+          <p:cNvPicPr>
+            <a:picLocks noChangeAspect="1"/>
+          </p:cNvPicPr>
+          <p:nvPr/>
+        </p:nvPicPr>
+        <p:blipFill>
+          <a:blip r:embed="rId2">
+            <a:extLst>
+              <a:ext uri="{28A0092B-C50C-407E-A947-70E740481C1C}">
+                <a14:useLocalDpi xmlns:a14="http://schemas.microsoft.com/office/drawing/2010/main" val="0"/>
+              </a:ext>
+            </a:extLst>
+          </a:blip>
+          <a:stretch>
+            <a:fillRect/>
+          </a:stretch>
+        </p:blipFill>
+        <p:spPr>
+          <a:xfrm>
+            <a:off x="3063421" y="3659418"/>
+            <a:ext cx="3059339" cy="2324149"/>
+          </a:xfrm>
+          <a:prstGeom prst="rect">
+            <a:avLst/>
+          </a:prstGeom>
+        </p:spPr>
+      </p:pic>
     </p:spTree>
     <p:extLst>
       <p:ext uri="{BB962C8B-B14F-4D97-AF65-F5344CB8AC3E}">
-        <p14:creationId xmlns:p14="http://schemas.microsoft.com/office/powerpoint/2010/main" val="3047602294"/>
+        <p14:creationId xmlns:p14="http://schemas.microsoft.com/office/powerpoint/2010/main" val="801554102"/>
       </p:ext>
     </p:extLst>
   </p:cSld>
@@ -28624,7 +26912,7 @@
           <a:p>
             <a:r>
               <a:rPr kumimoji="1" lang="ja-JP" altLang="en-US" dirty="0" smtClean="0"/>
-              <a:t>まとめ</a:t>
+              <a:t>動かしてみる</a:t>
             </a:r>
             <a:endParaRPr kumimoji="1" lang="ja-JP" altLang="en-US" dirty="0"/>
           </a:p>
@@ -28647,85 +26935,571 @@
           <a:p>
             <a:r>
               <a:rPr kumimoji="1" lang="en-US" altLang="ja-JP" dirty="0" err="1" smtClean="0"/>
-              <a:t>Node.js</a:t>
+              <a:t>npm</a:t>
+            </a:r>
+            <a:r>
+              <a:rPr kumimoji="1" lang="en-US" altLang="ja-JP" dirty="0" smtClean="0"/>
+              <a:t> install </a:t>
             </a:r>
             <a:r>
               <a:rPr kumimoji="1" lang="ja-JP" altLang="en-US" dirty="0" smtClean="0"/>
-              <a:t>は，チャットのようなリアルタイム性の高いアプリの作成に有用</a:t>
+              <a:t>で必要モジュールをインストール</a:t>
             </a:r>
             <a:endParaRPr kumimoji="1" lang="en-US" altLang="ja-JP" dirty="0" smtClean="0"/>
           </a:p>
           <a:p>
             <a:r>
+              <a:rPr kumimoji="1" lang="en-US" altLang="ja-JP" dirty="0" smtClean="0"/>
+              <a:t>node </a:t>
+            </a:r>
+            <a:r>
               <a:rPr kumimoji="1" lang="en-US" altLang="ja-JP" dirty="0" err="1" smtClean="0"/>
-              <a:t>Node.js</a:t>
-            </a:r>
-            <a:r>
-              <a:rPr lang="en-US" altLang="ja-JP" dirty="0" smtClean="0"/>
-              <a:t> + Express</a:t>
+              <a:t>app.js</a:t>
+            </a:r>
+            <a:r>
+              <a:rPr kumimoji="1" lang="en-US" altLang="ja-JP" dirty="0" smtClean="0"/>
+              <a:t> </a:t>
+            </a:r>
+            <a:r>
+              <a:rPr kumimoji="1" lang="ja-JP" altLang="en-US" dirty="0" smtClean="0"/>
+              <a:t>で起動</a:t>
+            </a:r>
+            <a:endParaRPr kumimoji="1" lang="en-US" altLang="ja-JP" dirty="0" smtClean="0"/>
+          </a:p>
+          <a:p>
+            <a:r>
+              <a:rPr kumimoji="1" lang="ja-JP" altLang="en-US" dirty="0" smtClean="0"/>
+              <a:t>ブラウザで</a:t>
+            </a:r>
+            <a:r>
+              <a:rPr kumimoji="1" lang="en-US" altLang="ja-JP" dirty="0" smtClean="0"/>
+              <a:t> </a:t>
+            </a:r>
+            <a:r>
+              <a:rPr kumimoji="1" lang="en-US" altLang="ja-JP" dirty="0" smtClean="0">
+                <a:hlinkClick r:id="rId2"/>
+              </a:rPr>
+              <a:t>http://localhost:3000</a:t>
+            </a:r>
+            <a:r>
+              <a:rPr kumimoji="1" lang="en-US" altLang="ja-JP" dirty="0" smtClean="0"/>
+              <a:t> </a:t>
+            </a:r>
+            <a:r>
+              <a:rPr kumimoji="1" lang="ja-JP" altLang="en-US" dirty="0" smtClean="0"/>
+              <a:t>にアクセスし，</a:t>
+            </a:r>
+            <a:r>
+              <a:rPr kumimoji="1" lang="en-US" altLang="ja-JP" dirty="0" smtClean="0"/>
+              <a:t>Hello World! </a:t>
             </a:r>
             <a:r>
               <a:rPr lang="ja-JP" altLang="en-US" dirty="0" smtClean="0"/>
-              <a:t>では，</a:t>
-            </a:r>
-            <a:r>
-              <a:rPr lang="en-US" altLang="ja-JP" dirty="0" err="1" smtClean="0"/>
-              <a:t>app.get</a:t>
-            </a:r>
-            <a:r>
-              <a:rPr lang="ja-JP" altLang="en-US" dirty="0" smtClean="0"/>
-              <a:t>などを用いて</a:t>
-            </a:r>
-            <a:r>
-              <a:rPr lang="en-US" altLang="ja-JP" dirty="0" smtClean="0"/>
-              <a:t>html</a:t>
-            </a:r>
-            <a:r>
-              <a:rPr lang="ja-JP" altLang="en-US" dirty="0" smtClean="0"/>
-              <a:t>や</a:t>
-            </a:r>
-            <a:r>
-              <a:rPr lang="en-US" altLang="ja-JP" dirty="0" smtClean="0"/>
-              <a:t>JSON</a:t>
-            </a:r>
-            <a:r>
-              <a:rPr lang="ja-JP" altLang="en-US" dirty="0" smtClean="0"/>
-              <a:t>をクライアントに送信する</a:t>
-            </a:r>
-            <a:endParaRPr lang="en-US" altLang="ja-JP" dirty="0" smtClean="0"/>
-          </a:p>
-          <a:p>
-            <a:r>
-              <a:rPr lang="ja-JP" altLang="en-US" dirty="0" smtClean="0"/>
-              <a:t>クライアントから受け取った</a:t>
-            </a:r>
-            <a:r>
-              <a:rPr lang="en-US" altLang="ja-JP" dirty="0" smtClean="0"/>
-              <a:t>JSON</a:t>
-            </a:r>
-            <a:r>
-              <a:rPr lang="ja-JP" altLang="en-US" dirty="0" smtClean="0"/>
-              <a:t>をサーバで処理することも出来る</a:t>
-            </a:r>
-            <a:endParaRPr lang="en-US" altLang="ja-JP" dirty="0" smtClean="0"/>
-          </a:p>
-          <a:p>
-            <a:r>
-              <a:rPr lang="en-US" altLang="ja-JP" dirty="0" err="1" smtClean="0"/>
-              <a:t>Socket.IO</a:t>
-            </a:r>
-            <a:r>
-              <a:rPr lang="ja-JP" altLang="en-US" dirty="0" smtClean="0"/>
-              <a:t>を使うと，双方向通信が実現できる</a:t>
-            </a:r>
-            <a:endParaRPr lang="en-US" altLang="ja-JP" dirty="0" smtClean="0"/>
+              <a:t>と表示されれば成功</a:t>
+            </a:r>
+            <a:endParaRPr kumimoji="1" lang="ja-JP" altLang="en-US" dirty="0"/>
           </a:p>
         </p:txBody>
       </p:sp>
     </p:spTree>
     <p:extLst>
       <p:ext uri="{BB962C8B-B14F-4D97-AF65-F5344CB8AC3E}">
-        <p14:creationId xmlns:p14="http://schemas.microsoft.com/office/powerpoint/2010/main" val="3153340289"/>
+        <p14:creationId xmlns:p14="http://schemas.microsoft.com/office/powerpoint/2010/main" val="2924921398"/>
+      </p:ext>
+    </p:extLst>
+  </p:cSld>
+  <p:clrMapOvr>
+    <a:masterClrMapping/>
+  </p:clrMapOvr>
+</p:sld>
+</file>
+
+<file path=ppt/slides/slide28.xml><?xml version="1.0" encoding="utf-8"?>
+<p:sld xmlns:a="http://schemas.openxmlformats.org/drawingml/2006/main" xmlns:r="http://schemas.openxmlformats.org/officeDocument/2006/relationships" xmlns:p="http://schemas.openxmlformats.org/presentationml/2006/main">
+  <p:cSld>
+    <p:spTree>
+      <p:nvGrpSpPr>
+        <p:cNvPr id="1" name=""/>
+        <p:cNvGrpSpPr/>
+        <p:nvPr/>
+      </p:nvGrpSpPr>
+      <p:grpSpPr>
+        <a:xfrm>
+          <a:off x="0" y="0"/>
+          <a:ext cx="0" cy="0"/>
+          <a:chOff x="0" y="0"/>
+          <a:chExt cx="0" cy="0"/>
+        </a:xfrm>
+      </p:grpSpPr>
+      <p:sp>
+        <p:nvSpPr>
+          <p:cNvPr id="2" name="スライド番号プレースホルダー 1"/>
+          <p:cNvSpPr>
+            <a:spLocks noGrp="1"/>
+          </p:cNvSpPr>
+          <p:nvPr>
+            <p:ph type="sldNum" sz="quarter" idx="12"/>
+          </p:nvPr>
+        </p:nvSpPr>
+        <p:spPr/>
+        <p:txBody>
+          <a:bodyPr>
+            <a:normAutofit fontScale="92500" lnSpcReduction="20000"/>
+          </a:bodyPr>
+          <a:lstStyle/>
+          <a:p>
+            <a:fld id="{5744759D-0EFF-4FB2-9CCE-04E00944F0FE}" type="slidenum">
+              <a:rPr lang="en-US" smtClean="0"/>
+              <a:pPr/>
+              <a:t>28</a:t>
+            </a:fld>
+            <a:endParaRPr lang="en-US"/>
+          </a:p>
+        </p:txBody>
+      </p:sp>
+      <p:sp>
+        <p:nvSpPr>
+          <p:cNvPr id="3" name="タイトル 2"/>
+          <p:cNvSpPr>
+            <a:spLocks noGrp="1"/>
+          </p:cNvSpPr>
+          <p:nvPr>
+            <p:ph type="title"/>
+          </p:nvPr>
+        </p:nvSpPr>
+        <p:spPr/>
+        <p:txBody>
+          <a:bodyPr/>
+          <a:lstStyle/>
+          <a:p>
+            <a:r>
+              <a:rPr kumimoji="1" lang="ja-JP" altLang="en-US" dirty="0" smtClean="0"/>
+              <a:t>ソースコードの解説</a:t>
+            </a:r>
+            <a:endParaRPr kumimoji="1" lang="ja-JP" altLang="en-US" dirty="0"/>
+          </a:p>
+        </p:txBody>
+      </p:sp>
+      <p:sp>
+        <p:nvSpPr>
+          <p:cNvPr id="4" name="コンテンツ プレースホルダー 3"/>
+          <p:cNvSpPr>
+            <a:spLocks noGrp="1"/>
+          </p:cNvSpPr>
+          <p:nvPr>
+            <p:ph sz="quarter" idx="13"/>
+          </p:nvPr>
+        </p:nvSpPr>
+        <p:spPr/>
+        <p:txBody>
+          <a:bodyPr>
+            <a:normAutofit lnSpcReduction="10000"/>
+          </a:bodyPr>
+          <a:lstStyle/>
+          <a:p>
+            <a:r>
+              <a:rPr lang="ja-JP" altLang="en-US" dirty="0"/>
+              <a:t>今回，</a:t>
+            </a:r>
+            <a:r>
+              <a:rPr lang="en-US" altLang="ja-JP" dirty="0">
+                <a:solidFill>
+                  <a:srgbClr val="FF0000"/>
+                </a:solidFill>
+              </a:rPr>
+              <a:t>Express</a:t>
+            </a:r>
+            <a:r>
+              <a:rPr lang="en-US" altLang="ja-JP" dirty="0"/>
+              <a:t> </a:t>
+            </a:r>
+            <a:r>
+              <a:rPr lang="ja-JP" altLang="en-US" dirty="0"/>
+              <a:t>というフレームワークを</a:t>
+            </a:r>
+            <a:r>
+              <a:rPr lang="ja-JP" altLang="en-US" dirty="0" smtClean="0"/>
+              <a:t>利用</a:t>
+            </a:r>
+            <a:endParaRPr kumimoji="1" lang="en-US" altLang="ja-JP" dirty="0" smtClean="0"/>
+          </a:p>
+          <a:p>
+            <a:r>
+              <a:rPr kumimoji="1" lang="ja-JP" altLang="en-US" dirty="0" smtClean="0"/>
+              <a:t>テキストエディタ</a:t>
+            </a:r>
+            <a:r>
+              <a:rPr kumimoji="1" lang="en-US" altLang="ja-JP" dirty="0" smtClean="0"/>
+              <a:t>(Sublime </a:t>
+            </a:r>
+            <a:r>
+              <a:rPr kumimoji="1" lang="en-US" altLang="ja-JP" dirty="0" smtClean="0"/>
+              <a:t>Text2</a:t>
+            </a:r>
+            <a:r>
+              <a:rPr kumimoji="1" lang="ja-JP" altLang="en-US" dirty="0" smtClean="0"/>
+              <a:t>が</a:t>
+            </a:r>
+            <a:r>
+              <a:rPr kumimoji="1" lang="ja-JP" altLang="en-US" dirty="0" smtClean="0"/>
+              <a:t>オススメ</a:t>
+            </a:r>
+            <a:r>
+              <a:rPr kumimoji="1" lang="en-US" altLang="ja-JP" dirty="0" smtClean="0"/>
+              <a:t>)</a:t>
+            </a:r>
+            <a:r>
+              <a:rPr kumimoji="1" lang="ja-JP" altLang="en-US" dirty="0" smtClean="0"/>
+              <a:t>で，</a:t>
+            </a:r>
+            <a:r>
+              <a:rPr kumimoji="1" lang="en-US" altLang="ja-JP" dirty="0" err="1" smtClean="0"/>
+              <a:t>routes.js</a:t>
+            </a:r>
+            <a:r>
+              <a:rPr kumimoji="1" lang="ja-JP" altLang="en-US" dirty="0" smtClean="0"/>
+              <a:t>を</a:t>
+            </a:r>
+            <a:r>
+              <a:rPr kumimoji="1" lang="ja-JP" altLang="en-US" dirty="0" smtClean="0"/>
+              <a:t>開く</a:t>
+            </a:r>
+            <a:r>
+              <a:rPr kumimoji="1" lang="ja-JP" altLang="en-US" dirty="0" smtClean="0"/>
+              <a:t>（</a:t>
+            </a:r>
+            <a:r>
+              <a:rPr lang="ja-JP" altLang="en-US" dirty="0" smtClean="0"/>
+              <a:t>サーバ側で動くコード</a:t>
+            </a:r>
+            <a:r>
+              <a:rPr kumimoji="1" lang="ja-JP" altLang="en-US" dirty="0" smtClean="0"/>
+              <a:t>）</a:t>
+            </a:r>
+            <a:endParaRPr kumimoji="1" lang="en-US" altLang="ja-JP" dirty="0" smtClean="0"/>
+          </a:p>
+          <a:p>
+            <a:endParaRPr kumimoji="1" lang="en-US" altLang="ja-JP" dirty="0" smtClean="0"/>
+          </a:p>
+          <a:p>
+            <a:pPr marL="0" indent="0">
+              <a:buNone/>
+            </a:pPr>
+            <a:r>
+              <a:rPr lang="en-US" altLang="ja-JP" dirty="0" err="1" smtClean="0"/>
+              <a:t>app.get</a:t>
+            </a:r>
+            <a:r>
+              <a:rPr lang="en-US" altLang="ja-JP" dirty="0" smtClean="0"/>
+              <a:t>(</a:t>
+            </a:r>
+            <a:r>
+              <a:rPr lang="en-US" altLang="ja-JP" dirty="0" smtClean="0">
+                <a:solidFill>
+                  <a:srgbClr val="FF0000"/>
+                </a:solidFill>
+              </a:rPr>
+              <a:t>"/"</a:t>
+            </a:r>
+            <a:r>
+              <a:rPr lang="en-US" altLang="ja-JP" dirty="0" smtClean="0"/>
+              <a:t>, function(request, response) {</a:t>
+            </a:r>
+          </a:p>
+          <a:p>
+            <a:pPr marL="0" indent="0">
+              <a:buNone/>
+            </a:pPr>
+            <a:r>
+              <a:rPr lang="en-US" altLang="ja-JP" dirty="0"/>
+              <a:t> </a:t>
+            </a:r>
+            <a:r>
+              <a:rPr lang="en-US" altLang="ja-JP" dirty="0" smtClean="0"/>
+              <a:t>   	</a:t>
+            </a:r>
+            <a:r>
+              <a:rPr lang="en-US" altLang="ja-JP" dirty="0" err="1" smtClean="0"/>
+              <a:t>response.redirect</a:t>
+            </a:r>
+            <a:r>
+              <a:rPr lang="en-US" altLang="ja-JP" dirty="0" smtClean="0"/>
+              <a:t>("/</a:t>
+            </a:r>
+            <a:r>
+              <a:rPr lang="en-US" altLang="ja-JP" dirty="0" err="1" smtClean="0"/>
+              <a:t>index.html</a:t>
+            </a:r>
+            <a:r>
+              <a:rPr lang="en-US" altLang="ja-JP" dirty="0" smtClean="0"/>
+              <a:t>");</a:t>
+            </a:r>
+          </a:p>
+          <a:p>
+            <a:pPr marL="0" indent="0">
+              <a:buNone/>
+            </a:pPr>
+            <a:r>
+              <a:rPr lang="en-US" altLang="ja-JP" dirty="0" smtClean="0"/>
+              <a:t>});</a:t>
+            </a:r>
+          </a:p>
+          <a:p>
+            <a:pPr marL="0" indent="0">
+              <a:buNone/>
+            </a:pPr>
+            <a:endParaRPr lang="en-US" altLang="ja-JP" dirty="0"/>
+          </a:p>
+          <a:p>
+            <a:pPr marL="0" indent="0">
+              <a:buNone/>
+            </a:pPr>
+            <a:r>
+              <a:rPr lang="ja-JP" altLang="en-US" dirty="0" smtClean="0"/>
+              <a:t>この部分で，</a:t>
+            </a:r>
+            <a:r>
+              <a:rPr lang="en-US" altLang="ja-JP" dirty="0" smtClean="0"/>
+              <a:t>localhost:3000</a:t>
+            </a:r>
+            <a:r>
+              <a:rPr lang="en-US" altLang="ja-JP" dirty="0"/>
+              <a:t> </a:t>
+            </a:r>
+            <a:r>
+              <a:rPr lang="ja-JP" altLang="en-US" dirty="0" smtClean="0"/>
+              <a:t>にアクセスしたとき，</a:t>
+            </a:r>
+            <a:endParaRPr lang="en-US" altLang="ja-JP" dirty="0" smtClean="0"/>
+          </a:p>
+          <a:p>
+            <a:pPr marL="0" indent="0">
+              <a:buNone/>
+            </a:pPr>
+            <a:r>
+              <a:rPr lang="en-US" altLang="ja-JP" dirty="0" smtClean="0"/>
+              <a:t>public/</a:t>
+            </a:r>
+            <a:r>
+              <a:rPr lang="en-US" altLang="ja-JP" dirty="0" err="1" smtClean="0"/>
+              <a:t>index.html</a:t>
+            </a:r>
+            <a:r>
+              <a:rPr lang="ja-JP" altLang="en-US" dirty="0" smtClean="0"/>
+              <a:t>の内容を表示するよう設定している</a:t>
+            </a:r>
+            <a:endParaRPr lang="en-US" altLang="ja-JP" dirty="0" smtClean="0"/>
+          </a:p>
+          <a:p>
+            <a:pPr marL="0" indent="0">
+              <a:buNone/>
+            </a:pPr>
+            <a:endParaRPr kumimoji="1" lang="en-US" altLang="ja-JP" dirty="0">
+              <a:solidFill>
+                <a:srgbClr val="FF0000"/>
+              </a:solidFill>
+            </a:endParaRPr>
+          </a:p>
+          <a:p>
+            <a:pPr marL="0" indent="0">
+              <a:buNone/>
+            </a:pPr>
+            <a:r>
+              <a:rPr lang="en-US" altLang="ja-JP" dirty="0" smtClean="0">
+                <a:solidFill>
+                  <a:srgbClr val="FF0000"/>
+                </a:solidFill>
+              </a:rPr>
+              <a:t> </a:t>
+            </a:r>
+            <a:r>
+              <a:rPr kumimoji="1" lang="en-US" altLang="ja-JP" dirty="0" smtClean="0">
+                <a:solidFill>
+                  <a:srgbClr val="FF0000"/>
+                </a:solidFill>
+              </a:rPr>
+              <a:t>“/” </a:t>
+            </a:r>
+            <a:r>
+              <a:rPr kumimoji="1" lang="ja-JP" altLang="en-US" dirty="0" smtClean="0"/>
+              <a:t>という部分がパスで，</a:t>
+            </a:r>
+            <a:r>
+              <a:rPr kumimoji="1" lang="en-US" altLang="ja-JP" dirty="0" smtClean="0"/>
+              <a:t> </a:t>
+            </a:r>
+            <a:r>
+              <a:rPr kumimoji="1" lang="ja-JP" altLang="en-US" dirty="0" smtClean="0"/>
+              <a:t>たとえばこれが</a:t>
+            </a:r>
+            <a:r>
+              <a:rPr kumimoji="1" lang="en-US" altLang="ja-JP" dirty="0" smtClean="0"/>
+              <a:t> ”/user” </a:t>
+            </a:r>
+            <a:r>
+              <a:rPr kumimoji="1" lang="ja-JP" altLang="en-US" dirty="0" smtClean="0"/>
+              <a:t>なら，</a:t>
+            </a:r>
+            <a:r>
+              <a:rPr kumimoji="1" lang="en-US" altLang="ja-JP" dirty="0" smtClean="0"/>
+              <a:t/>
+            </a:r>
+            <a:br>
+              <a:rPr kumimoji="1" lang="en-US" altLang="ja-JP" dirty="0" smtClean="0"/>
+            </a:br>
+            <a:r>
+              <a:rPr kumimoji="1" lang="en-US" altLang="ja-JP" dirty="0" smtClean="0"/>
+              <a:t>localhost:3000/user </a:t>
+            </a:r>
+            <a:r>
+              <a:rPr kumimoji="1" lang="ja-JP" altLang="en-US" dirty="0" smtClean="0"/>
+              <a:t>にアクセスしたときの設定になる</a:t>
+            </a:r>
+            <a:endParaRPr kumimoji="1" lang="en-US" altLang="ja-JP" dirty="0" smtClean="0"/>
+          </a:p>
+        </p:txBody>
+      </p:sp>
+    </p:spTree>
+    <p:extLst>
+      <p:ext uri="{BB962C8B-B14F-4D97-AF65-F5344CB8AC3E}">
+        <p14:creationId xmlns:p14="http://schemas.microsoft.com/office/powerpoint/2010/main" val="2465566052"/>
+      </p:ext>
+    </p:extLst>
+  </p:cSld>
+  <p:clrMapOvr>
+    <a:masterClrMapping/>
+  </p:clrMapOvr>
+</p:sld>
+</file>
+
+<file path=ppt/slides/slide29.xml><?xml version="1.0" encoding="utf-8"?>
+<p:sld xmlns:a="http://schemas.openxmlformats.org/drawingml/2006/main" xmlns:r="http://schemas.openxmlformats.org/officeDocument/2006/relationships" xmlns:p="http://schemas.openxmlformats.org/presentationml/2006/main">
+  <p:cSld>
+    <p:spTree>
+      <p:nvGrpSpPr>
+        <p:cNvPr id="1" name=""/>
+        <p:cNvGrpSpPr/>
+        <p:nvPr/>
+      </p:nvGrpSpPr>
+      <p:grpSpPr>
+        <a:xfrm>
+          <a:off x="0" y="0"/>
+          <a:ext cx="0" cy="0"/>
+          <a:chOff x="0" y="0"/>
+          <a:chExt cx="0" cy="0"/>
+        </a:xfrm>
+      </p:grpSpPr>
+      <p:sp>
+        <p:nvSpPr>
+          <p:cNvPr id="2" name="スライド番号プレースホルダー 1"/>
+          <p:cNvSpPr>
+            <a:spLocks noGrp="1"/>
+          </p:cNvSpPr>
+          <p:nvPr>
+            <p:ph type="sldNum" sz="quarter" idx="12"/>
+          </p:nvPr>
+        </p:nvSpPr>
+        <p:spPr/>
+        <p:txBody>
+          <a:bodyPr>
+            <a:normAutofit fontScale="92500" lnSpcReduction="20000"/>
+          </a:bodyPr>
+          <a:lstStyle/>
+          <a:p>
+            <a:fld id="{5744759D-0EFF-4FB2-9CCE-04E00944F0FE}" type="slidenum">
+              <a:rPr lang="en-US" smtClean="0"/>
+              <a:pPr/>
+              <a:t>29</a:t>
+            </a:fld>
+            <a:endParaRPr lang="en-US"/>
+          </a:p>
+        </p:txBody>
+      </p:sp>
+      <p:sp>
+        <p:nvSpPr>
+          <p:cNvPr id="3" name="タイトル 2"/>
+          <p:cNvSpPr>
+            <a:spLocks noGrp="1"/>
+          </p:cNvSpPr>
+          <p:nvPr>
+            <p:ph type="title"/>
+          </p:nvPr>
+        </p:nvSpPr>
+        <p:spPr/>
+        <p:txBody>
+          <a:bodyPr/>
+          <a:lstStyle/>
+          <a:p>
+            <a:r>
+              <a:rPr kumimoji="1" lang="ja-JP" altLang="en-US" dirty="0" smtClean="0"/>
+              <a:t>演習</a:t>
+            </a:r>
+            <a:endParaRPr kumimoji="1" lang="ja-JP" altLang="en-US" dirty="0"/>
+          </a:p>
+        </p:txBody>
+      </p:sp>
+      <p:sp>
+        <p:nvSpPr>
+          <p:cNvPr id="4" name="コンテンツ プレースホルダー 3"/>
+          <p:cNvSpPr>
+            <a:spLocks noGrp="1"/>
+          </p:cNvSpPr>
+          <p:nvPr>
+            <p:ph sz="quarter" idx="13"/>
+          </p:nvPr>
+        </p:nvSpPr>
+        <p:spPr/>
+        <p:txBody>
+          <a:bodyPr/>
+          <a:lstStyle/>
+          <a:p>
+            <a:pPr marL="457200" indent="-457200">
+              <a:buFont typeface="+mj-lt"/>
+              <a:buAutoNum type="arabicPeriod"/>
+            </a:pPr>
+            <a:r>
+              <a:rPr lang="en-US" altLang="ja-JP" dirty="0" smtClean="0"/>
+              <a:t>localhost:3000 </a:t>
+            </a:r>
+            <a:r>
+              <a:rPr lang="ja-JP" altLang="en-US" dirty="0" smtClean="0"/>
+              <a:t>にアクセスしたときに，違う文字を表示する</a:t>
+            </a:r>
+            <a:endParaRPr lang="en-US" altLang="ja-JP" dirty="0" smtClean="0"/>
+          </a:p>
+          <a:p>
+            <a:pPr marL="457200" indent="-457200">
+              <a:buFont typeface="+mj-lt"/>
+              <a:buAutoNum type="arabicPeriod"/>
+            </a:pPr>
+            <a:r>
+              <a:rPr lang="en-US" altLang="ja-JP" dirty="0"/>
+              <a:t>localhost:</a:t>
+            </a:r>
+            <a:r>
+              <a:rPr lang="en-US" altLang="ja-JP" dirty="0" smtClean="0"/>
+              <a:t>3000/index </a:t>
+            </a:r>
+            <a:r>
+              <a:rPr lang="ja-JP" altLang="en-US" dirty="0" smtClean="0"/>
+              <a:t>にアクセスしたときも，</a:t>
+            </a:r>
+            <a:r>
+              <a:rPr lang="en-US" altLang="ja-JP" dirty="0" err="1" smtClean="0"/>
+              <a:t>index.html</a:t>
+            </a:r>
+            <a:r>
+              <a:rPr lang="ja-JP" altLang="en-US" dirty="0" smtClean="0"/>
+              <a:t>を表示する</a:t>
+            </a:r>
+            <a:endParaRPr kumimoji="1" lang="ja-JP" altLang="en-US" dirty="0"/>
+          </a:p>
+        </p:txBody>
+      </p:sp>
+    </p:spTree>
+    <p:extLst>
+      <p:ext uri="{BB962C8B-B14F-4D97-AF65-F5344CB8AC3E}">
+        <p14:creationId xmlns:p14="http://schemas.microsoft.com/office/powerpoint/2010/main" val="1965321083"/>
       </p:ext>
     </p:extLst>
   </p:cSld>
@@ -28795,15 +27569,7 @@
           <a:p>
             <a:r>
               <a:rPr lang="ja-JP" altLang="en-US" dirty="0" smtClean="0"/>
-              <a:t>今日</a:t>
-            </a:r>
-            <a:r>
-              <a:rPr lang="ja-JP" altLang="en-US" dirty="0" smtClean="0"/>
-              <a:t>の</a:t>
-            </a:r>
-            <a:r>
-              <a:rPr lang="ja-JP" altLang="en-US" dirty="0" smtClean="0"/>
-              <a:t>内容</a:t>
+              <a:t>今日の内容</a:t>
             </a:r>
             <a:endParaRPr kumimoji="1" lang="ja-JP" altLang="en-US" dirty="0"/>
           </a:p>
@@ -28872,20 +27638,3144 @@
             </a:r>
             <a:endParaRPr lang="en-US" altLang="ja-JP" dirty="0" smtClean="0"/>
           </a:p>
-          <a:p>
-            <a:pPr lvl="1"/>
-            <a:r>
-              <a:rPr kumimoji="1" lang="ja-JP" altLang="en-US" dirty="0" smtClean="0"/>
-              <a:t>修論のためご協力ください＞＜</a:t>
-            </a:r>
-            <a:endParaRPr kumimoji="1" lang="ja-JP" altLang="en-US" dirty="0"/>
-          </a:p>
         </p:txBody>
       </p:sp>
     </p:spTree>
     <p:extLst>
       <p:ext uri="{BB962C8B-B14F-4D97-AF65-F5344CB8AC3E}">
         <p14:creationId xmlns:p14="http://schemas.microsoft.com/office/powerpoint/2010/main" val="4191024693"/>
+      </p:ext>
+    </p:extLst>
+  </p:cSld>
+  <p:clrMapOvr>
+    <a:masterClrMapping/>
+  </p:clrMapOvr>
+</p:sld>
+</file>
+
+<file path=ppt/slides/slide30.xml><?xml version="1.0" encoding="utf-8"?>
+<p:sld xmlns:a="http://schemas.openxmlformats.org/drawingml/2006/main" xmlns:r="http://schemas.openxmlformats.org/officeDocument/2006/relationships" xmlns:p="http://schemas.openxmlformats.org/presentationml/2006/main">
+  <p:cSld>
+    <p:spTree>
+      <p:nvGrpSpPr>
+        <p:cNvPr id="1" name=""/>
+        <p:cNvGrpSpPr/>
+        <p:nvPr/>
+      </p:nvGrpSpPr>
+      <p:grpSpPr>
+        <a:xfrm>
+          <a:off x="0" y="0"/>
+          <a:ext cx="0" cy="0"/>
+          <a:chOff x="0" y="0"/>
+          <a:chExt cx="0" cy="0"/>
+        </a:xfrm>
+      </p:grpSpPr>
+      <p:sp>
+        <p:nvSpPr>
+          <p:cNvPr id="2" name="スライド番号プレースホルダー 1"/>
+          <p:cNvSpPr>
+            <a:spLocks noGrp="1"/>
+          </p:cNvSpPr>
+          <p:nvPr>
+            <p:ph type="sldNum" sz="quarter" idx="12"/>
+          </p:nvPr>
+        </p:nvSpPr>
+        <p:spPr/>
+        <p:txBody>
+          <a:bodyPr>
+            <a:normAutofit fontScale="92500" lnSpcReduction="20000"/>
+          </a:bodyPr>
+          <a:lstStyle/>
+          <a:p>
+            <a:fld id="{5744759D-0EFF-4FB2-9CCE-04E00944F0FE}" type="slidenum">
+              <a:rPr lang="en-US" smtClean="0"/>
+              <a:pPr/>
+              <a:t>30</a:t>
+            </a:fld>
+            <a:endParaRPr lang="en-US"/>
+          </a:p>
+        </p:txBody>
+      </p:sp>
+      <p:sp>
+        <p:nvSpPr>
+          <p:cNvPr id="3" name="タイトル 2"/>
+          <p:cNvSpPr>
+            <a:spLocks noGrp="1"/>
+          </p:cNvSpPr>
+          <p:nvPr>
+            <p:ph type="title"/>
+          </p:nvPr>
+        </p:nvSpPr>
+        <p:spPr/>
+        <p:txBody>
+          <a:bodyPr/>
+          <a:lstStyle/>
+          <a:p>
+            <a:r>
+              <a:rPr kumimoji="1" lang="ja-JP" altLang="en-US" dirty="0" smtClean="0"/>
+              <a:t>掲示板画面を開く</a:t>
+            </a:r>
+            <a:endParaRPr kumimoji="1" lang="ja-JP" altLang="en-US" dirty="0"/>
+          </a:p>
+        </p:txBody>
+      </p:sp>
+      <p:sp>
+        <p:nvSpPr>
+          <p:cNvPr id="4" name="コンテンツ プレースホルダー 3"/>
+          <p:cNvSpPr>
+            <a:spLocks noGrp="1"/>
+          </p:cNvSpPr>
+          <p:nvPr>
+            <p:ph sz="quarter" idx="13"/>
+          </p:nvPr>
+        </p:nvSpPr>
+        <p:spPr/>
+        <p:txBody>
+          <a:bodyPr>
+            <a:normAutofit/>
+          </a:bodyPr>
+          <a:lstStyle/>
+          <a:p>
+            <a:r>
+              <a:rPr lang="ja-JP" altLang="en-US" dirty="0" smtClean="0"/>
+              <a:t>以下のように，</a:t>
+            </a:r>
+            <a:r>
+              <a:rPr lang="en-US" altLang="ja-JP" dirty="0" smtClean="0"/>
+              <a:t>/</a:t>
+            </a:r>
+            <a:r>
+              <a:rPr lang="en-US" altLang="ja-JP" dirty="0" err="1" smtClean="0"/>
+              <a:t>msgboard</a:t>
+            </a:r>
+            <a:r>
+              <a:rPr lang="ja-JP" altLang="en-US" dirty="0" smtClean="0"/>
+              <a:t>にアクセスしたときに</a:t>
+            </a:r>
+            <a:r>
+              <a:rPr lang="en-US" altLang="ja-JP" dirty="0" err="1" smtClean="0"/>
+              <a:t>msgboard.html</a:t>
+            </a:r>
+            <a:r>
+              <a:rPr lang="ja-JP" altLang="en-US" dirty="0" smtClean="0"/>
+              <a:t>を開くようにする</a:t>
+            </a:r>
+            <a:r>
+              <a:rPr lang="en-US" altLang="ja-JP" dirty="0"/>
+              <a:t>	</a:t>
+            </a:r>
+            <a:endParaRPr lang="en-US" altLang="ja-JP" dirty="0" smtClean="0"/>
+          </a:p>
+          <a:p>
+            <a:pPr marL="0" indent="0">
+              <a:buNone/>
+            </a:pPr>
+            <a:endParaRPr lang="en-US" altLang="ja-JP" dirty="0" smtClean="0"/>
+          </a:p>
+          <a:p>
+            <a:pPr marL="0" indent="0">
+              <a:buNone/>
+            </a:pPr>
+            <a:r>
+              <a:rPr lang="en-US" altLang="ja-JP" dirty="0" err="1" smtClean="0"/>
+              <a:t>app.get</a:t>
+            </a:r>
+            <a:r>
+              <a:rPr lang="en-US" altLang="ja-JP" dirty="0"/>
+              <a:t>("</a:t>
+            </a:r>
+            <a:r>
+              <a:rPr lang="en-US" altLang="ja-JP" dirty="0" smtClean="0"/>
+              <a:t>/</a:t>
+            </a:r>
+            <a:r>
+              <a:rPr lang="en-US" altLang="ja-JP" dirty="0" err="1" smtClean="0"/>
+              <a:t>msgboard</a:t>
+            </a:r>
+            <a:r>
+              <a:rPr lang="en-US" altLang="ja-JP" dirty="0" smtClean="0"/>
+              <a:t>"</a:t>
+            </a:r>
+            <a:r>
+              <a:rPr lang="en-US" altLang="ja-JP" dirty="0"/>
+              <a:t>, function(request, response) {</a:t>
+            </a:r>
+          </a:p>
+          <a:p>
+            <a:pPr marL="0" indent="0">
+              <a:buNone/>
+            </a:pPr>
+            <a:r>
+              <a:rPr lang="en-US" altLang="ja-JP" dirty="0"/>
+              <a:t>	</a:t>
+            </a:r>
+            <a:r>
+              <a:rPr lang="en-US" altLang="ja-JP" dirty="0" err="1" smtClean="0"/>
+              <a:t>response.redirect</a:t>
+            </a:r>
+            <a:r>
+              <a:rPr lang="en-US" altLang="ja-JP" dirty="0"/>
+              <a:t>("</a:t>
+            </a:r>
+            <a:r>
+              <a:rPr lang="en-US" altLang="ja-JP" dirty="0" smtClean="0"/>
+              <a:t>/</a:t>
+            </a:r>
+            <a:r>
+              <a:rPr lang="en-US" altLang="ja-JP" dirty="0" err="1" smtClean="0"/>
+              <a:t>msgboard.html</a:t>
+            </a:r>
+            <a:r>
+              <a:rPr lang="en-US" altLang="ja-JP" dirty="0" smtClean="0"/>
+              <a:t>"</a:t>
+            </a:r>
+            <a:r>
+              <a:rPr lang="en-US" altLang="ja-JP" dirty="0"/>
+              <a:t>);</a:t>
+            </a:r>
+          </a:p>
+          <a:p>
+            <a:pPr marL="0" indent="0">
+              <a:buNone/>
+            </a:pPr>
+            <a:r>
+              <a:rPr lang="en-US" altLang="ja-JP" dirty="0" smtClean="0"/>
+              <a:t>}</a:t>
+            </a:r>
+            <a:r>
+              <a:rPr lang="en-US" altLang="ja-JP" dirty="0"/>
+              <a:t>)</a:t>
+            </a:r>
+            <a:r>
+              <a:rPr lang="en-US" altLang="ja-JP" dirty="0" smtClean="0"/>
+              <a:t>;</a:t>
+            </a:r>
+          </a:p>
+          <a:p>
+            <a:pPr marL="0" indent="0">
+              <a:buNone/>
+            </a:pPr>
+            <a:endParaRPr lang="en-US" altLang="ja-JP" dirty="0" smtClean="0"/>
+          </a:p>
+          <a:p>
+            <a:r>
+              <a:rPr lang="ja-JP" altLang="en-US" dirty="0" smtClean="0"/>
+              <a:t>サーバ</a:t>
+            </a:r>
+            <a:r>
+              <a:rPr lang="ja-JP" altLang="en-US" dirty="0"/>
+              <a:t>書き換え</a:t>
+            </a:r>
+            <a:r>
+              <a:rPr lang="ja-JP" altLang="en-US" dirty="0" smtClean="0"/>
+              <a:t>時には</a:t>
+            </a:r>
+            <a:r>
+              <a:rPr lang="ja-JP" altLang="en-US" dirty="0" smtClean="0"/>
+              <a:t>アプリの再起動が</a:t>
+            </a:r>
+            <a:r>
+              <a:rPr lang="ja-JP" altLang="en-US" dirty="0" smtClean="0"/>
+              <a:t>必要</a:t>
+            </a:r>
+            <a:endParaRPr kumimoji="1" lang="en-US" altLang="ja-JP" dirty="0" smtClean="0"/>
+          </a:p>
+          <a:p>
+            <a:pPr lvl="1"/>
+            <a:r>
+              <a:rPr lang="en-US" altLang="ja-JP" dirty="0" smtClean="0"/>
+              <a:t>node </a:t>
+            </a:r>
+            <a:r>
+              <a:rPr lang="en-US" altLang="ja-JP" dirty="0" err="1" smtClean="0"/>
+              <a:t>app.js</a:t>
+            </a:r>
+            <a:r>
+              <a:rPr lang="en-US" altLang="ja-JP" dirty="0" smtClean="0"/>
+              <a:t> </a:t>
+            </a:r>
+            <a:r>
+              <a:rPr lang="ja-JP" altLang="en-US" dirty="0" smtClean="0"/>
+              <a:t>したターミナルで</a:t>
+            </a:r>
+            <a:r>
+              <a:rPr lang="en-US" altLang="ja-JP" dirty="0" smtClean="0"/>
+              <a:t>Ctrl + C</a:t>
+            </a:r>
+            <a:endParaRPr lang="en-US" altLang="ja-JP" dirty="0"/>
+          </a:p>
+          <a:p>
+            <a:pPr lvl="1"/>
+            <a:r>
+              <a:rPr lang="en-US" altLang="ja-JP" dirty="0" smtClean="0"/>
+              <a:t>node </a:t>
+            </a:r>
+            <a:r>
+              <a:rPr lang="en-US" altLang="ja-JP" dirty="0" err="1" smtClean="0"/>
+              <a:t>app.s</a:t>
+            </a:r>
+            <a:r>
+              <a:rPr lang="en-US" altLang="ja-JP" dirty="0" smtClean="0"/>
+              <a:t> </a:t>
+            </a:r>
+            <a:r>
+              <a:rPr lang="ja-JP" altLang="en-US" dirty="0" smtClean="0"/>
+              <a:t>でアプリを再起動）</a:t>
+            </a:r>
+            <a:endParaRPr lang="en-US" altLang="ja-JP" dirty="0" smtClean="0"/>
+          </a:p>
+          <a:p>
+            <a:pPr lvl="1"/>
+            <a:r>
+              <a:rPr lang="ja-JP" altLang="en-US" dirty="0" smtClean="0"/>
+              <a:t>ブラウザ</a:t>
+            </a:r>
+            <a:r>
+              <a:rPr lang="ja-JP" altLang="en-US" dirty="0"/>
+              <a:t>で</a:t>
+            </a:r>
+            <a:r>
+              <a:rPr lang="en-US" altLang="ja-JP" dirty="0"/>
+              <a:t> </a:t>
+            </a:r>
+            <a:r>
+              <a:rPr lang="en-US" altLang="ja-JP" dirty="0">
+                <a:hlinkClick r:id="rId2"/>
+              </a:rPr>
+              <a:t>http://localhost:3000</a:t>
+            </a:r>
+            <a:r>
+              <a:rPr lang="en-US" altLang="ja-JP" dirty="0"/>
+              <a:t> </a:t>
+            </a:r>
+            <a:r>
+              <a:rPr lang="ja-JP" altLang="en-US" dirty="0"/>
+              <a:t>にアクセスし</a:t>
+            </a:r>
+            <a:r>
+              <a:rPr lang="ja-JP" altLang="en-US" dirty="0" smtClean="0"/>
+              <a:t>，</a:t>
+            </a:r>
+            <a:r>
+              <a:rPr lang="ja-JP" altLang="en-US" dirty="0" smtClean="0"/>
+              <a:t>掲示板っぽい画面が</a:t>
+            </a:r>
+            <a:r>
+              <a:rPr lang="ja-JP" altLang="en-US" dirty="0" smtClean="0"/>
+              <a:t>表示</a:t>
+            </a:r>
+            <a:r>
+              <a:rPr lang="ja-JP" altLang="en-US" dirty="0"/>
+              <a:t>されれば</a:t>
+            </a:r>
+            <a:r>
+              <a:rPr lang="ja-JP" altLang="en-US" dirty="0" smtClean="0"/>
+              <a:t>成功</a:t>
+            </a:r>
+            <a:endParaRPr lang="ja-JP" altLang="en-US" dirty="0"/>
+          </a:p>
+        </p:txBody>
+      </p:sp>
+    </p:spTree>
+    <p:extLst>
+      <p:ext uri="{BB962C8B-B14F-4D97-AF65-F5344CB8AC3E}">
+        <p14:creationId xmlns:p14="http://schemas.microsoft.com/office/powerpoint/2010/main" val="2142168349"/>
+      </p:ext>
+    </p:extLst>
+  </p:cSld>
+  <p:clrMapOvr>
+    <a:masterClrMapping/>
+  </p:clrMapOvr>
+</p:sld>
+</file>
+
+<file path=ppt/slides/slide31.xml><?xml version="1.0" encoding="utf-8"?>
+<p:sld xmlns:a="http://schemas.openxmlformats.org/drawingml/2006/main" xmlns:r="http://schemas.openxmlformats.org/officeDocument/2006/relationships" xmlns:p="http://schemas.openxmlformats.org/presentationml/2006/main">
+  <p:cSld>
+    <p:spTree>
+      <p:nvGrpSpPr>
+        <p:cNvPr id="1" name=""/>
+        <p:cNvGrpSpPr/>
+        <p:nvPr/>
+      </p:nvGrpSpPr>
+      <p:grpSpPr>
+        <a:xfrm>
+          <a:off x="0" y="0"/>
+          <a:ext cx="0" cy="0"/>
+          <a:chOff x="0" y="0"/>
+          <a:chExt cx="0" cy="0"/>
+        </a:xfrm>
+      </p:grpSpPr>
+      <p:sp>
+        <p:nvSpPr>
+          <p:cNvPr id="2" name="スライド番号プレースホルダー 1"/>
+          <p:cNvSpPr>
+            <a:spLocks noGrp="1"/>
+          </p:cNvSpPr>
+          <p:nvPr>
+            <p:ph type="sldNum" sz="quarter" idx="12"/>
+          </p:nvPr>
+        </p:nvSpPr>
+        <p:spPr/>
+        <p:txBody>
+          <a:bodyPr>
+            <a:normAutofit fontScale="92500" lnSpcReduction="20000"/>
+          </a:bodyPr>
+          <a:lstStyle/>
+          <a:p>
+            <a:fld id="{5744759D-0EFF-4FB2-9CCE-04E00944F0FE}" type="slidenum">
+              <a:rPr lang="en-US" smtClean="0"/>
+              <a:pPr/>
+              <a:t>31</a:t>
+            </a:fld>
+            <a:endParaRPr lang="en-US"/>
+          </a:p>
+        </p:txBody>
+      </p:sp>
+      <p:sp>
+        <p:nvSpPr>
+          <p:cNvPr id="3" name="タイトル 2"/>
+          <p:cNvSpPr>
+            <a:spLocks noGrp="1"/>
+          </p:cNvSpPr>
+          <p:nvPr>
+            <p:ph type="title"/>
+          </p:nvPr>
+        </p:nvSpPr>
+        <p:spPr/>
+        <p:txBody>
+          <a:bodyPr/>
+          <a:lstStyle/>
+          <a:p>
+            <a:r>
+              <a:rPr kumimoji="1" lang="en-US" altLang="ja-JP" dirty="0" smtClean="0"/>
+              <a:t>html</a:t>
+            </a:r>
+            <a:r>
+              <a:rPr kumimoji="1" lang="ja-JP" altLang="en-US" dirty="0" smtClean="0"/>
+              <a:t>（抜粋）</a:t>
+            </a:r>
+            <a:endParaRPr kumimoji="1" lang="ja-JP" altLang="en-US" dirty="0"/>
+          </a:p>
+        </p:txBody>
+      </p:sp>
+      <p:sp>
+        <p:nvSpPr>
+          <p:cNvPr id="4" name="コンテンツ プレースホルダー 3"/>
+          <p:cNvSpPr>
+            <a:spLocks noGrp="1"/>
+          </p:cNvSpPr>
+          <p:nvPr>
+            <p:ph sz="quarter" idx="13"/>
+          </p:nvPr>
+        </p:nvSpPr>
+        <p:spPr/>
+        <p:txBody>
+          <a:bodyPr>
+            <a:normAutofit fontScale="77500" lnSpcReduction="20000"/>
+          </a:bodyPr>
+          <a:lstStyle/>
+          <a:p>
+            <a:pPr marL="0" indent="0">
+              <a:buNone/>
+            </a:pPr>
+            <a:r>
+              <a:rPr lang="ja-JP" altLang="en-US" dirty="0" smtClean="0">
+                <a:solidFill>
+                  <a:srgbClr val="FF0000"/>
+                </a:solidFill>
+              </a:rPr>
+              <a:t> </a:t>
+            </a:r>
+            <a:r>
+              <a:rPr lang="en-US" altLang="ja-JP" dirty="0" smtClean="0">
+                <a:solidFill>
+                  <a:srgbClr val="FF0000"/>
+                </a:solidFill>
+              </a:rPr>
+              <a:t>   &lt;</a:t>
+            </a:r>
+            <a:r>
+              <a:rPr lang="en-US" altLang="ja-JP" dirty="0">
+                <a:solidFill>
+                  <a:srgbClr val="FF0000"/>
+                </a:solidFill>
+              </a:rPr>
+              <a:t>!-- </a:t>
+            </a:r>
+            <a:r>
+              <a:rPr lang="ja-JP" altLang="en-US" dirty="0">
+                <a:solidFill>
+                  <a:srgbClr val="FF0000"/>
+                </a:solidFill>
+              </a:rPr>
+              <a:t>フォームの中身をサーバに送信 </a:t>
+            </a:r>
+            <a:r>
+              <a:rPr lang="en-US" altLang="ja-JP" dirty="0">
+                <a:solidFill>
+                  <a:srgbClr val="FF0000"/>
+                </a:solidFill>
+              </a:rPr>
+              <a:t>--&gt;</a:t>
+            </a:r>
+          </a:p>
+          <a:p>
+            <a:pPr marL="0" indent="0">
+              <a:buNone/>
+            </a:pPr>
+            <a:r>
+              <a:rPr lang="en-US" altLang="ja-JP" dirty="0"/>
+              <a:t>    &lt;form name="form" action="/</a:t>
+            </a:r>
+            <a:r>
+              <a:rPr lang="en-US" altLang="ja-JP" dirty="0" err="1"/>
+              <a:t>sendmsg</a:t>
+            </a:r>
+            <a:r>
+              <a:rPr lang="en-US" altLang="ja-JP" dirty="0"/>
+              <a:t>" method="POST"&gt;</a:t>
+            </a:r>
+          </a:p>
+          <a:p>
+            <a:pPr marL="0" indent="0">
+              <a:buNone/>
+            </a:pPr>
+            <a:r>
+              <a:rPr lang="en-US" altLang="ja-JP" dirty="0"/>
+              <a:t>      &lt;span&gt;</a:t>
+            </a:r>
+            <a:r>
+              <a:rPr lang="ja-JP" altLang="en-US" dirty="0"/>
+              <a:t>名前：</a:t>
+            </a:r>
+            <a:r>
+              <a:rPr lang="en-US" altLang="ja-JP" dirty="0"/>
+              <a:t>&lt;/span&gt;</a:t>
+            </a:r>
+          </a:p>
+          <a:p>
+            <a:pPr marL="0" indent="0">
+              <a:buNone/>
+            </a:pPr>
+            <a:r>
+              <a:rPr lang="en-US" altLang="ja-JP" dirty="0"/>
+              <a:t>      &lt;div class="form-group"&gt;</a:t>
+            </a:r>
+          </a:p>
+          <a:p>
+            <a:pPr marL="0" indent="0">
+              <a:buNone/>
+            </a:pPr>
+            <a:r>
+              <a:rPr lang="en-US" altLang="ja-JP" dirty="0">
+                <a:solidFill>
+                  <a:srgbClr val="FF0000"/>
+                </a:solidFill>
+              </a:rPr>
+              <a:t>        &lt;!-- name</a:t>
+            </a:r>
+            <a:r>
+              <a:rPr lang="ja-JP" altLang="en-US" dirty="0">
+                <a:solidFill>
+                  <a:srgbClr val="FF0000"/>
+                </a:solidFill>
+              </a:rPr>
+              <a:t>を付けた要素の値が送られる </a:t>
+            </a:r>
+            <a:r>
+              <a:rPr lang="en-US" altLang="ja-JP" dirty="0">
+                <a:solidFill>
+                  <a:srgbClr val="FF0000"/>
+                </a:solidFill>
+              </a:rPr>
+              <a:t>--&gt;</a:t>
+            </a:r>
+          </a:p>
+          <a:p>
+            <a:pPr marL="0" indent="0">
+              <a:buNone/>
+            </a:pPr>
+            <a:r>
+              <a:rPr lang="en-US" altLang="ja-JP" dirty="0"/>
+              <a:t>        &lt;input class="form-control" type="text" name="name" style="width: 200px;"/&gt;</a:t>
+            </a:r>
+          </a:p>
+          <a:p>
+            <a:pPr marL="0" indent="0">
+              <a:buNone/>
+            </a:pPr>
+            <a:r>
+              <a:rPr lang="en-US" altLang="ja-JP" dirty="0"/>
+              <a:t>      &lt;/div&gt;</a:t>
+            </a:r>
+          </a:p>
+          <a:p>
+            <a:pPr marL="0" indent="0">
+              <a:buNone/>
+            </a:pPr>
+            <a:r>
+              <a:rPr lang="en-US" altLang="ja-JP" dirty="0"/>
+              <a:t>      &lt;span&gt;</a:t>
+            </a:r>
+            <a:r>
+              <a:rPr lang="ja-JP" altLang="en-US" dirty="0"/>
+              <a:t>内容：</a:t>
+            </a:r>
+            <a:r>
+              <a:rPr lang="en-US" altLang="ja-JP" dirty="0"/>
+              <a:t>&lt;/span&gt;</a:t>
+            </a:r>
+          </a:p>
+          <a:p>
+            <a:pPr marL="0" indent="0">
+              <a:buNone/>
+            </a:pPr>
+            <a:r>
+              <a:rPr lang="en-US" altLang="ja-JP" dirty="0"/>
+              <a:t>      &lt;div class="form-group"&gt;</a:t>
+            </a:r>
+          </a:p>
+          <a:p>
+            <a:pPr marL="0" indent="0">
+              <a:buNone/>
+            </a:pPr>
+            <a:r>
+              <a:rPr lang="en-US" altLang="ja-JP" dirty="0">
+                <a:solidFill>
+                  <a:srgbClr val="FF0000"/>
+                </a:solidFill>
+              </a:rPr>
+              <a:t>        &lt;!-- name</a:t>
+            </a:r>
+            <a:r>
+              <a:rPr lang="ja-JP" altLang="en-US" dirty="0">
+                <a:solidFill>
+                  <a:srgbClr val="FF0000"/>
+                </a:solidFill>
+              </a:rPr>
+              <a:t>を付けた要素の値が送られる </a:t>
+            </a:r>
+            <a:r>
+              <a:rPr lang="en-US" altLang="ja-JP" dirty="0">
+                <a:solidFill>
+                  <a:srgbClr val="FF0000"/>
+                </a:solidFill>
+              </a:rPr>
+              <a:t>--&gt;</a:t>
+            </a:r>
+          </a:p>
+          <a:p>
+            <a:pPr marL="0" indent="0">
+              <a:buNone/>
+            </a:pPr>
+            <a:r>
+              <a:rPr lang="en-US" altLang="ja-JP" dirty="0"/>
+              <a:t>        &lt;</a:t>
+            </a:r>
+            <a:r>
+              <a:rPr lang="en-US" altLang="ja-JP" dirty="0" err="1"/>
+              <a:t>textarea</a:t>
+            </a:r>
+            <a:r>
+              <a:rPr lang="en-US" altLang="ja-JP" dirty="0"/>
+              <a:t>  class="form-control" name="body"&gt;&lt;/</a:t>
+            </a:r>
+            <a:r>
+              <a:rPr lang="en-US" altLang="ja-JP" dirty="0" err="1"/>
+              <a:t>textarea</a:t>
+            </a:r>
+            <a:r>
+              <a:rPr lang="en-US" altLang="ja-JP" dirty="0"/>
+              <a:t>&gt;</a:t>
+            </a:r>
+          </a:p>
+          <a:p>
+            <a:pPr marL="0" indent="0">
+              <a:buNone/>
+            </a:pPr>
+            <a:r>
+              <a:rPr lang="en-US" altLang="ja-JP" dirty="0"/>
+              <a:t>      &lt;/div&gt;</a:t>
+            </a:r>
+          </a:p>
+          <a:p>
+            <a:pPr marL="0" indent="0">
+              <a:buNone/>
+            </a:pPr>
+            <a:r>
+              <a:rPr lang="en-US" altLang="ja-JP" dirty="0">
+                <a:solidFill>
+                  <a:srgbClr val="FF0000"/>
+                </a:solidFill>
+              </a:rPr>
+              <a:t>      &lt;!-- form</a:t>
+            </a:r>
+            <a:r>
+              <a:rPr lang="ja-JP" altLang="en-US" dirty="0">
+                <a:solidFill>
+                  <a:srgbClr val="FF0000"/>
+                </a:solidFill>
+              </a:rPr>
+              <a:t>の中身を送信するボタン </a:t>
+            </a:r>
+            <a:r>
+              <a:rPr lang="en-US" altLang="ja-JP" dirty="0">
+                <a:solidFill>
+                  <a:srgbClr val="FF0000"/>
+                </a:solidFill>
+              </a:rPr>
+              <a:t>--&gt;</a:t>
+            </a:r>
+          </a:p>
+          <a:p>
+            <a:pPr marL="0" indent="0">
+              <a:buNone/>
+            </a:pPr>
+            <a:r>
+              <a:rPr lang="en-US" altLang="ja-JP" dirty="0"/>
+              <a:t>      &lt;div class="</a:t>
+            </a:r>
+            <a:r>
+              <a:rPr lang="en-US" altLang="ja-JP" dirty="0" err="1"/>
+              <a:t>btn</a:t>
+            </a:r>
+            <a:r>
+              <a:rPr lang="en-US" altLang="ja-JP" dirty="0"/>
+              <a:t> </a:t>
+            </a:r>
+            <a:r>
+              <a:rPr lang="en-US" altLang="ja-JP" dirty="0" err="1"/>
+              <a:t>btn</a:t>
+            </a:r>
+            <a:r>
+              <a:rPr lang="en-US" altLang="ja-JP" dirty="0"/>
+              <a:t>-primary" </a:t>
+            </a:r>
+            <a:r>
+              <a:rPr lang="en-US" altLang="ja-JP" dirty="0" err="1"/>
+              <a:t>onclick</a:t>
+            </a:r>
+            <a:r>
+              <a:rPr lang="en-US" altLang="ja-JP" dirty="0"/>
+              <a:t>="</a:t>
+            </a:r>
+            <a:r>
+              <a:rPr lang="en-US" altLang="ja-JP" dirty="0" err="1"/>
+              <a:t>document.form.submit</a:t>
+            </a:r>
+            <a:r>
+              <a:rPr lang="en-US" altLang="ja-JP" dirty="0"/>
+              <a:t>();"&gt;</a:t>
+            </a:r>
+            <a:r>
+              <a:rPr lang="ja-JP" altLang="en-US" dirty="0"/>
+              <a:t>送信</a:t>
+            </a:r>
+            <a:r>
+              <a:rPr lang="en-US" altLang="ja-JP" dirty="0"/>
+              <a:t>&lt;/div&gt;</a:t>
+            </a:r>
+          </a:p>
+          <a:p>
+            <a:pPr marL="0" indent="0">
+              <a:buNone/>
+            </a:pPr>
+            <a:r>
+              <a:rPr lang="en-US" altLang="ja-JP" dirty="0"/>
+              <a:t>    &lt;/form&gt;</a:t>
+            </a:r>
+            <a:endParaRPr kumimoji="1" lang="ja-JP" altLang="en-US" dirty="0"/>
+          </a:p>
+        </p:txBody>
+      </p:sp>
+    </p:spTree>
+    <p:extLst>
+      <p:ext uri="{BB962C8B-B14F-4D97-AF65-F5344CB8AC3E}">
+        <p14:creationId xmlns:p14="http://schemas.microsoft.com/office/powerpoint/2010/main" val="1247458845"/>
+      </p:ext>
+    </p:extLst>
+  </p:cSld>
+  <p:clrMapOvr>
+    <a:masterClrMapping/>
+  </p:clrMapOvr>
+</p:sld>
+</file>
+
+<file path=ppt/slides/slide32.xml><?xml version="1.0" encoding="utf-8"?>
+<p:sld xmlns:a="http://schemas.openxmlformats.org/drawingml/2006/main" xmlns:r="http://schemas.openxmlformats.org/officeDocument/2006/relationships" xmlns:p="http://schemas.openxmlformats.org/presentationml/2006/main">
+  <p:cSld>
+    <p:spTree>
+      <p:nvGrpSpPr>
+        <p:cNvPr id="1" name=""/>
+        <p:cNvGrpSpPr/>
+        <p:nvPr/>
+      </p:nvGrpSpPr>
+      <p:grpSpPr>
+        <a:xfrm>
+          <a:off x="0" y="0"/>
+          <a:ext cx="0" cy="0"/>
+          <a:chOff x="0" y="0"/>
+          <a:chExt cx="0" cy="0"/>
+        </a:xfrm>
+      </p:grpSpPr>
+      <p:sp>
+        <p:nvSpPr>
+          <p:cNvPr id="2" name="スライド番号プレースホルダー 1"/>
+          <p:cNvSpPr>
+            <a:spLocks noGrp="1"/>
+          </p:cNvSpPr>
+          <p:nvPr>
+            <p:ph type="sldNum" sz="quarter" idx="12"/>
+          </p:nvPr>
+        </p:nvSpPr>
+        <p:spPr/>
+        <p:txBody>
+          <a:bodyPr>
+            <a:normAutofit fontScale="92500" lnSpcReduction="20000"/>
+          </a:bodyPr>
+          <a:lstStyle/>
+          <a:p>
+            <a:fld id="{5744759D-0EFF-4FB2-9CCE-04E00944F0FE}" type="slidenum">
+              <a:rPr lang="en-US" smtClean="0"/>
+              <a:pPr/>
+              <a:t>32</a:t>
+            </a:fld>
+            <a:endParaRPr lang="en-US"/>
+          </a:p>
+        </p:txBody>
+      </p:sp>
+      <p:sp>
+        <p:nvSpPr>
+          <p:cNvPr id="3" name="タイトル 2"/>
+          <p:cNvSpPr>
+            <a:spLocks noGrp="1"/>
+          </p:cNvSpPr>
+          <p:nvPr>
+            <p:ph type="title"/>
+          </p:nvPr>
+        </p:nvSpPr>
+        <p:spPr/>
+        <p:txBody>
+          <a:bodyPr/>
+          <a:lstStyle/>
+          <a:p>
+            <a:r>
+              <a:rPr kumimoji="1" lang="ja-JP" altLang="en-US" dirty="0" smtClean="0"/>
+              <a:t>サーバで受け取ったデータを処理</a:t>
+            </a:r>
+            <a:endParaRPr kumimoji="1" lang="ja-JP" altLang="en-US" dirty="0"/>
+          </a:p>
+        </p:txBody>
+      </p:sp>
+      <p:sp>
+        <p:nvSpPr>
+          <p:cNvPr id="4" name="コンテンツ プレースホルダー 3"/>
+          <p:cNvSpPr>
+            <a:spLocks noGrp="1"/>
+          </p:cNvSpPr>
+          <p:nvPr>
+            <p:ph sz="quarter" idx="13"/>
+          </p:nvPr>
+        </p:nvSpPr>
+        <p:spPr/>
+        <p:txBody>
+          <a:bodyPr>
+            <a:normAutofit fontScale="70000" lnSpcReduction="20000"/>
+          </a:bodyPr>
+          <a:lstStyle/>
+          <a:p>
+            <a:r>
+              <a:rPr kumimoji="1" lang="en-US" altLang="ja-JP" dirty="0" err="1" smtClean="0"/>
+              <a:t>routes.js</a:t>
+            </a:r>
+            <a:r>
+              <a:rPr kumimoji="1" lang="ja-JP" altLang="en-US" dirty="0" smtClean="0"/>
+              <a:t>に以下を追記</a:t>
+            </a:r>
+            <a:endParaRPr kumimoji="1" lang="en-US" altLang="ja-JP" dirty="0" smtClean="0"/>
+          </a:p>
+          <a:p>
+            <a:pPr marL="172800" lvl="1" indent="0">
+              <a:buNone/>
+            </a:pPr>
+            <a:endParaRPr lang="en-US" altLang="ja-JP" dirty="0" smtClean="0"/>
+          </a:p>
+          <a:p>
+            <a:pPr marL="172800" lvl="1" indent="0">
+              <a:buNone/>
+            </a:pPr>
+            <a:r>
+              <a:rPr lang="en-US" altLang="ja-JP" dirty="0" err="1" smtClean="0"/>
+              <a:t>app.post</a:t>
+            </a:r>
+            <a:r>
+              <a:rPr lang="en-US" altLang="ja-JP" dirty="0" smtClean="0"/>
+              <a:t>(“/</a:t>
+            </a:r>
+            <a:r>
+              <a:rPr lang="en-US" altLang="ja-JP" dirty="0" err="1" smtClean="0"/>
+              <a:t>sendmsg</a:t>
+            </a:r>
+            <a:r>
+              <a:rPr lang="en-US" altLang="ja-JP" dirty="0" smtClean="0"/>
+              <a:t>”, </a:t>
+            </a:r>
+            <a:r>
+              <a:rPr lang="en-US" altLang="ja-JP" dirty="0"/>
+              <a:t>function(request, response) </a:t>
+            </a:r>
+            <a:r>
+              <a:rPr lang="en-US" altLang="ja-JP" dirty="0" smtClean="0"/>
+              <a:t>{</a:t>
+            </a:r>
+            <a:r>
+              <a:rPr lang="en-US" altLang="ja-JP" dirty="0"/>
+              <a:t> </a:t>
+            </a:r>
+            <a:r>
+              <a:rPr lang="en-US" altLang="ja-JP" dirty="0" smtClean="0"/>
+              <a:t>// </a:t>
+            </a:r>
+            <a:r>
+              <a:rPr lang="en-US" altLang="ja-JP" dirty="0" err="1" smtClean="0"/>
+              <a:t>sendmsg</a:t>
+            </a:r>
+            <a:r>
+              <a:rPr lang="ja-JP" altLang="en-US" dirty="0" smtClean="0"/>
+              <a:t>に</a:t>
+            </a:r>
+            <a:r>
+              <a:rPr lang="en-US" altLang="ja-JP" dirty="0" smtClean="0"/>
+              <a:t>POST</a:t>
+            </a:r>
+            <a:r>
+              <a:rPr lang="ja-JP" altLang="en-US" dirty="0" smtClean="0"/>
+              <a:t>されたときの処理</a:t>
+            </a:r>
+            <a:endParaRPr lang="en-US" altLang="ja-JP" dirty="0"/>
+          </a:p>
+          <a:p>
+            <a:pPr marL="172800" lvl="1" indent="0">
+              <a:buNone/>
+            </a:pPr>
+            <a:r>
+              <a:rPr lang="en-US" altLang="ja-JP" dirty="0" smtClean="0"/>
+              <a:t>    </a:t>
+            </a:r>
+            <a:r>
+              <a:rPr lang="en-US" altLang="ja-JP" dirty="0" err="1" smtClean="0"/>
+              <a:t>dbHandle.collection</a:t>
+            </a:r>
+            <a:r>
+              <a:rPr lang="en-US" altLang="ja-JP" dirty="0"/>
+              <a:t>(</a:t>
+            </a:r>
+          </a:p>
+          <a:p>
+            <a:pPr marL="172800" lvl="1" indent="0">
+              <a:buNone/>
+            </a:pPr>
+            <a:r>
+              <a:rPr lang="en-US" altLang="ja-JP" dirty="0" smtClean="0"/>
+              <a:t>        “</a:t>
+            </a:r>
+            <a:r>
+              <a:rPr lang="en-US" altLang="ja-JP" dirty="0" err="1" smtClean="0"/>
+              <a:t>msgboard</a:t>
+            </a:r>
+            <a:r>
+              <a:rPr lang="en-US" altLang="ja-JP" dirty="0" smtClean="0"/>
+              <a:t>”, </a:t>
+            </a:r>
+            <a:r>
+              <a:rPr lang="en-US" altLang="ja-JP" dirty="0"/>
+              <a:t>// </a:t>
+            </a:r>
+            <a:r>
+              <a:rPr lang="en-US" altLang="ja-JP" dirty="0" err="1"/>
+              <a:t>msgboard</a:t>
+            </a:r>
+            <a:r>
+              <a:rPr lang="ja-JP" altLang="en-US" dirty="0"/>
+              <a:t>テーブルにデータを追加する</a:t>
+            </a:r>
+          </a:p>
+          <a:p>
+            <a:pPr marL="172800" lvl="1" indent="0">
+              <a:buNone/>
+            </a:pPr>
+            <a:r>
+              <a:rPr lang="en-US" altLang="ja-JP" dirty="0" smtClean="0"/>
+              <a:t>        function</a:t>
+            </a:r>
+            <a:r>
+              <a:rPr lang="en-US" altLang="ja-JP" dirty="0"/>
+              <a:t>(</a:t>
+            </a:r>
+            <a:r>
+              <a:rPr lang="en-US" altLang="ja-JP" dirty="0" err="1"/>
+              <a:t>outerError</a:t>
+            </a:r>
+            <a:r>
+              <a:rPr lang="en-US" altLang="ja-JP" dirty="0"/>
+              <a:t>, collection) {</a:t>
+            </a:r>
+          </a:p>
+          <a:p>
+            <a:pPr marL="172800" lvl="1" indent="0">
+              <a:buNone/>
+            </a:pPr>
+            <a:r>
+              <a:rPr lang="en-US" altLang="ja-JP" dirty="0" smtClean="0"/>
+              <a:t>            </a:t>
+            </a:r>
+            <a:r>
+              <a:rPr lang="en-US" altLang="ja-JP" dirty="0" err="1" smtClean="0"/>
+              <a:t>var</a:t>
+            </a:r>
+            <a:endParaRPr lang="en-US" altLang="ja-JP" dirty="0" smtClean="0"/>
+          </a:p>
+          <a:p>
+            <a:pPr marL="172800" lvl="1" indent="0">
+              <a:buNone/>
+            </a:pPr>
+            <a:r>
+              <a:rPr lang="en-US" altLang="ja-JP" dirty="0" smtClean="0"/>
+              <a:t>                </a:t>
+            </a:r>
+            <a:r>
+              <a:rPr lang="en-US" altLang="ja-JP" dirty="0" err="1" smtClean="0"/>
+              <a:t>objMap</a:t>
+            </a:r>
+            <a:r>
+              <a:rPr lang="en-US" altLang="ja-JP" dirty="0" smtClean="0"/>
+              <a:t> = </a:t>
+            </a:r>
+            <a:r>
+              <a:rPr lang="en-US" altLang="ja-JP" dirty="0" err="1" smtClean="0"/>
+              <a:t>request.body</a:t>
+            </a:r>
+            <a:r>
+              <a:rPr lang="en-US" altLang="ja-JP" dirty="0" smtClean="0"/>
+              <a:t>, </a:t>
+            </a:r>
+          </a:p>
+          <a:p>
+            <a:pPr marL="172800" lvl="1" indent="0">
+              <a:buNone/>
+            </a:pPr>
+            <a:r>
+              <a:rPr lang="en-US" altLang="ja-JP" dirty="0" smtClean="0"/>
+              <a:t>                /</a:t>
+            </a:r>
+            <a:r>
+              <a:rPr lang="en-US" altLang="ja-JP" dirty="0"/>
+              <a:t>/ </a:t>
+            </a:r>
+            <a:r>
+              <a:rPr lang="ja-JP" altLang="en-US" dirty="0"/>
+              <a:t>ここに，</a:t>
+            </a:r>
+            <a:r>
+              <a:rPr lang="en-US" altLang="ja-JP" dirty="0"/>
+              <a:t>form</a:t>
+            </a:r>
+            <a:r>
+              <a:rPr lang="ja-JP" altLang="en-US" dirty="0"/>
+              <a:t>の内容がオブジェクトとして格納される</a:t>
+            </a:r>
+          </a:p>
+          <a:p>
+            <a:pPr marL="172800" lvl="1" indent="0">
+              <a:buNone/>
+            </a:pPr>
+            <a:r>
+              <a:rPr lang="en-US" altLang="ja-JP" dirty="0" smtClean="0"/>
+              <a:t>                </a:t>
+            </a:r>
+            <a:r>
+              <a:rPr lang="en-US" altLang="ja-JP" dirty="0" err="1" smtClean="0"/>
+              <a:t>optionsMap</a:t>
+            </a:r>
+            <a:r>
+              <a:rPr lang="en-US" altLang="ja-JP" dirty="0" smtClean="0"/>
+              <a:t> </a:t>
+            </a:r>
+            <a:r>
+              <a:rPr lang="en-US" altLang="ja-JP" dirty="0"/>
+              <a:t>= {};</a:t>
+            </a:r>
+          </a:p>
+          <a:p>
+            <a:pPr marL="172800" lvl="1" indent="0">
+              <a:buNone/>
+            </a:pPr>
+            <a:endParaRPr lang="en-US" altLang="ja-JP" dirty="0"/>
+          </a:p>
+          <a:p>
+            <a:pPr marL="172800" lvl="1" indent="0">
+              <a:buNone/>
+            </a:pPr>
+            <a:r>
+              <a:rPr lang="en-US" altLang="ja-JP" dirty="0" smtClean="0"/>
+              <a:t>            </a:t>
+            </a:r>
+            <a:r>
+              <a:rPr lang="en-US" altLang="ja-JP" dirty="0" err="1" smtClean="0"/>
+              <a:t>collection.insert</a:t>
+            </a:r>
+            <a:r>
+              <a:rPr lang="en-US" altLang="ja-JP" dirty="0"/>
+              <a:t>(</a:t>
+            </a:r>
+          </a:p>
+          <a:p>
+            <a:pPr marL="172800" lvl="1" indent="0">
+              <a:buNone/>
+            </a:pPr>
+            <a:r>
+              <a:rPr lang="en-US" altLang="ja-JP" dirty="0" smtClean="0"/>
+              <a:t>                </a:t>
+            </a:r>
+            <a:r>
+              <a:rPr lang="en-US" altLang="ja-JP" dirty="0" err="1" smtClean="0"/>
+              <a:t>objMap</a:t>
+            </a:r>
+            <a:r>
+              <a:rPr lang="en-US" altLang="ja-JP" dirty="0"/>
+              <a:t>,</a:t>
+            </a:r>
+          </a:p>
+          <a:p>
+            <a:pPr marL="172800" lvl="1" indent="0">
+              <a:buNone/>
+            </a:pPr>
+            <a:r>
+              <a:rPr lang="en-US" altLang="ja-JP" dirty="0" smtClean="0"/>
+              <a:t>                </a:t>
+            </a:r>
+            <a:r>
+              <a:rPr lang="en-US" altLang="ja-JP" dirty="0" err="1" smtClean="0"/>
+              <a:t>optionsMap</a:t>
+            </a:r>
+            <a:r>
+              <a:rPr lang="en-US" altLang="ja-JP" dirty="0"/>
+              <a:t>,</a:t>
+            </a:r>
+          </a:p>
+          <a:p>
+            <a:pPr marL="172800" lvl="1" indent="0">
+              <a:buNone/>
+            </a:pPr>
+            <a:r>
+              <a:rPr lang="en-US" altLang="ja-JP" dirty="0" smtClean="0"/>
+              <a:t>                function</a:t>
+            </a:r>
+            <a:r>
+              <a:rPr lang="en-US" altLang="ja-JP" dirty="0"/>
+              <a:t>(</a:t>
+            </a:r>
+            <a:r>
+              <a:rPr lang="en-US" altLang="ja-JP" dirty="0" err="1"/>
+              <a:t>innerError</a:t>
+            </a:r>
+            <a:r>
+              <a:rPr lang="en-US" altLang="ja-JP" dirty="0"/>
+              <a:t>, </a:t>
+            </a:r>
+            <a:r>
+              <a:rPr lang="en-US" altLang="ja-JP" dirty="0" err="1"/>
+              <a:t>mapList</a:t>
+            </a:r>
+            <a:r>
+              <a:rPr lang="en-US" altLang="ja-JP" dirty="0"/>
+              <a:t>) {</a:t>
+            </a:r>
+          </a:p>
+          <a:p>
+            <a:pPr marL="172800" lvl="1" indent="0">
+              <a:buNone/>
+            </a:pPr>
+            <a:r>
+              <a:rPr lang="en-US" altLang="ja-JP" dirty="0" smtClean="0"/>
+              <a:t>                    </a:t>
+            </a:r>
+            <a:r>
+              <a:rPr lang="en-US" altLang="ja-JP" dirty="0" err="1" smtClean="0"/>
+              <a:t>response.redirect</a:t>
+            </a:r>
+            <a:r>
+              <a:rPr lang="en-US" altLang="ja-JP" dirty="0"/>
+              <a:t>("/</a:t>
+            </a:r>
+            <a:r>
+              <a:rPr lang="en-US" altLang="ja-JP" dirty="0" err="1"/>
+              <a:t>msgboard.html</a:t>
+            </a:r>
+            <a:r>
+              <a:rPr lang="en-US" altLang="ja-JP" dirty="0"/>
+              <a:t>");</a:t>
+            </a:r>
+          </a:p>
+          <a:p>
+            <a:pPr marL="172800" lvl="1" indent="0">
+              <a:buNone/>
+            </a:pPr>
+            <a:r>
+              <a:rPr lang="en-US" altLang="ja-JP" dirty="0" smtClean="0"/>
+              <a:t>                }</a:t>
+            </a:r>
+            <a:r>
+              <a:rPr lang="en-US" altLang="ja-JP" dirty="0"/>
+              <a:t>);</a:t>
+            </a:r>
+          </a:p>
+          <a:p>
+            <a:pPr marL="172800" lvl="1" indent="0">
+              <a:buNone/>
+            </a:pPr>
+            <a:r>
+              <a:rPr lang="en-US" altLang="ja-JP" dirty="0" smtClean="0"/>
+              <a:t>        }</a:t>
+            </a:r>
+            <a:r>
+              <a:rPr lang="en-US" altLang="ja-JP" dirty="0"/>
+              <a:t>);</a:t>
+            </a:r>
+          </a:p>
+          <a:p>
+            <a:pPr marL="172800" lvl="1" indent="0">
+              <a:buNone/>
+            </a:pPr>
+            <a:r>
+              <a:rPr lang="en-US" altLang="ja-JP" dirty="0" smtClean="0"/>
+              <a:t>}</a:t>
+            </a:r>
+            <a:r>
+              <a:rPr lang="en-US" altLang="ja-JP" dirty="0"/>
+              <a:t>)</a:t>
+            </a:r>
+            <a:r>
+              <a:rPr lang="en-US" altLang="ja-JP" dirty="0" smtClean="0"/>
+              <a:t>;</a:t>
+            </a:r>
+            <a:endParaRPr lang="en-US" altLang="ja-JP" dirty="0"/>
+          </a:p>
+          <a:p>
+            <a:pPr marL="0" indent="0">
+              <a:buNone/>
+            </a:pPr>
+            <a:endParaRPr kumimoji="1" lang="ja-JP" altLang="en-US" dirty="0"/>
+          </a:p>
+        </p:txBody>
+      </p:sp>
+    </p:spTree>
+    <p:extLst>
+      <p:ext uri="{BB962C8B-B14F-4D97-AF65-F5344CB8AC3E}">
+        <p14:creationId xmlns:p14="http://schemas.microsoft.com/office/powerpoint/2010/main" val="3505598367"/>
+      </p:ext>
+    </p:extLst>
+  </p:cSld>
+  <p:clrMapOvr>
+    <a:masterClrMapping/>
+  </p:clrMapOvr>
+</p:sld>
+</file>
+
+<file path=ppt/slides/slide33.xml><?xml version="1.0" encoding="utf-8"?>
+<p:sld xmlns:a="http://schemas.openxmlformats.org/drawingml/2006/main" xmlns:r="http://schemas.openxmlformats.org/officeDocument/2006/relationships" xmlns:p="http://schemas.openxmlformats.org/presentationml/2006/main">
+  <p:cSld>
+    <p:spTree>
+      <p:nvGrpSpPr>
+        <p:cNvPr id="1" name=""/>
+        <p:cNvGrpSpPr/>
+        <p:nvPr/>
+      </p:nvGrpSpPr>
+      <p:grpSpPr>
+        <a:xfrm>
+          <a:off x="0" y="0"/>
+          <a:ext cx="0" cy="0"/>
+          <a:chOff x="0" y="0"/>
+          <a:chExt cx="0" cy="0"/>
+        </a:xfrm>
+      </p:grpSpPr>
+      <p:sp>
+        <p:nvSpPr>
+          <p:cNvPr id="2" name="スライド番号プレースホルダー 1"/>
+          <p:cNvSpPr>
+            <a:spLocks noGrp="1"/>
+          </p:cNvSpPr>
+          <p:nvPr>
+            <p:ph type="sldNum" sz="quarter" idx="12"/>
+          </p:nvPr>
+        </p:nvSpPr>
+        <p:spPr/>
+        <p:txBody>
+          <a:bodyPr>
+            <a:normAutofit fontScale="92500" lnSpcReduction="20000"/>
+          </a:bodyPr>
+          <a:lstStyle/>
+          <a:p>
+            <a:fld id="{5744759D-0EFF-4FB2-9CCE-04E00944F0FE}" type="slidenum">
+              <a:rPr lang="en-US" smtClean="0"/>
+              <a:pPr/>
+              <a:t>33</a:t>
+            </a:fld>
+            <a:endParaRPr lang="en-US"/>
+          </a:p>
+        </p:txBody>
+      </p:sp>
+      <p:sp>
+        <p:nvSpPr>
+          <p:cNvPr id="3" name="タイトル 2"/>
+          <p:cNvSpPr>
+            <a:spLocks noGrp="1"/>
+          </p:cNvSpPr>
+          <p:nvPr>
+            <p:ph type="title"/>
+          </p:nvPr>
+        </p:nvSpPr>
+        <p:spPr/>
+        <p:txBody>
+          <a:bodyPr/>
+          <a:lstStyle/>
+          <a:p>
+            <a:r>
+              <a:rPr kumimoji="1" lang="ja-JP" altLang="en-US" dirty="0" smtClean="0"/>
+              <a:t>データを</a:t>
+            </a:r>
+            <a:r>
+              <a:rPr kumimoji="1" lang="en-US" altLang="ja-JP" dirty="0" smtClean="0"/>
+              <a:t>DB</a:t>
+            </a:r>
+            <a:r>
+              <a:rPr kumimoji="1" lang="ja-JP" altLang="en-US" dirty="0" smtClean="0"/>
+              <a:t>に追加する</a:t>
+            </a:r>
+            <a:endParaRPr kumimoji="1" lang="ja-JP" altLang="en-US" dirty="0"/>
+          </a:p>
+        </p:txBody>
+      </p:sp>
+      <p:sp>
+        <p:nvSpPr>
+          <p:cNvPr id="4" name="コンテンツ プレースホルダー 3"/>
+          <p:cNvSpPr>
+            <a:spLocks noGrp="1"/>
+          </p:cNvSpPr>
+          <p:nvPr>
+            <p:ph sz="quarter" idx="13"/>
+          </p:nvPr>
+        </p:nvSpPr>
+        <p:spPr/>
+        <p:txBody>
+          <a:bodyPr/>
+          <a:lstStyle/>
+          <a:p>
+            <a:pPr marL="457200" indent="-457200">
+              <a:buFont typeface="+mj-lt"/>
+              <a:buAutoNum type="arabicPeriod"/>
+            </a:pPr>
+            <a:r>
+              <a:rPr lang="ja-JP" altLang="en-US" dirty="0" smtClean="0"/>
+              <a:t>サーバを再起動する</a:t>
+            </a:r>
+            <a:endParaRPr lang="en-US" altLang="ja-JP" dirty="0" smtClean="0"/>
+          </a:p>
+          <a:p>
+            <a:pPr marL="457200" indent="-457200">
+              <a:buFont typeface="+mj-lt"/>
+              <a:buAutoNum type="arabicPeriod"/>
+            </a:pPr>
+            <a:r>
+              <a:rPr lang="en-US" altLang="ja-JP" dirty="0" smtClean="0"/>
+              <a:t>localhost:3000/</a:t>
+            </a:r>
+            <a:r>
+              <a:rPr lang="en-US" altLang="ja-JP" dirty="0" err="1" smtClean="0"/>
+              <a:t>msgboard</a:t>
+            </a:r>
+            <a:r>
+              <a:rPr lang="ja-JP" altLang="en-US" dirty="0" smtClean="0"/>
+              <a:t>にアクセスし，下部にある入力フォームに名前と内容を適当に入力し，送信ボタンを押す</a:t>
+            </a:r>
+            <a:endParaRPr lang="en-US" altLang="ja-JP" dirty="0" smtClean="0"/>
+          </a:p>
+          <a:p>
+            <a:pPr marL="457200" indent="-457200">
+              <a:buFont typeface="+mj-lt"/>
+              <a:buAutoNum type="arabicPeriod"/>
+            </a:pPr>
+            <a:r>
+              <a:rPr lang="ja-JP" altLang="en-US" dirty="0" smtClean="0"/>
+              <a:t>ターミナルで以下の操作を行う</a:t>
+            </a:r>
+            <a:endParaRPr lang="en-US" altLang="ja-JP" dirty="0" smtClean="0"/>
+          </a:p>
+          <a:p>
+            <a:pPr marL="0" indent="0">
+              <a:buNone/>
+            </a:pPr>
+            <a:r>
+              <a:rPr lang="en-US" altLang="ja-JP" dirty="0" smtClean="0"/>
+              <a:t>mongo </a:t>
+            </a:r>
+            <a:r>
+              <a:rPr lang="ja-JP" altLang="en-US" dirty="0" smtClean="0"/>
+              <a:t>で</a:t>
+            </a:r>
+            <a:r>
+              <a:rPr lang="en-US" altLang="ja-JP" dirty="0" smtClean="0"/>
+              <a:t>mongo</a:t>
+            </a:r>
+            <a:r>
+              <a:rPr lang="ja-JP" altLang="en-US" dirty="0" smtClean="0"/>
+              <a:t>シェルを開く</a:t>
+            </a:r>
+            <a:endParaRPr lang="en-US" altLang="ja-JP" dirty="0" smtClean="0"/>
+          </a:p>
+          <a:p>
+            <a:pPr marL="0" indent="0">
+              <a:buNone/>
+            </a:pPr>
+            <a:r>
+              <a:rPr lang="en-US" altLang="ja-JP" dirty="0" smtClean="0"/>
+              <a:t>&gt; </a:t>
+            </a:r>
+            <a:r>
+              <a:rPr lang="en-US" altLang="ja-JP" dirty="0"/>
+              <a:t>use </a:t>
+            </a:r>
+            <a:r>
+              <a:rPr lang="en-US" altLang="ja-JP" dirty="0" err="1"/>
+              <a:t>msgboard</a:t>
+            </a:r>
+            <a:endParaRPr lang="en-US" altLang="ja-JP" dirty="0"/>
+          </a:p>
+          <a:p>
+            <a:pPr marL="0" indent="0">
+              <a:buNone/>
+            </a:pPr>
+            <a:r>
+              <a:rPr lang="en-US" altLang="ja-JP" dirty="0" smtClean="0"/>
+              <a:t>&gt; </a:t>
+            </a:r>
+            <a:r>
+              <a:rPr lang="en-US" altLang="ja-JP" dirty="0" err="1" smtClean="0"/>
+              <a:t>db.msgboard.find</a:t>
+            </a:r>
+            <a:r>
+              <a:rPr lang="en-US" altLang="ja-JP" dirty="0"/>
+              <a:t>(</a:t>
+            </a:r>
+            <a:r>
+              <a:rPr lang="en-US" altLang="ja-JP" dirty="0" smtClean="0"/>
+              <a:t>)</a:t>
+            </a:r>
+          </a:p>
+          <a:p>
+            <a:r>
+              <a:rPr kumimoji="1" lang="ja-JP" altLang="en-US" dirty="0" smtClean="0"/>
+              <a:t>ここで，何らかの値が入っていれば成功</a:t>
+            </a:r>
+            <a:endParaRPr kumimoji="1" lang="en-US" altLang="ja-JP" dirty="0" smtClean="0"/>
+          </a:p>
+          <a:p>
+            <a:r>
+              <a:rPr lang="ja-JP" altLang="en-US" dirty="0" smtClean="0"/>
+              <a:t>このように，</a:t>
+            </a:r>
+            <a:r>
+              <a:rPr lang="en-US" altLang="ja-JP" dirty="0" err="1">
+                <a:solidFill>
+                  <a:srgbClr val="FF0000"/>
+                </a:solidFill>
+              </a:rPr>
+              <a:t>M</a:t>
+            </a:r>
+            <a:r>
+              <a:rPr lang="en-US" altLang="ja-JP" dirty="0" err="1" smtClean="0">
+                <a:solidFill>
+                  <a:srgbClr val="FF0000"/>
+                </a:solidFill>
+              </a:rPr>
+              <a:t>ongoDB</a:t>
+            </a:r>
+            <a:r>
+              <a:rPr lang="ja-JP" altLang="en-US" dirty="0" smtClean="0">
+                <a:solidFill>
+                  <a:srgbClr val="FF0000"/>
+                </a:solidFill>
+              </a:rPr>
+              <a:t>では事前にテーブル作成等をすることなく，データを追加したり取得することができる</a:t>
+            </a:r>
+            <a:endParaRPr kumimoji="1" lang="ja-JP" altLang="en-US" dirty="0">
+              <a:solidFill>
+                <a:srgbClr val="FF0000"/>
+              </a:solidFill>
+            </a:endParaRPr>
+          </a:p>
+        </p:txBody>
+      </p:sp>
+    </p:spTree>
+    <p:extLst>
+      <p:ext uri="{BB962C8B-B14F-4D97-AF65-F5344CB8AC3E}">
+        <p14:creationId xmlns:p14="http://schemas.microsoft.com/office/powerpoint/2010/main" val="1134299973"/>
+      </p:ext>
+    </p:extLst>
+  </p:cSld>
+  <p:clrMapOvr>
+    <a:masterClrMapping/>
+  </p:clrMapOvr>
+</p:sld>
+</file>
+
+<file path=ppt/slides/slide34.xml><?xml version="1.0" encoding="utf-8"?>
+<p:sld xmlns:a="http://schemas.openxmlformats.org/drawingml/2006/main" xmlns:r="http://schemas.openxmlformats.org/officeDocument/2006/relationships" xmlns:p="http://schemas.openxmlformats.org/presentationml/2006/main">
+  <p:cSld>
+    <p:spTree>
+      <p:nvGrpSpPr>
+        <p:cNvPr id="1" name=""/>
+        <p:cNvGrpSpPr/>
+        <p:nvPr/>
+      </p:nvGrpSpPr>
+      <p:grpSpPr>
+        <a:xfrm>
+          <a:off x="0" y="0"/>
+          <a:ext cx="0" cy="0"/>
+          <a:chOff x="0" y="0"/>
+          <a:chExt cx="0" cy="0"/>
+        </a:xfrm>
+      </p:grpSpPr>
+      <p:sp>
+        <p:nvSpPr>
+          <p:cNvPr id="2" name="スライド番号プレースホルダー 1"/>
+          <p:cNvSpPr>
+            <a:spLocks noGrp="1"/>
+          </p:cNvSpPr>
+          <p:nvPr>
+            <p:ph type="sldNum" sz="quarter" idx="12"/>
+          </p:nvPr>
+        </p:nvSpPr>
+        <p:spPr/>
+        <p:txBody>
+          <a:bodyPr>
+            <a:normAutofit fontScale="92500" lnSpcReduction="20000"/>
+          </a:bodyPr>
+          <a:lstStyle/>
+          <a:p>
+            <a:fld id="{5744759D-0EFF-4FB2-9CCE-04E00944F0FE}" type="slidenum">
+              <a:rPr lang="en-US" smtClean="0"/>
+              <a:pPr/>
+              <a:t>34</a:t>
+            </a:fld>
+            <a:endParaRPr lang="en-US"/>
+          </a:p>
+        </p:txBody>
+      </p:sp>
+      <p:sp>
+        <p:nvSpPr>
+          <p:cNvPr id="3" name="タイトル 2"/>
+          <p:cNvSpPr>
+            <a:spLocks noGrp="1"/>
+          </p:cNvSpPr>
+          <p:nvPr>
+            <p:ph type="title"/>
+          </p:nvPr>
+        </p:nvSpPr>
+        <p:spPr/>
+        <p:txBody>
+          <a:bodyPr/>
+          <a:lstStyle/>
+          <a:p>
+            <a:r>
+              <a:rPr kumimoji="1" lang="en-US" altLang="ja-JP" dirty="0" smtClean="0"/>
+              <a:t>DB</a:t>
+            </a:r>
+            <a:r>
+              <a:rPr kumimoji="1" lang="ja-JP" altLang="en-US" dirty="0" smtClean="0"/>
+              <a:t>の中身を画面に表示する</a:t>
+            </a:r>
+            <a:endParaRPr kumimoji="1" lang="ja-JP" altLang="en-US" dirty="0"/>
+          </a:p>
+        </p:txBody>
+      </p:sp>
+      <p:sp>
+        <p:nvSpPr>
+          <p:cNvPr id="4" name="コンテンツ プレースホルダー 3"/>
+          <p:cNvSpPr>
+            <a:spLocks noGrp="1"/>
+          </p:cNvSpPr>
+          <p:nvPr>
+            <p:ph sz="quarter" idx="13"/>
+          </p:nvPr>
+        </p:nvSpPr>
+        <p:spPr/>
+        <p:txBody>
+          <a:bodyPr/>
+          <a:lstStyle/>
+          <a:p>
+            <a:r>
+              <a:rPr kumimoji="1" lang="ja-JP" altLang="en-US" dirty="0" smtClean="0"/>
+              <a:t>サーバからデータを取得するのに，</a:t>
+            </a:r>
+            <a:r>
+              <a:rPr lang="en-US" altLang="ja-JP" dirty="0" smtClean="0">
+                <a:solidFill>
+                  <a:srgbClr val="3366FF"/>
+                </a:solidFill>
+              </a:rPr>
+              <a:t>Ajax</a:t>
+            </a:r>
+            <a:r>
+              <a:rPr lang="ja-JP" altLang="en-US" dirty="0" smtClean="0"/>
+              <a:t>を用いる</a:t>
+            </a:r>
+            <a:endParaRPr lang="en-US" altLang="ja-JP" dirty="0" smtClean="0"/>
+          </a:p>
+          <a:p>
+            <a:pPr lvl="1"/>
+            <a:r>
+              <a:rPr kumimoji="1" lang="en-US" altLang="ja-JP" dirty="0" smtClean="0"/>
+              <a:t>Ajax: </a:t>
+            </a:r>
+            <a:r>
+              <a:rPr kumimoji="1" lang="ja-JP" altLang="en-US" dirty="0" smtClean="0"/>
+              <a:t>画面遷移をせずにデータをやり取りする仕組み</a:t>
+            </a:r>
+            <a:endParaRPr kumimoji="1" lang="en-US" altLang="ja-JP" dirty="0" smtClean="0"/>
+          </a:p>
+          <a:p>
+            <a:r>
+              <a:rPr lang="ja-JP" altLang="en-US" dirty="0" smtClean="0"/>
+              <a:t>サーバは</a:t>
+            </a:r>
+            <a:r>
+              <a:rPr lang="en-US" altLang="ja-JP" dirty="0" smtClean="0">
+                <a:solidFill>
+                  <a:srgbClr val="3366FF"/>
+                </a:solidFill>
+              </a:rPr>
+              <a:t>JSON</a:t>
+            </a:r>
+            <a:r>
+              <a:rPr lang="ja-JP" altLang="en-US" dirty="0" smtClean="0"/>
+              <a:t>としてデータを返し，クライアント側で処理</a:t>
+            </a:r>
+            <a:endParaRPr lang="en-US" altLang="ja-JP" dirty="0" smtClean="0"/>
+          </a:p>
+          <a:p>
+            <a:pPr lvl="1"/>
+            <a:r>
+              <a:rPr lang="en-US" altLang="ja-JP" dirty="0" smtClean="0"/>
+              <a:t>JSON: JavaScript</a:t>
+            </a:r>
+            <a:r>
+              <a:rPr lang="ja-JP" altLang="en-US" dirty="0" smtClean="0"/>
+              <a:t>のオブジェクトとほぼ同等</a:t>
+            </a:r>
+            <a:endParaRPr lang="en-US" altLang="ja-JP" dirty="0" smtClean="0"/>
+          </a:p>
+          <a:p>
+            <a:pPr lvl="2"/>
+            <a:r>
+              <a:rPr lang="ja-JP" altLang="en-US" dirty="0" smtClean="0"/>
+              <a:t>例）</a:t>
+            </a:r>
+            <a:r>
+              <a:rPr lang="en-US" altLang="ja-JP" dirty="0" smtClean="0"/>
+              <a:t>{“name”: “taro”, “age”: 20}</a:t>
+            </a:r>
+          </a:p>
+          <a:p>
+            <a:pPr lvl="2"/>
+            <a:endParaRPr kumimoji="1" lang="ja-JP" altLang="en-US" dirty="0"/>
+          </a:p>
+        </p:txBody>
+      </p:sp>
+    </p:spTree>
+    <p:extLst>
+      <p:ext uri="{BB962C8B-B14F-4D97-AF65-F5344CB8AC3E}">
+        <p14:creationId xmlns:p14="http://schemas.microsoft.com/office/powerpoint/2010/main" val="2996286885"/>
+      </p:ext>
+    </p:extLst>
+  </p:cSld>
+  <p:clrMapOvr>
+    <a:masterClrMapping/>
+  </p:clrMapOvr>
+</p:sld>
+</file>
+
+<file path=ppt/slides/slide35.xml><?xml version="1.0" encoding="utf-8"?>
+<p:sld xmlns:a="http://schemas.openxmlformats.org/drawingml/2006/main" xmlns:r="http://schemas.openxmlformats.org/officeDocument/2006/relationships" xmlns:p="http://schemas.openxmlformats.org/presentationml/2006/main">
+  <p:cSld>
+    <p:spTree>
+      <p:nvGrpSpPr>
+        <p:cNvPr id="1" name=""/>
+        <p:cNvGrpSpPr/>
+        <p:nvPr/>
+      </p:nvGrpSpPr>
+      <p:grpSpPr>
+        <a:xfrm>
+          <a:off x="0" y="0"/>
+          <a:ext cx="0" cy="0"/>
+          <a:chOff x="0" y="0"/>
+          <a:chExt cx="0" cy="0"/>
+        </a:xfrm>
+      </p:grpSpPr>
+      <p:sp>
+        <p:nvSpPr>
+          <p:cNvPr id="2" name="スライド番号プレースホルダー 1"/>
+          <p:cNvSpPr>
+            <a:spLocks noGrp="1"/>
+          </p:cNvSpPr>
+          <p:nvPr>
+            <p:ph type="sldNum" sz="quarter" idx="12"/>
+          </p:nvPr>
+        </p:nvSpPr>
+        <p:spPr/>
+        <p:txBody>
+          <a:bodyPr>
+            <a:normAutofit fontScale="92500" lnSpcReduction="20000"/>
+          </a:bodyPr>
+          <a:lstStyle/>
+          <a:p>
+            <a:fld id="{5744759D-0EFF-4FB2-9CCE-04E00944F0FE}" type="slidenum">
+              <a:rPr lang="en-US" smtClean="0"/>
+              <a:pPr/>
+              <a:t>35</a:t>
+            </a:fld>
+            <a:endParaRPr lang="en-US"/>
+          </a:p>
+        </p:txBody>
+      </p:sp>
+      <p:sp>
+        <p:nvSpPr>
+          <p:cNvPr id="3" name="タイトル 2"/>
+          <p:cNvSpPr>
+            <a:spLocks noGrp="1"/>
+          </p:cNvSpPr>
+          <p:nvPr>
+            <p:ph type="title"/>
+          </p:nvPr>
+        </p:nvSpPr>
+        <p:spPr/>
+        <p:txBody>
+          <a:bodyPr/>
+          <a:lstStyle/>
+          <a:p>
+            <a:r>
+              <a:rPr kumimoji="1" lang="ja-JP" altLang="en-US" dirty="0" smtClean="0"/>
+              <a:t>サーバサイド</a:t>
+            </a:r>
+            <a:endParaRPr kumimoji="1" lang="ja-JP" altLang="en-US" dirty="0"/>
+          </a:p>
+        </p:txBody>
+      </p:sp>
+      <p:sp>
+        <p:nvSpPr>
+          <p:cNvPr id="4" name="コンテンツ プレースホルダー 3"/>
+          <p:cNvSpPr>
+            <a:spLocks noGrp="1"/>
+          </p:cNvSpPr>
+          <p:nvPr>
+            <p:ph sz="quarter" idx="13"/>
+          </p:nvPr>
+        </p:nvSpPr>
+        <p:spPr/>
+        <p:txBody>
+          <a:bodyPr>
+            <a:normAutofit fontScale="70000" lnSpcReduction="20000"/>
+          </a:bodyPr>
+          <a:lstStyle/>
+          <a:p>
+            <a:r>
+              <a:rPr lang="en-US" altLang="ja-JP" dirty="0" err="1"/>
+              <a:t>routes.js</a:t>
+            </a:r>
+            <a:r>
+              <a:rPr lang="ja-JP" altLang="en-US" dirty="0"/>
+              <a:t>に以下を追記</a:t>
+            </a:r>
+            <a:endParaRPr lang="en-US" altLang="ja-JP" dirty="0"/>
+          </a:p>
+          <a:p>
+            <a:pPr marL="172800" lvl="1" indent="0">
+              <a:buNone/>
+            </a:pPr>
+            <a:endParaRPr lang="en-US" altLang="ja-JP" dirty="0"/>
+          </a:p>
+          <a:p>
+            <a:pPr marL="172800" lvl="1" indent="0">
+              <a:buNone/>
+            </a:pPr>
+            <a:r>
+              <a:rPr lang="en-US" altLang="ja-JP" dirty="0" err="1" smtClean="0"/>
+              <a:t>app.</a:t>
+            </a:r>
+            <a:r>
+              <a:rPr lang="en-US" altLang="ja-JP" dirty="0" err="1" smtClean="0"/>
+              <a:t>get</a:t>
+            </a:r>
+            <a:r>
+              <a:rPr lang="en-US" altLang="ja-JP" dirty="0" smtClean="0"/>
+              <a:t>(</a:t>
+            </a:r>
+            <a:r>
+              <a:rPr lang="en-US" altLang="ja-JP" dirty="0"/>
+              <a:t>“</a:t>
+            </a:r>
+            <a:r>
+              <a:rPr lang="en-US" altLang="ja-JP" dirty="0" smtClean="0"/>
+              <a:t>/</a:t>
+            </a:r>
+            <a:r>
+              <a:rPr lang="en-US" altLang="ja-JP" dirty="0" err="1" smtClean="0"/>
+              <a:t>fetchmsg</a:t>
+            </a:r>
+            <a:r>
+              <a:rPr lang="en-US" altLang="ja-JP" dirty="0" smtClean="0"/>
+              <a:t>”</a:t>
+            </a:r>
+            <a:r>
+              <a:rPr lang="en-US" altLang="ja-JP" dirty="0"/>
+              <a:t>, function(request, response) { // </a:t>
+            </a:r>
+            <a:r>
+              <a:rPr lang="en-US" altLang="ja-JP" dirty="0" err="1" smtClean="0"/>
+              <a:t>sendmsg</a:t>
+            </a:r>
+            <a:r>
+              <a:rPr lang="ja-JP" altLang="en-US" dirty="0" smtClean="0"/>
+              <a:t>に</a:t>
+            </a:r>
+            <a:r>
+              <a:rPr lang="en-US" altLang="ja-JP" dirty="0" smtClean="0"/>
+              <a:t>GET</a:t>
+            </a:r>
+            <a:r>
+              <a:rPr lang="ja-JP" altLang="en-US" dirty="0" smtClean="0"/>
+              <a:t>された</a:t>
+            </a:r>
+            <a:r>
+              <a:rPr lang="ja-JP" altLang="en-US" dirty="0"/>
+              <a:t>ときの処理</a:t>
+            </a:r>
+            <a:endParaRPr lang="en-US" altLang="ja-JP" dirty="0"/>
+          </a:p>
+          <a:p>
+            <a:pPr marL="172800" lvl="1" indent="0">
+              <a:buNone/>
+            </a:pPr>
+            <a:r>
+              <a:rPr lang="en-US" altLang="ja-JP" dirty="0"/>
+              <a:t>    </a:t>
+            </a:r>
+            <a:r>
+              <a:rPr lang="en-US" altLang="ja-JP" dirty="0" err="1" smtClean="0"/>
+              <a:t>dbHandle.collection</a:t>
+            </a:r>
+            <a:r>
+              <a:rPr lang="en-US" altLang="ja-JP" dirty="0" smtClean="0"/>
+              <a:t>(</a:t>
+            </a:r>
+            <a:endParaRPr lang="en-US" altLang="ja-JP" dirty="0"/>
+          </a:p>
+          <a:p>
+            <a:pPr marL="172800" lvl="1" indent="0">
+              <a:buNone/>
+            </a:pPr>
+            <a:r>
+              <a:rPr lang="en-US" altLang="ja-JP" dirty="0"/>
+              <a:t>        “</a:t>
+            </a:r>
+            <a:r>
+              <a:rPr lang="en-US" altLang="ja-JP" dirty="0" err="1"/>
+              <a:t>msgboard</a:t>
+            </a:r>
+            <a:r>
+              <a:rPr lang="en-US" altLang="ja-JP" dirty="0"/>
+              <a:t>”, // </a:t>
+            </a:r>
+            <a:r>
+              <a:rPr lang="en-US" altLang="ja-JP" dirty="0" err="1"/>
+              <a:t>msgboard</a:t>
+            </a:r>
+            <a:r>
+              <a:rPr lang="ja-JP" altLang="en-US" dirty="0" smtClean="0"/>
+              <a:t>テーブル</a:t>
+            </a:r>
+            <a:r>
+              <a:rPr lang="ja-JP" altLang="en-US" dirty="0" smtClean="0"/>
+              <a:t>から</a:t>
+            </a:r>
+            <a:r>
+              <a:rPr lang="ja-JP" altLang="en-US" dirty="0" smtClean="0"/>
+              <a:t>データ</a:t>
+            </a:r>
+            <a:r>
+              <a:rPr lang="ja-JP" altLang="en-US" dirty="0" smtClean="0"/>
+              <a:t>を取得</a:t>
+            </a:r>
+            <a:endParaRPr lang="ja-JP" altLang="en-US" dirty="0"/>
+          </a:p>
+          <a:p>
+            <a:pPr marL="172800" lvl="1" indent="0">
+              <a:buNone/>
+            </a:pPr>
+            <a:r>
+              <a:rPr lang="en-US" altLang="ja-JP" dirty="0"/>
+              <a:t>        function(</a:t>
+            </a:r>
+            <a:r>
+              <a:rPr lang="en-US" altLang="ja-JP" dirty="0" err="1"/>
+              <a:t>outerError</a:t>
+            </a:r>
+            <a:r>
+              <a:rPr lang="en-US" altLang="ja-JP" dirty="0"/>
+              <a:t>, collection) {</a:t>
+            </a:r>
+          </a:p>
+          <a:p>
+            <a:pPr marL="172800" lvl="1" indent="0">
+              <a:buNone/>
+            </a:pPr>
+            <a:r>
+              <a:rPr lang="en-US" altLang="ja-JP" dirty="0"/>
+              <a:t>            </a:t>
+            </a:r>
+            <a:r>
+              <a:rPr lang="en-US" altLang="ja-JP" dirty="0" err="1"/>
+              <a:t>var</a:t>
+            </a:r>
+            <a:endParaRPr lang="en-US" altLang="ja-JP" dirty="0"/>
+          </a:p>
+          <a:p>
+            <a:pPr marL="172800" lvl="1" indent="0">
+              <a:buNone/>
+            </a:pPr>
+            <a:r>
+              <a:rPr lang="en-US" altLang="ja-JP" dirty="0"/>
+              <a:t>                </a:t>
+            </a:r>
+            <a:r>
+              <a:rPr lang="en-US" altLang="ja-JP" dirty="0" err="1" smtClean="0"/>
+              <a:t>findMap</a:t>
+            </a:r>
+            <a:r>
+              <a:rPr lang="en-US" altLang="ja-JP" dirty="0" smtClean="0"/>
+              <a:t>= {}, </a:t>
+            </a:r>
+            <a:endParaRPr lang="en-US" altLang="ja-JP" dirty="0"/>
+          </a:p>
+          <a:p>
+            <a:pPr marL="172800" lvl="1" indent="0">
+              <a:buNone/>
+            </a:pPr>
+            <a:r>
+              <a:rPr lang="en-US" altLang="ja-JP" dirty="0" smtClean="0"/>
+              <a:t>                </a:t>
+            </a:r>
+            <a:r>
+              <a:rPr lang="en-US" altLang="ja-JP" dirty="0" err="1" smtClean="0"/>
+              <a:t>optionsMap</a:t>
+            </a:r>
+            <a:r>
+              <a:rPr lang="en-US" altLang="ja-JP" dirty="0" smtClean="0"/>
+              <a:t> </a:t>
+            </a:r>
+            <a:r>
+              <a:rPr lang="en-US" altLang="ja-JP" dirty="0"/>
+              <a:t>= {};</a:t>
+            </a:r>
+          </a:p>
+          <a:p>
+            <a:pPr marL="172800" lvl="1" indent="0">
+              <a:buNone/>
+            </a:pPr>
+            <a:endParaRPr lang="en-US" altLang="ja-JP" dirty="0"/>
+          </a:p>
+          <a:p>
+            <a:pPr marL="172800" lvl="1" indent="0">
+              <a:buNone/>
+            </a:pPr>
+            <a:r>
+              <a:rPr lang="en-US" altLang="ja-JP" dirty="0" smtClean="0"/>
+              <a:t>            </a:t>
+            </a:r>
+            <a:r>
+              <a:rPr lang="en-US" altLang="ja-JP" dirty="0" err="1" smtClean="0"/>
+              <a:t>collection.find</a:t>
+            </a:r>
+            <a:r>
+              <a:rPr lang="en-US" altLang="ja-JP" dirty="0" smtClean="0"/>
+              <a:t>(</a:t>
+            </a:r>
+          </a:p>
+          <a:p>
+            <a:pPr marL="172800" lvl="1" indent="0">
+              <a:buNone/>
+            </a:pPr>
+            <a:r>
+              <a:rPr lang="en-US" altLang="ja-JP" dirty="0" smtClean="0"/>
+              <a:t>                </a:t>
+            </a:r>
+            <a:r>
+              <a:rPr lang="en-US" altLang="ja-JP" dirty="0" err="1"/>
+              <a:t>findMap</a:t>
+            </a:r>
+            <a:r>
+              <a:rPr lang="en-US" altLang="ja-JP" dirty="0" smtClean="0"/>
+              <a:t>,</a:t>
+            </a:r>
+          </a:p>
+          <a:p>
+            <a:pPr marL="172800" lvl="1" indent="0">
+              <a:buNone/>
+            </a:pPr>
+            <a:r>
+              <a:rPr lang="en-US" altLang="ja-JP" dirty="0" smtClean="0"/>
+              <a:t>                </a:t>
+            </a:r>
+            <a:r>
+              <a:rPr lang="en-US" altLang="ja-JP" dirty="0" err="1" smtClean="0"/>
+              <a:t>optionsMap</a:t>
+            </a:r>
+            <a:endParaRPr lang="en-US" altLang="ja-JP" dirty="0" smtClean="0"/>
+          </a:p>
+          <a:p>
+            <a:pPr marL="172800" lvl="1" indent="0">
+              <a:buNone/>
+            </a:pPr>
+            <a:r>
+              <a:rPr lang="en-US" altLang="ja-JP" dirty="0" smtClean="0"/>
+              <a:t>            ).</a:t>
+            </a:r>
+            <a:r>
+              <a:rPr lang="en-US" altLang="ja-JP" dirty="0" err="1" smtClean="0"/>
+              <a:t>toArray</a:t>
+            </a:r>
+            <a:r>
+              <a:rPr lang="en-US" altLang="ja-JP" dirty="0" smtClean="0"/>
+              <a:t>(</a:t>
+            </a:r>
+          </a:p>
+          <a:p>
+            <a:pPr marL="172800" lvl="1" indent="0">
+              <a:buNone/>
+            </a:pPr>
+            <a:r>
+              <a:rPr lang="en-US" altLang="ja-JP" dirty="0"/>
+              <a:t> </a:t>
+            </a:r>
+            <a:r>
+              <a:rPr lang="en-US" altLang="ja-JP" dirty="0" smtClean="0"/>
+              <a:t>                   function(</a:t>
+            </a:r>
+            <a:r>
+              <a:rPr lang="en-US" altLang="ja-JP" dirty="0" err="1" smtClean="0"/>
+              <a:t>innerError</a:t>
+            </a:r>
+            <a:r>
+              <a:rPr lang="en-US" altLang="ja-JP" dirty="0" smtClean="0"/>
+              <a:t>, </a:t>
+            </a:r>
+            <a:r>
+              <a:rPr lang="en-US" altLang="ja-JP" dirty="0" err="1" smtClean="0"/>
+              <a:t>mapList</a:t>
+            </a:r>
+            <a:r>
+              <a:rPr lang="en-US" altLang="ja-JP" dirty="0" smtClean="0"/>
+              <a:t>) {</a:t>
+            </a:r>
+          </a:p>
+          <a:p>
+            <a:pPr marL="172800" lvl="1" indent="0">
+              <a:buNone/>
+            </a:pPr>
+            <a:r>
+              <a:rPr lang="en-US" altLang="ja-JP" dirty="0" smtClean="0"/>
+              <a:t>                   </a:t>
+            </a:r>
+            <a:r>
+              <a:rPr lang="en-US" altLang="ja-JP" dirty="0"/>
+              <a:t> </a:t>
+            </a:r>
+            <a:r>
+              <a:rPr lang="en-US" altLang="ja-JP" dirty="0" err="1" smtClean="0"/>
+              <a:t>response.send</a:t>
+            </a:r>
+            <a:r>
+              <a:rPr lang="en-US" altLang="ja-JP" dirty="0"/>
+              <a:t>(</a:t>
+            </a:r>
+            <a:r>
+              <a:rPr lang="en-US" altLang="ja-JP" dirty="0" err="1"/>
+              <a:t>mapList</a:t>
+            </a:r>
+            <a:r>
+              <a:rPr lang="en-US" altLang="ja-JP" dirty="0"/>
+              <a:t>)</a:t>
+            </a:r>
+            <a:r>
+              <a:rPr lang="en-US" altLang="ja-JP" dirty="0" smtClean="0"/>
+              <a:t>; // </a:t>
+            </a:r>
+            <a:r>
+              <a:rPr lang="en-US" altLang="ja-JP" dirty="0" smtClean="0"/>
+              <a:t>DB</a:t>
+            </a:r>
+            <a:r>
+              <a:rPr lang="ja-JP" altLang="en-US" dirty="0" smtClean="0"/>
+              <a:t>から取得したデータを全て返す</a:t>
+            </a:r>
+            <a:endParaRPr lang="en-US" altLang="ja-JP" dirty="0" smtClean="0"/>
+          </a:p>
+          <a:p>
+            <a:pPr marL="172800" lvl="1" indent="0">
+              <a:buNone/>
+            </a:pPr>
+            <a:r>
+              <a:rPr lang="en-US" altLang="ja-JP" dirty="0" smtClean="0"/>
+              <a:t>                });</a:t>
+            </a:r>
+          </a:p>
+          <a:p>
+            <a:pPr marL="172800" lvl="1" indent="0">
+              <a:buNone/>
+            </a:pPr>
+            <a:r>
+              <a:rPr lang="en-US" altLang="ja-JP" dirty="0" smtClean="0"/>
+              <a:t>        });</a:t>
+            </a:r>
+          </a:p>
+          <a:p>
+            <a:pPr marL="172800" lvl="1" indent="0">
+              <a:buNone/>
+            </a:pPr>
+            <a:r>
+              <a:rPr lang="en-US" altLang="ja-JP" dirty="0" smtClean="0"/>
+              <a:t>});</a:t>
+            </a:r>
+            <a:endParaRPr lang="en-US" altLang="ja-JP" dirty="0"/>
+          </a:p>
+          <a:p>
+            <a:pPr marL="0" indent="0">
+              <a:buNone/>
+            </a:pPr>
+            <a:endParaRPr kumimoji="1" lang="ja-JP" altLang="en-US" dirty="0"/>
+          </a:p>
+        </p:txBody>
+      </p:sp>
+    </p:spTree>
+    <p:extLst>
+      <p:ext uri="{BB962C8B-B14F-4D97-AF65-F5344CB8AC3E}">
+        <p14:creationId xmlns:p14="http://schemas.microsoft.com/office/powerpoint/2010/main" val="184049890"/>
+      </p:ext>
+    </p:extLst>
+  </p:cSld>
+  <p:clrMapOvr>
+    <a:masterClrMapping/>
+  </p:clrMapOvr>
+</p:sld>
+</file>
+
+<file path=ppt/slides/slide36.xml><?xml version="1.0" encoding="utf-8"?>
+<p:sld xmlns:a="http://schemas.openxmlformats.org/drawingml/2006/main" xmlns:r="http://schemas.openxmlformats.org/officeDocument/2006/relationships" xmlns:p="http://schemas.openxmlformats.org/presentationml/2006/main">
+  <p:cSld>
+    <p:spTree>
+      <p:nvGrpSpPr>
+        <p:cNvPr id="1" name=""/>
+        <p:cNvGrpSpPr/>
+        <p:nvPr/>
+      </p:nvGrpSpPr>
+      <p:grpSpPr>
+        <a:xfrm>
+          <a:off x="0" y="0"/>
+          <a:ext cx="0" cy="0"/>
+          <a:chOff x="0" y="0"/>
+          <a:chExt cx="0" cy="0"/>
+        </a:xfrm>
+      </p:grpSpPr>
+      <p:sp>
+        <p:nvSpPr>
+          <p:cNvPr id="2" name="スライド番号プレースホルダー 1"/>
+          <p:cNvSpPr>
+            <a:spLocks noGrp="1"/>
+          </p:cNvSpPr>
+          <p:nvPr>
+            <p:ph type="sldNum" sz="quarter" idx="12"/>
+          </p:nvPr>
+        </p:nvSpPr>
+        <p:spPr/>
+        <p:txBody>
+          <a:bodyPr>
+            <a:normAutofit fontScale="92500" lnSpcReduction="20000"/>
+          </a:bodyPr>
+          <a:lstStyle/>
+          <a:p>
+            <a:fld id="{5744759D-0EFF-4FB2-9CCE-04E00944F0FE}" type="slidenum">
+              <a:rPr lang="en-US" smtClean="0"/>
+              <a:pPr/>
+              <a:t>36</a:t>
+            </a:fld>
+            <a:endParaRPr lang="en-US"/>
+          </a:p>
+        </p:txBody>
+      </p:sp>
+      <p:sp>
+        <p:nvSpPr>
+          <p:cNvPr id="3" name="タイトル 2"/>
+          <p:cNvSpPr>
+            <a:spLocks noGrp="1"/>
+          </p:cNvSpPr>
+          <p:nvPr>
+            <p:ph type="title"/>
+          </p:nvPr>
+        </p:nvSpPr>
+        <p:spPr/>
+        <p:txBody>
+          <a:bodyPr/>
+          <a:lstStyle/>
+          <a:p>
+            <a:r>
+              <a:rPr kumimoji="1" lang="en-US" altLang="ja-JP" dirty="0" smtClean="0"/>
+              <a:t>JSON</a:t>
+            </a:r>
+            <a:r>
+              <a:rPr kumimoji="1" lang="ja-JP" altLang="en-US" dirty="0" smtClean="0"/>
+              <a:t>を見てみる</a:t>
+            </a:r>
+            <a:endParaRPr kumimoji="1" lang="ja-JP" altLang="en-US" dirty="0"/>
+          </a:p>
+        </p:txBody>
+      </p:sp>
+      <p:sp>
+        <p:nvSpPr>
+          <p:cNvPr id="4" name="コンテンツ プレースホルダー 3"/>
+          <p:cNvSpPr>
+            <a:spLocks noGrp="1"/>
+          </p:cNvSpPr>
+          <p:nvPr>
+            <p:ph sz="quarter" idx="13"/>
+          </p:nvPr>
+        </p:nvSpPr>
+        <p:spPr/>
+        <p:txBody>
+          <a:bodyPr/>
+          <a:lstStyle/>
+          <a:p>
+            <a:r>
+              <a:rPr lang="ja-JP" altLang="en-US" dirty="0" smtClean="0"/>
+              <a:t>アプリを再起動し，</a:t>
+            </a:r>
+            <a:r>
+              <a:rPr lang="ja-JP" altLang="en-US" dirty="0" smtClean="0"/>
+              <a:t>ブラウザ</a:t>
+            </a:r>
+            <a:r>
+              <a:rPr lang="ja-JP" altLang="en-US" dirty="0"/>
+              <a:t>から</a:t>
+            </a:r>
+            <a:r>
+              <a:rPr lang="en-US" altLang="ja-JP" dirty="0"/>
+              <a:t>localhost:3000</a:t>
+            </a:r>
+            <a:r>
+              <a:rPr lang="en-US" altLang="ja-JP" dirty="0" smtClean="0"/>
+              <a:t>/</a:t>
+            </a:r>
+            <a:r>
+              <a:rPr lang="en-US" altLang="ja-JP" dirty="0" err="1" smtClean="0"/>
+              <a:t>fetchmsg</a:t>
+            </a:r>
+            <a:r>
+              <a:rPr lang="ja-JP" altLang="en-US" dirty="0" smtClean="0"/>
+              <a:t>に</a:t>
+            </a:r>
+            <a:r>
+              <a:rPr lang="ja-JP" altLang="en-US" dirty="0"/>
+              <a:t>アクセス</a:t>
+            </a:r>
+            <a:r>
+              <a:rPr lang="ja-JP" altLang="en-US" dirty="0" smtClean="0"/>
+              <a:t>し</a:t>
+            </a:r>
+            <a:r>
+              <a:rPr lang="ja-JP" altLang="en-US" dirty="0" smtClean="0"/>
+              <a:t>，</a:t>
+            </a:r>
+            <a:r>
+              <a:rPr lang="en-US" altLang="ja-JP" dirty="0" smtClean="0"/>
+              <a:t>JSON</a:t>
+            </a:r>
+            <a:r>
+              <a:rPr lang="ja-JP" altLang="en-US" dirty="0" smtClean="0"/>
+              <a:t>が返ってくることを確認</a:t>
+            </a:r>
+            <a:endParaRPr kumimoji="1" lang="ja-JP" altLang="en-US" dirty="0"/>
+          </a:p>
+        </p:txBody>
+      </p:sp>
+    </p:spTree>
+    <p:extLst>
+      <p:ext uri="{BB962C8B-B14F-4D97-AF65-F5344CB8AC3E}">
+        <p14:creationId xmlns:p14="http://schemas.microsoft.com/office/powerpoint/2010/main" val="1592693440"/>
+      </p:ext>
+    </p:extLst>
+  </p:cSld>
+  <p:clrMapOvr>
+    <a:masterClrMapping/>
+  </p:clrMapOvr>
+</p:sld>
+</file>
+
+<file path=ppt/slides/slide37.xml><?xml version="1.0" encoding="utf-8"?>
+<p:sld xmlns:a="http://schemas.openxmlformats.org/drawingml/2006/main" xmlns:r="http://schemas.openxmlformats.org/officeDocument/2006/relationships" xmlns:p="http://schemas.openxmlformats.org/presentationml/2006/main">
+  <p:cSld>
+    <p:spTree>
+      <p:nvGrpSpPr>
+        <p:cNvPr id="1" name=""/>
+        <p:cNvGrpSpPr/>
+        <p:nvPr/>
+      </p:nvGrpSpPr>
+      <p:grpSpPr>
+        <a:xfrm>
+          <a:off x="0" y="0"/>
+          <a:ext cx="0" cy="0"/>
+          <a:chOff x="0" y="0"/>
+          <a:chExt cx="0" cy="0"/>
+        </a:xfrm>
+      </p:grpSpPr>
+      <p:sp>
+        <p:nvSpPr>
+          <p:cNvPr id="2" name="スライド番号プレースホルダー 1"/>
+          <p:cNvSpPr>
+            <a:spLocks noGrp="1"/>
+          </p:cNvSpPr>
+          <p:nvPr>
+            <p:ph type="sldNum" sz="quarter" idx="12"/>
+          </p:nvPr>
+        </p:nvSpPr>
+        <p:spPr/>
+        <p:txBody>
+          <a:bodyPr>
+            <a:normAutofit fontScale="92500" lnSpcReduction="20000"/>
+          </a:bodyPr>
+          <a:lstStyle/>
+          <a:p>
+            <a:fld id="{5744759D-0EFF-4FB2-9CCE-04E00944F0FE}" type="slidenum">
+              <a:rPr lang="en-US" smtClean="0"/>
+              <a:pPr/>
+              <a:t>37</a:t>
+            </a:fld>
+            <a:endParaRPr lang="en-US"/>
+          </a:p>
+        </p:txBody>
+      </p:sp>
+      <p:sp>
+        <p:nvSpPr>
+          <p:cNvPr id="3" name="タイトル 2"/>
+          <p:cNvSpPr>
+            <a:spLocks noGrp="1"/>
+          </p:cNvSpPr>
+          <p:nvPr>
+            <p:ph type="title"/>
+          </p:nvPr>
+        </p:nvSpPr>
+        <p:spPr/>
+        <p:txBody>
+          <a:bodyPr/>
+          <a:lstStyle/>
+          <a:p>
+            <a:r>
+              <a:rPr kumimoji="1" lang="ja-JP" altLang="en-US" dirty="0" smtClean="0"/>
+              <a:t>クライアントサイド</a:t>
+            </a:r>
+            <a:endParaRPr kumimoji="1" lang="ja-JP" altLang="en-US" dirty="0"/>
+          </a:p>
+        </p:txBody>
+      </p:sp>
+      <p:sp>
+        <p:nvSpPr>
+          <p:cNvPr id="4" name="コンテンツ プレースホルダー 3"/>
+          <p:cNvSpPr>
+            <a:spLocks noGrp="1"/>
+          </p:cNvSpPr>
+          <p:nvPr>
+            <p:ph sz="quarter" idx="13"/>
+          </p:nvPr>
+        </p:nvSpPr>
+        <p:spPr/>
+        <p:txBody>
+          <a:bodyPr>
+            <a:normAutofit fontScale="70000" lnSpcReduction="20000"/>
+          </a:bodyPr>
+          <a:lstStyle/>
+          <a:p>
+            <a:r>
+              <a:rPr kumimoji="1" lang="en-US" altLang="ja-JP" dirty="0" smtClean="0"/>
+              <a:t>public/</a:t>
+            </a:r>
+            <a:r>
+              <a:rPr kumimoji="1" lang="en-US" altLang="ja-JP" dirty="0" err="1" smtClean="0"/>
+              <a:t>js</a:t>
+            </a:r>
+            <a:r>
+              <a:rPr kumimoji="1" lang="en-US" altLang="ja-JP" dirty="0" smtClean="0"/>
+              <a:t>/</a:t>
+            </a:r>
+            <a:r>
+              <a:rPr kumimoji="1" lang="en-US" altLang="ja-JP" dirty="0" err="1" smtClean="0"/>
+              <a:t>main.js</a:t>
+            </a:r>
+            <a:r>
+              <a:rPr kumimoji="1" lang="ja-JP" altLang="en-US" dirty="0" smtClean="0"/>
+              <a:t>に以下を記述</a:t>
+            </a:r>
+            <a:endParaRPr kumimoji="1" lang="en-US" altLang="ja-JP" dirty="0" smtClean="0"/>
+          </a:p>
+          <a:p>
+            <a:pPr marL="0" indent="0">
+              <a:buNone/>
+            </a:pPr>
+            <a:endParaRPr lang="en-US" altLang="ja-JP" dirty="0" smtClean="0"/>
+          </a:p>
+          <a:p>
+            <a:pPr marL="0" indent="0">
+              <a:buNone/>
+            </a:pPr>
+            <a:r>
+              <a:rPr lang="en-US" altLang="ja-JP" dirty="0" smtClean="0"/>
+              <a:t>$</a:t>
+            </a:r>
+            <a:r>
+              <a:rPr lang="en-US" altLang="ja-JP" dirty="0"/>
+              <a:t>(document).ready(function() {</a:t>
+            </a:r>
+          </a:p>
+          <a:p>
+            <a:pPr marL="0" indent="0">
+              <a:buNone/>
+            </a:pPr>
+            <a:r>
+              <a:rPr lang="en-US" altLang="ja-JP" dirty="0"/>
+              <a:t> </a:t>
+            </a:r>
+            <a:r>
+              <a:rPr lang="en-US" altLang="ja-JP" dirty="0" smtClean="0"/>
+              <a:t>   $</a:t>
+            </a:r>
+            <a:r>
+              <a:rPr lang="en-US" altLang="ja-JP" dirty="0"/>
+              <a:t>.</a:t>
+            </a:r>
+            <a:r>
+              <a:rPr lang="en-US" altLang="ja-JP" dirty="0" err="1"/>
+              <a:t>ajax</a:t>
+            </a:r>
+            <a:r>
+              <a:rPr lang="en-US" altLang="ja-JP" dirty="0"/>
+              <a:t>({ // </a:t>
+            </a:r>
+            <a:r>
+              <a:rPr lang="ja-JP" altLang="en-US" dirty="0"/>
+              <a:t>非同期通信でデータを取得</a:t>
+            </a:r>
+          </a:p>
+          <a:p>
+            <a:pPr marL="0" indent="0">
+              <a:buNone/>
+            </a:pPr>
+            <a:r>
+              <a:rPr lang="en-US" altLang="ja-JP" dirty="0" smtClean="0"/>
+              <a:t>        </a:t>
+            </a:r>
+            <a:r>
+              <a:rPr lang="en-US" altLang="ja-JP" dirty="0" err="1" smtClean="0"/>
+              <a:t>url</a:t>
+            </a:r>
+            <a:r>
+              <a:rPr lang="en-US" altLang="ja-JP" dirty="0"/>
+              <a:t>: </a:t>
+            </a:r>
+            <a:r>
+              <a:rPr lang="en-US" altLang="ja-JP" dirty="0" smtClean="0"/>
+              <a:t>“/</a:t>
+            </a:r>
+            <a:r>
+              <a:rPr lang="en-US" altLang="ja-JP" dirty="0" err="1" smtClean="0"/>
+              <a:t>fetchmsg</a:t>
+            </a:r>
+            <a:r>
+              <a:rPr lang="en-US" altLang="ja-JP" dirty="0" smtClean="0"/>
+              <a:t>”, </a:t>
+            </a:r>
+            <a:r>
+              <a:rPr lang="en-US" altLang="ja-JP" dirty="0"/>
+              <a:t>// </a:t>
+            </a:r>
+            <a:r>
+              <a:rPr lang="en-US" altLang="ja-JP" dirty="0" err="1" smtClean="0"/>
+              <a:t>fetchmsg</a:t>
+            </a:r>
+            <a:r>
+              <a:rPr lang="ja-JP" altLang="en-US" dirty="0"/>
+              <a:t>の</a:t>
+            </a:r>
+            <a:r>
+              <a:rPr lang="en-US" altLang="ja-JP" dirty="0"/>
+              <a:t>URL</a:t>
+            </a:r>
+            <a:r>
+              <a:rPr lang="ja-JP" altLang="en-US" dirty="0"/>
+              <a:t>からデータを取得</a:t>
+            </a:r>
+          </a:p>
+          <a:p>
+            <a:pPr marL="0" indent="0">
+              <a:buNone/>
+            </a:pPr>
+            <a:r>
+              <a:rPr lang="en-US" altLang="ja-JP" dirty="0" smtClean="0"/>
+              <a:t>        success</a:t>
+            </a:r>
+            <a:r>
+              <a:rPr lang="en-US" altLang="ja-JP" dirty="0"/>
+              <a:t>: function(</a:t>
+            </a:r>
+            <a:r>
+              <a:rPr lang="en-US" altLang="ja-JP" dirty="0" err="1"/>
+              <a:t>json</a:t>
+            </a:r>
+            <a:r>
+              <a:rPr lang="en-US" altLang="ja-JP" dirty="0"/>
+              <a:t>) {</a:t>
+            </a:r>
+          </a:p>
+          <a:p>
+            <a:pPr marL="0" indent="0">
+              <a:buNone/>
+            </a:pPr>
+            <a:r>
+              <a:rPr lang="en-US" altLang="ja-JP" dirty="0" smtClean="0"/>
+              <a:t>            </a:t>
+            </a:r>
+            <a:r>
+              <a:rPr lang="cs-CZ" altLang="ja-JP" dirty="0"/>
+              <a:t>var i, data;</a:t>
+            </a:r>
+          </a:p>
+          <a:p>
+            <a:pPr marL="0" indent="0">
+              <a:buNone/>
+            </a:pPr>
+            <a:r>
+              <a:rPr lang="cs-CZ" altLang="ja-JP" dirty="0" smtClean="0"/>
+              <a:t>            </a:t>
+            </a:r>
+            <a:r>
+              <a:rPr lang="cs-CZ" altLang="ja-JP" dirty="0" err="1" smtClean="0"/>
+              <a:t>for</a:t>
+            </a:r>
+            <a:r>
+              <a:rPr lang="cs-CZ" altLang="ja-JP" dirty="0" smtClean="0"/>
+              <a:t> </a:t>
+            </a:r>
+            <a:r>
+              <a:rPr lang="cs-CZ" altLang="ja-JP" dirty="0"/>
+              <a:t>(i = 0; i &lt; </a:t>
+            </a:r>
+            <a:r>
+              <a:rPr lang="cs-CZ" altLang="ja-JP" dirty="0" err="1"/>
+              <a:t>json.length</a:t>
+            </a:r>
+            <a:r>
+              <a:rPr lang="cs-CZ" altLang="ja-JP" dirty="0"/>
+              <a:t>; i++) </a:t>
+            </a:r>
+            <a:r>
+              <a:rPr lang="cs-CZ" altLang="ja-JP" dirty="0" smtClean="0"/>
+              <a:t>{</a:t>
+            </a:r>
+          </a:p>
+          <a:p>
+            <a:pPr marL="0" indent="0">
+              <a:buNone/>
+            </a:pPr>
+            <a:r>
+              <a:rPr lang="cs-CZ" altLang="ja-JP" dirty="0" smtClean="0"/>
+              <a:t>                data </a:t>
+            </a:r>
+            <a:r>
+              <a:rPr lang="cs-CZ" altLang="ja-JP" dirty="0"/>
+              <a:t>= </a:t>
+            </a:r>
+            <a:r>
+              <a:rPr lang="cs-CZ" altLang="ja-JP" dirty="0" err="1"/>
+              <a:t>json</a:t>
+            </a:r>
+            <a:r>
+              <a:rPr lang="cs-CZ" altLang="ja-JP" dirty="0"/>
+              <a:t>[i]</a:t>
+            </a:r>
+            <a:r>
+              <a:rPr lang="cs-CZ" altLang="ja-JP" dirty="0" smtClean="0"/>
+              <a:t>;</a:t>
+            </a:r>
+          </a:p>
+          <a:p>
+            <a:pPr marL="0" indent="0">
+              <a:buNone/>
+            </a:pPr>
+            <a:r>
+              <a:rPr lang="en-US" altLang="ja-JP" dirty="0" smtClean="0"/>
+              <a:t>               $</a:t>
+            </a:r>
+            <a:r>
+              <a:rPr lang="en-US" altLang="ja-JP" dirty="0"/>
+              <a:t>("#messages")</a:t>
+            </a:r>
+          </a:p>
+          <a:p>
+            <a:pPr marL="0" indent="0">
+              <a:buNone/>
+            </a:pPr>
+            <a:r>
+              <a:rPr lang="en-US" altLang="ja-JP" dirty="0" smtClean="0"/>
+              <a:t>                   .</a:t>
+            </a:r>
+            <a:r>
+              <a:rPr lang="en-US" altLang="ja-JP" dirty="0"/>
+              <a:t>append($("&lt;li /&gt;").</a:t>
+            </a:r>
+            <a:r>
+              <a:rPr lang="en-US" altLang="ja-JP" dirty="0" err="1"/>
+              <a:t>addClass</a:t>
+            </a:r>
+            <a:r>
+              <a:rPr lang="en-US" altLang="ja-JP" dirty="0"/>
+              <a:t>("list-group-</a:t>
+            </a:r>
+            <a:r>
+              <a:rPr lang="en-US" altLang="ja-JP" dirty="0" smtClean="0"/>
+              <a:t>item”)</a:t>
+            </a:r>
+          </a:p>
+          <a:p>
+            <a:pPr marL="0" indent="0">
+              <a:buNone/>
+            </a:pPr>
+            <a:r>
+              <a:rPr lang="en-US" altLang="ja-JP" dirty="0"/>
+              <a:t> </a:t>
+            </a:r>
+            <a:r>
+              <a:rPr lang="en-US" altLang="ja-JP" dirty="0" smtClean="0"/>
+              <a:t>                      .</a:t>
+            </a:r>
+            <a:r>
+              <a:rPr lang="en-US" altLang="ja-JP" dirty="0"/>
+              <a:t>append($("&lt;p /&gt;").text(</a:t>
+            </a:r>
+            <a:r>
+              <a:rPr lang="en-US" altLang="ja-JP" dirty="0" err="1"/>
+              <a:t>data.name</a:t>
+            </a:r>
+            <a:r>
+              <a:rPr lang="en-US" altLang="ja-JP" dirty="0"/>
+              <a:t>))</a:t>
+            </a:r>
+          </a:p>
+          <a:p>
+            <a:pPr marL="0" indent="0">
+              <a:buNone/>
+            </a:pPr>
+            <a:r>
+              <a:rPr lang="en-US" altLang="ja-JP" dirty="0" smtClean="0"/>
+              <a:t>                       .</a:t>
+            </a:r>
+            <a:r>
+              <a:rPr lang="en-US" altLang="ja-JP" dirty="0"/>
+              <a:t>append($("&lt;p /&gt;").text(</a:t>
+            </a:r>
+            <a:r>
+              <a:rPr lang="en-US" altLang="ja-JP" dirty="0" err="1" smtClean="0"/>
+              <a:t>data.body</a:t>
+            </a:r>
+            <a:r>
+              <a:rPr lang="en-US" altLang="ja-JP" dirty="0" smtClean="0"/>
+              <a:t>)</a:t>
+            </a:r>
+            <a:r>
+              <a:rPr lang="en-US" altLang="ja-JP" dirty="0"/>
+              <a:t>)</a:t>
+            </a:r>
+          </a:p>
+          <a:p>
+            <a:pPr marL="0" indent="0">
+              <a:buNone/>
+            </a:pPr>
+            <a:r>
+              <a:rPr lang="en-US" altLang="ja-JP" dirty="0" smtClean="0"/>
+              <a:t>               )</a:t>
+            </a:r>
+            <a:r>
+              <a:rPr lang="en-US" altLang="ja-JP" dirty="0"/>
+              <a:t>;</a:t>
+            </a:r>
+          </a:p>
+          <a:p>
+            <a:pPr marL="0" indent="0">
+              <a:buNone/>
+            </a:pPr>
+            <a:r>
+              <a:rPr lang="en-US" altLang="ja-JP" dirty="0" smtClean="0"/>
+              <a:t>           }</a:t>
+            </a:r>
+            <a:endParaRPr lang="en-US" altLang="ja-JP" dirty="0"/>
+          </a:p>
+          <a:p>
+            <a:pPr marL="0" indent="0">
+              <a:buNone/>
+            </a:pPr>
+            <a:r>
+              <a:rPr lang="en-US" altLang="ja-JP" dirty="0" smtClean="0"/>
+              <a:t>        }</a:t>
+            </a:r>
+            <a:endParaRPr lang="en-US" altLang="ja-JP" dirty="0"/>
+          </a:p>
+          <a:p>
+            <a:pPr marL="0" indent="0">
+              <a:buNone/>
+            </a:pPr>
+            <a:r>
+              <a:rPr lang="en-US" altLang="ja-JP" dirty="0" smtClean="0"/>
+              <a:t>    }</a:t>
+            </a:r>
+            <a:r>
+              <a:rPr lang="en-US" altLang="ja-JP" dirty="0"/>
+              <a:t>);</a:t>
+            </a:r>
+          </a:p>
+          <a:p>
+            <a:pPr marL="0" indent="0">
+              <a:buNone/>
+            </a:pPr>
+            <a:r>
+              <a:rPr lang="en-US" altLang="ja-JP" dirty="0"/>
+              <a:t>})</a:t>
+            </a:r>
+            <a:endParaRPr kumimoji="1" lang="ja-JP" altLang="en-US" dirty="0"/>
+          </a:p>
+        </p:txBody>
+      </p:sp>
+    </p:spTree>
+    <p:extLst>
+      <p:ext uri="{BB962C8B-B14F-4D97-AF65-F5344CB8AC3E}">
+        <p14:creationId xmlns:p14="http://schemas.microsoft.com/office/powerpoint/2010/main" val="1088377756"/>
+      </p:ext>
+    </p:extLst>
+  </p:cSld>
+  <p:clrMapOvr>
+    <a:masterClrMapping/>
+  </p:clrMapOvr>
+</p:sld>
+</file>
+
+<file path=ppt/slides/slide38.xml><?xml version="1.0" encoding="utf-8"?>
+<p:sld xmlns:a="http://schemas.openxmlformats.org/drawingml/2006/main" xmlns:r="http://schemas.openxmlformats.org/officeDocument/2006/relationships" xmlns:p="http://schemas.openxmlformats.org/presentationml/2006/main">
+  <p:cSld>
+    <p:spTree>
+      <p:nvGrpSpPr>
+        <p:cNvPr id="1" name=""/>
+        <p:cNvGrpSpPr/>
+        <p:nvPr/>
+      </p:nvGrpSpPr>
+      <p:grpSpPr>
+        <a:xfrm>
+          <a:off x="0" y="0"/>
+          <a:ext cx="0" cy="0"/>
+          <a:chOff x="0" y="0"/>
+          <a:chExt cx="0" cy="0"/>
+        </a:xfrm>
+      </p:grpSpPr>
+      <p:sp>
+        <p:nvSpPr>
+          <p:cNvPr id="2" name="スライド番号プレースホルダー 1"/>
+          <p:cNvSpPr>
+            <a:spLocks noGrp="1"/>
+          </p:cNvSpPr>
+          <p:nvPr>
+            <p:ph type="sldNum" sz="quarter" idx="12"/>
+          </p:nvPr>
+        </p:nvSpPr>
+        <p:spPr/>
+        <p:txBody>
+          <a:bodyPr>
+            <a:normAutofit fontScale="92500" lnSpcReduction="20000"/>
+          </a:bodyPr>
+          <a:lstStyle/>
+          <a:p>
+            <a:fld id="{5744759D-0EFF-4FB2-9CCE-04E00944F0FE}" type="slidenum">
+              <a:rPr lang="en-US" smtClean="0"/>
+              <a:pPr/>
+              <a:t>38</a:t>
+            </a:fld>
+            <a:endParaRPr lang="en-US"/>
+          </a:p>
+        </p:txBody>
+      </p:sp>
+      <p:sp>
+        <p:nvSpPr>
+          <p:cNvPr id="3" name="タイトル 2"/>
+          <p:cNvSpPr>
+            <a:spLocks noGrp="1"/>
+          </p:cNvSpPr>
+          <p:nvPr>
+            <p:ph type="title"/>
+          </p:nvPr>
+        </p:nvSpPr>
+        <p:spPr/>
+        <p:txBody>
+          <a:bodyPr/>
+          <a:lstStyle/>
+          <a:p>
+            <a:r>
+              <a:rPr kumimoji="1" lang="ja-JP" altLang="en-US" dirty="0" smtClean="0"/>
+              <a:t>結果を確認</a:t>
+            </a:r>
+            <a:endParaRPr kumimoji="1" lang="ja-JP" altLang="en-US" dirty="0"/>
+          </a:p>
+        </p:txBody>
+      </p:sp>
+      <p:sp>
+        <p:nvSpPr>
+          <p:cNvPr id="4" name="コンテンツ プレースホルダー 3"/>
+          <p:cNvSpPr>
+            <a:spLocks noGrp="1"/>
+          </p:cNvSpPr>
+          <p:nvPr>
+            <p:ph sz="quarter" idx="13"/>
+          </p:nvPr>
+        </p:nvSpPr>
+        <p:spPr/>
+        <p:txBody>
+          <a:bodyPr/>
+          <a:lstStyle/>
+          <a:p>
+            <a:r>
+              <a:rPr kumimoji="1" lang="ja-JP" altLang="en-US" dirty="0" smtClean="0"/>
+              <a:t>ブラウザから</a:t>
+            </a:r>
+            <a:r>
+              <a:rPr kumimoji="1" lang="en-US" altLang="ja-JP" dirty="0" smtClean="0"/>
+              <a:t>localhost:3000/</a:t>
+            </a:r>
+            <a:r>
+              <a:rPr kumimoji="1" lang="en-US" altLang="ja-JP" dirty="0" err="1" smtClean="0"/>
+              <a:t>msgboard</a:t>
+            </a:r>
+            <a:r>
+              <a:rPr kumimoji="1" lang="ja-JP" altLang="en-US" dirty="0" smtClean="0"/>
+              <a:t>にアクセスし，先ほど送信した内容が表示されるか確認</a:t>
+            </a:r>
+            <a:endParaRPr kumimoji="1" lang="en-US" altLang="ja-JP" dirty="0" smtClean="0"/>
+          </a:p>
+          <a:p>
+            <a:r>
+              <a:rPr lang="ja-JP" altLang="en-US" dirty="0" smtClean="0"/>
+              <a:t>下部のフォームから新たなデータを追加すると，上部に追加されていくことを確認</a:t>
+            </a:r>
+            <a:endParaRPr lang="en-US" altLang="ja-JP" dirty="0" smtClean="0"/>
+          </a:p>
+          <a:p>
+            <a:r>
+              <a:rPr kumimoji="1" lang="ja-JP" altLang="en-US" dirty="0" smtClean="0">
+                <a:solidFill>
+                  <a:srgbClr val="FF0000"/>
+                </a:solidFill>
+              </a:rPr>
+              <a:t>これで，掲示板が完成！</a:t>
+            </a:r>
+            <a:endParaRPr kumimoji="1" lang="ja-JP" altLang="en-US" dirty="0">
+              <a:solidFill>
+                <a:srgbClr val="FF0000"/>
+              </a:solidFill>
+            </a:endParaRPr>
+          </a:p>
+        </p:txBody>
+      </p:sp>
+    </p:spTree>
+    <p:extLst>
+      <p:ext uri="{BB962C8B-B14F-4D97-AF65-F5344CB8AC3E}">
+        <p14:creationId xmlns:p14="http://schemas.microsoft.com/office/powerpoint/2010/main" val="238976706"/>
+      </p:ext>
+    </p:extLst>
+  </p:cSld>
+  <p:clrMapOvr>
+    <a:masterClrMapping/>
+  </p:clrMapOvr>
+</p:sld>
+</file>
+
+<file path=ppt/slides/slide39.xml><?xml version="1.0" encoding="utf-8"?>
+<p:sld xmlns:a="http://schemas.openxmlformats.org/drawingml/2006/main" xmlns:r="http://schemas.openxmlformats.org/officeDocument/2006/relationships" xmlns:p="http://schemas.openxmlformats.org/presentationml/2006/main">
+  <p:cSld>
+    <p:spTree>
+      <p:nvGrpSpPr>
+        <p:cNvPr id="1" name=""/>
+        <p:cNvGrpSpPr/>
+        <p:nvPr/>
+      </p:nvGrpSpPr>
+      <p:grpSpPr>
+        <a:xfrm>
+          <a:off x="0" y="0"/>
+          <a:ext cx="0" cy="0"/>
+          <a:chOff x="0" y="0"/>
+          <a:chExt cx="0" cy="0"/>
+        </a:xfrm>
+      </p:grpSpPr>
+      <p:sp>
+        <p:nvSpPr>
+          <p:cNvPr id="2" name="スライド番号プレースホルダー 1"/>
+          <p:cNvSpPr>
+            <a:spLocks noGrp="1"/>
+          </p:cNvSpPr>
+          <p:nvPr>
+            <p:ph type="sldNum" sz="quarter" idx="12"/>
+          </p:nvPr>
+        </p:nvSpPr>
+        <p:spPr/>
+        <p:txBody>
+          <a:bodyPr>
+            <a:normAutofit fontScale="92500" lnSpcReduction="20000"/>
+          </a:bodyPr>
+          <a:lstStyle/>
+          <a:p>
+            <a:fld id="{5744759D-0EFF-4FB2-9CCE-04E00944F0FE}" type="slidenum">
+              <a:rPr lang="en-US" smtClean="0"/>
+              <a:pPr/>
+              <a:t>39</a:t>
+            </a:fld>
+            <a:endParaRPr lang="en-US"/>
+          </a:p>
+        </p:txBody>
+      </p:sp>
+      <p:sp>
+        <p:nvSpPr>
+          <p:cNvPr id="3" name="コンテンツ プレースホルダー 3"/>
+          <p:cNvSpPr txBox="1">
+            <a:spLocks/>
+          </p:cNvSpPr>
+          <p:nvPr/>
+        </p:nvSpPr>
+        <p:spPr>
+          <a:xfrm>
+            <a:off x="274320" y="935590"/>
+            <a:ext cx="8595360" cy="4937760"/>
+          </a:xfrm>
+          <a:prstGeom prst="rect">
+            <a:avLst/>
+          </a:prstGeom>
+        </p:spPr>
+        <p:txBody>
+          <a:bodyPr/>
+          <a:lstStyle>
+            <a:lvl1pPr marL="342000" indent="-342000" algn="l" defTabSz="914400" rtl="0" eaLnBrk="1" latinLnBrk="0" hangingPunct="1">
+              <a:spcBef>
+                <a:spcPts val="600"/>
+              </a:spcBef>
+              <a:spcAft>
+                <a:spcPts val="0"/>
+              </a:spcAft>
+              <a:buClr>
+                <a:schemeClr val="accent1"/>
+              </a:buClr>
+              <a:buFont typeface="Wingdings" charset="2"/>
+              <a:buChar char="v"/>
+              <a:defRPr kumimoji="1" sz="2200" b="0" i="0" kern="1200" cap="none" spc="30" baseline="0">
+                <a:solidFill>
+                  <a:schemeClr val="tx2"/>
+                </a:solidFill>
+                <a:latin typeface="ヒラギノ角ゴ Pro W3"/>
+                <a:ea typeface="ヒラギノ角ゴ Pro W3"/>
+                <a:cs typeface="ヒラギノ角ゴ Pro W3"/>
+              </a:defRPr>
+            </a:lvl1pPr>
+            <a:lvl2pPr marL="514800" indent="-342000" algn="l" defTabSz="914400" rtl="0" eaLnBrk="1" latinLnBrk="0" hangingPunct="1">
+              <a:spcBef>
+                <a:spcPts val="600"/>
+              </a:spcBef>
+              <a:buClr>
+                <a:schemeClr val="accent1"/>
+              </a:buClr>
+              <a:buFont typeface="Wingdings" charset="2"/>
+              <a:buChar char="v"/>
+              <a:defRPr kumimoji="1" sz="2000" kern="1200">
+                <a:solidFill>
+                  <a:schemeClr val="tx2"/>
+                </a:solidFill>
+                <a:latin typeface="ヒラギノ角ゴ Pro W3"/>
+                <a:ea typeface="ヒラギノ角ゴ Pro W3"/>
+                <a:cs typeface="ヒラギノ角ゴ Pro W3"/>
+              </a:defRPr>
+            </a:lvl2pPr>
+            <a:lvl3pPr marL="687600" indent="-342000" algn="l" defTabSz="914400" rtl="0" eaLnBrk="1" latinLnBrk="0" hangingPunct="1">
+              <a:spcBef>
+                <a:spcPts val="600"/>
+              </a:spcBef>
+              <a:buClr>
+                <a:schemeClr val="accent1"/>
+              </a:buClr>
+              <a:buFont typeface="Wingdings" charset="2"/>
+              <a:buChar char="v"/>
+              <a:defRPr kumimoji="1" sz="1800" kern="1200">
+                <a:solidFill>
+                  <a:schemeClr val="tx2"/>
+                </a:solidFill>
+                <a:latin typeface="ヒラギノ角ゴ Pro W3"/>
+                <a:ea typeface="ヒラギノ角ゴ Pro W3"/>
+                <a:cs typeface="ヒラギノ角ゴ Pro W3"/>
+              </a:defRPr>
+            </a:lvl3pPr>
+            <a:lvl4pPr marL="860400" indent="-342000" algn="l" defTabSz="914400" rtl="0" eaLnBrk="1" latinLnBrk="0" hangingPunct="1">
+              <a:spcBef>
+                <a:spcPts val="600"/>
+              </a:spcBef>
+              <a:buClr>
+                <a:schemeClr val="accent1"/>
+              </a:buClr>
+              <a:buFont typeface="Wingdings" charset="2"/>
+              <a:buChar char="v"/>
+              <a:defRPr kumimoji="1" sz="1600" kern="1200">
+                <a:solidFill>
+                  <a:schemeClr val="tx2"/>
+                </a:solidFill>
+                <a:latin typeface="ヒラギノ角ゴ Pro W3"/>
+                <a:ea typeface="ヒラギノ角ゴ Pro W3"/>
+                <a:cs typeface="ヒラギノ角ゴ Pro W3"/>
+              </a:defRPr>
+            </a:lvl4pPr>
+            <a:lvl5pPr marL="1033200" indent="-342000" algn="l" defTabSz="914400" rtl="0" eaLnBrk="1" latinLnBrk="0" hangingPunct="1">
+              <a:spcBef>
+                <a:spcPts val="600"/>
+              </a:spcBef>
+              <a:buClr>
+                <a:schemeClr val="accent1"/>
+              </a:buClr>
+              <a:buFont typeface="Wingdings" charset="2"/>
+              <a:buChar char="v"/>
+              <a:defRPr kumimoji="1" sz="1600" kern="1200" baseline="0">
+                <a:solidFill>
+                  <a:schemeClr val="tx2"/>
+                </a:solidFill>
+                <a:latin typeface="ヒラギノ角ゴ Pro W3"/>
+                <a:ea typeface="ヒラギノ角ゴ Pro W3"/>
+                <a:cs typeface="ヒラギノ角ゴ Pro W3"/>
+              </a:defRPr>
+            </a:lvl5pPr>
+            <a:lvl6pPr marL="1051560" indent="-173736" algn="l" defTabSz="914400" rtl="0" eaLnBrk="1" latinLnBrk="0" hangingPunct="1">
+              <a:spcBef>
+                <a:spcPct val="20000"/>
+              </a:spcBef>
+              <a:buClr>
+                <a:schemeClr val="accent1"/>
+              </a:buClr>
+              <a:buFont typeface="Arial" pitchFamily="34" charset="0"/>
+              <a:buChar char="•"/>
+              <a:defRPr kumimoji="1" sz="1400" kern="1200">
+                <a:solidFill>
+                  <a:schemeClr val="tx2"/>
+                </a:solidFill>
+                <a:latin typeface="+mn-lt"/>
+                <a:ea typeface="+mn-ea"/>
+                <a:cs typeface="+mn-cs"/>
+              </a:defRPr>
+            </a:lvl6pPr>
+            <a:lvl7pPr marL="1234440" indent="-173736" algn="l" defTabSz="914400" rtl="0" eaLnBrk="1" latinLnBrk="0" hangingPunct="1">
+              <a:spcBef>
+                <a:spcPct val="20000"/>
+              </a:spcBef>
+              <a:buClr>
+                <a:schemeClr val="accent1"/>
+              </a:buClr>
+              <a:buFont typeface="Arial" pitchFamily="34" charset="0"/>
+              <a:buChar char="•"/>
+              <a:defRPr kumimoji="1" sz="1400" kern="1200">
+                <a:solidFill>
+                  <a:schemeClr val="tx2"/>
+                </a:solidFill>
+                <a:latin typeface="+mn-lt"/>
+                <a:ea typeface="+mn-ea"/>
+                <a:cs typeface="+mn-cs"/>
+              </a:defRPr>
+            </a:lvl7pPr>
+            <a:lvl8pPr marL="1417320" indent="-173736" algn="l" defTabSz="914400" rtl="0" eaLnBrk="1" latinLnBrk="0" hangingPunct="1">
+              <a:spcBef>
+                <a:spcPct val="20000"/>
+              </a:spcBef>
+              <a:buClr>
+                <a:schemeClr val="accent1"/>
+              </a:buClr>
+              <a:buFont typeface="Arial" pitchFamily="34" charset="0"/>
+              <a:buChar char="•"/>
+              <a:defRPr kumimoji="1" sz="1400" kern="1200">
+                <a:solidFill>
+                  <a:schemeClr val="tx2"/>
+                </a:solidFill>
+                <a:latin typeface="+mn-lt"/>
+                <a:ea typeface="+mn-ea"/>
+                <a:cs typeface="+mn-cs"/>
+              </a:defRPr>
+            </a:lvl8pPr>
+            <a:lvl9pPr marL="1600200" indent="-173736" algn="l" defTabSz="914400" rtl="0" eaLnBrk="1" latinLnBrk="0" hangingPunct="1">
+              <a:spcBef>
+                <a:spcPct val="20000"/>
+              </a:spcBef>
+              <a:buClr>
+                <a:schemeClr val="accent1"/>
+              </a:buClr>
+              <a:buFont typeface="Arial" pitchFamily="34" charset="0"/>
+              <a:buChar char="•"/>
+              <a:defRPr kumimoji="1" sz="1400" kern="1200">
+                <a:solidFill>
+                  <a:schemeClr val="tx2"/>
+                </a:solidFill>
+                <a:latin typeface="+mn-lt"/>
+                <a:ea typeface="+mn-ea"/>
+                <a:cs typeface="+mn-cs"/>
+              </a:defRPr>
+            </a:lvl9pPr>
+          </a:lstStyle>
+          <a:p>
+            <a:pPr marL="0" indent="0" algn="ctr">
+              <a:buNone/>
+            </a:pPr>
+            <a:endParaRPr lang="en-US" altLang="ja-JP" sz="5400" dirty="0" smtClean="0"/>
+          </a:p>
+          <a:p>
+            <a:pPr marL="0" indent="0" algn="ctr">
+              <a:buNone/>
+            </a:pPr>
+            <a:endParaRPr lang="en-US" altLang="ja-JP" sz="5400" dirty="0"/>
+          </a:p>
+          <a:p>
+            <a:pPr marL="0" indent="0" algn="ctr">
+              <a:buNone/>
+            </a:pPr>
+            <a:r>
+              <a:rPr lang="ja-JP" altLang="en-US" sz="5400" dirty="0" smtClean="0"/>
+              <a:t>ありがとうございました！</a:t>
+            </a:r>
+            <a:endParaRPr lang="ja-JP" altLang="en-US" sz="5400" dirty="0"/>
+          </a:p>
+        </p:txBody>
+      </p:sp>
+    </p:spTree>
+    <p:extLst>
+      <p:ext uri="{BB962C8B-B14F-4D97-AF65-F5344CB8AC3E}">
+        <p14:creationId xmlns:p14="http://schemas.microsoft.com/office/powerpoint/2010/main" val="968896692"/>
       </p:ext>
     </p:extLst>
   </p:cSld>
@@ -28965,22 +30855,277 @@
           </a:p>
         </p:txBody>
       </p:sp>
-      <p:sp>
-        <p:nvSpPr>
-          <p:cNvPr id="4" name="コンテンツ プレースホルダー 3"/>
-          <p:cNvSpPr>
-            <a:spLocks noGrp="1"/>
-          </p:cNvSpPr>
+      <p:pic>
+        <p:nvPicPr>
+          <p:cNvPr id="5" name="コンテンツ プレースホルダー 4" descr="スクリーンショット 2014-12-04 12.44.29.png"/>
+          <p:cNvPicPr>
+            <a:picLocks noGrp="1" noChangeAspect="1"/>
+          </p:cNvPicPr>
           <p:nvPr>
             <p:ph sz="quarter" idx="13"/>
           </p:nvPr>
+        </p:nvPicPr>
+        <p:blipFill>
+          <a:blip r:embed="rId2">
+            <a:extLst>
+              <a:ext uri="{28A0092B-C50C-407E-A947-70E740481C1C}">
+                <a14:useLocalDpi xmlns:a14="http://schemas.microsoft.com/office/drawing/2010/main" val="0"/>
+              </a:ext>
+            </a:extLst>
+          </a:blip>
+          <a:srcRect l="-6574" r="-6574"/>
+          <a:stretch>
+            <a:fillRect/>
+          </a:stretch>
+        </p:blipFill>
+        <p:spPr>
+          <a:xfrm>
+            <a:off x="1695699" y="2944911"/>
+            <a:ext cx="5781308" cy="3321177"/>
+          </a:xfrm>
+        </p:spPr>
+      </p:pic>
+      <p:sp>
+        <p:nvSpPr>
+          <p:cNvPr id="6" name="コンテンツ プレースホルダー 3"/>
+          <p:cNvSpPr txBox="1">
+            <a:spLocks/>
+          </p:cNvSpPr>
+          <p:nvPr/>
         </p:nvSpPr>
-        <p:spPr/>
+        <p:spPr>
+          <a:xfrm>
+            <a:off x="274320" y="1298448"/>
+            <a:ext cx="8595360" cy="4937760"/>
+          </a:xfrm>
+          <a:prstGeom prst="rect">
+            <a:avLst/>
+          </a:prstGeom>
+        </p:spPr>
         <p:txBody>
-          <a:bodyPr/>
-          <a:lstStyle/>
-          <a:p>
-            <a:endParaRPr kumimoji="1" lang="ja-JP" altLang="en-US"/>
+          <a:bodyPr vert="horz" lIns="91440" tIns="45720" rIns="91440" bIns="45720" rtlCol="0">
+            <a:normAutofit/>
+          </a:bodyPr>
+          <a:lstStyle>
+            <a:lvl1pPr marL="342000" indent="-342000" algn="l" defTabSz="914400" rtl="0" eaLnBrk="1" latinLnBrk="0" hangingPunct="1">
+              <a:spcBef>
+                <a:spcPts val="600"/>
+              </a:spcBef>
+              <a:spcAft>
+                <a:spcPts val="0"/>
+              </a:spcAft>
+              <a:buClr>
+                <a:schemeClr val="accent1"/>
+              </a:buClr>
+              <a:buFont typeface="Wingdings" charset="2"/>
+              <a:buChar char="v"/>
+              <a:defRPr kumimoji="1" sz="2200" b="0" i="0" kern="1200" cap="none" spc="30" baseline="0">
+                <a:solidFill>
+                  <a:schemeClr val="tx2"/>
+                </a:solidFill>
+                <a:latin typeface="ヒラギノ角ゴ Pro W3"/>
+                <a:ea typeface="ヒラギノ角ゴ Pro W3"/>
+                <a:cs typeface="ヒラギノ角ゴ Pro W3"/>
+              </a:defRPr>
+            </a:lvl1pPr>
+            <a:lvl2pPr marL="514800" indent="-342000" algn="l" defTabSz="914400" rtl="0" eaLnBrk="1" latinLnBrk="0" hangingPunct="1">
+              <a:spcBef>
+                <a:spcPts val="600"/>
+              </a:spcBef>
+              <a:buClr>
+                <a:schemeClr val="accent1"/>
+              </a:buClr>
+              <a:buFont typeface="Wingdings" charset="2"/>
+              <a:buChar char="v"/>
+              <a:defRPr kumimoji="1" sz="2000" kern="1200">
+                <a:solidFill>
+                  <a:schemeClr val="tx2"/>
+                </a:solidFill>
+                <a:latin typeface="ヒラギノ角ゴ Pro W3"/>
+                <a:ea typeface="ヒラギノ角ゴ Pro W3"/>
+                <a:cs typeface="ヒラギノ角ゴ Pro W3"/>
+              </a:defRPr>
+            </a:lvl2pPr>
+            <a:lvl3pPr marL="687600" indent="-342000" algn="l" defTabSz="914400" rtl="0" eaLnBrk="1" latinLnBrk="0" hangingPunct="1">
+              <a:spcBef>
+                <a:spcPts val="600"/>
+              </a:spcBef>
+              <a:buClr>
+                <a:schemeClr val="accent1"/>
+              </a:buClr>
+              <a:buFont typeface="Wingdings" charset="2"/>
+              <a:buChar char="v"/>
+              <a:defRPr kumimoji="1" sz="1800" kern="1200">
+                <a:solidFill>
+                  <a:schemeClr val="tx2"/>
+                </a:solidFill>
+                <a:latin typeface="ヒラギノ角ゴ Pro W3"/>
+                <a:ea typeface="ヒラギノ角ゴ Pro W3"/>
+                <a:cs typeface="ヒラギノ角ゴ Pro W3"/>
+              </a:defRPr>
+            </a:lvl3pPr>
+            <a:lvl4pPr marL="860400" indent="-342000" algn="l" defTabSz="914400" rtl="0" eaLnBrk="1" latinLnBrk="0" hangingPunct="1">
+              <a:spcBef>
+                <a:spcPts val="600"/>
+              </a:spcBef>
+              <a:buClr>
+                <a:schemeClr val="accent1"/>
+              </a:buClr>
+              <a:buFont typeface="Wingdings" charset="2"/>
+              <a:buChar char="v"/>
+              <a:defRPr kumimoji="1" sz="1600" kern="1200">
+                <a:solidFill>
+                  <a:schemeClr val="tx2"/>
+                </a:solidFill>
+                <a:latin typeface="ヒラギノ角ゴ Pro W3"/>
+                <a:ea typeface="ヒラギノ角ゴ Pro W3"/>
+                <a:cs typeface="ヒラギノ角ゴ Pro W3"/>
+              </a:defRPr>
+            </a:lvl4pPr>
+            <a:lvl5pPr marL="1033200" indent="-342000" algn="l" defTabSz="914400" rtl="0" eaLnBrk="1" latinLnBrk="0" hangingPunct="1">
+              <a:spcBef>
+                <a:spcPts val="600"/>
+              </a:spcBef>
+              <a:buClr>
+                <a:schemeClr val="accent1"/>
+              </a:buClr>
+              <a:buFont typeface="Wingdings" charset="2"/>
+              <a:buChar char="v"/>
+              <a:defRPr kumimoji="1" sz="1600" kern="1200" baseline="0">
+                <a:solidFill>
+                  <a:schemeClr val="tx2"/>
+                </a:solidFill>
+                <a:latin typeface="ヒラギノ角ゴ Pro W3"/>
+                <a:ea typeface="ヒラギノ角ゴ Pro W3"/>
+                <a:cs typeface="ヒラギノ角ゴ Pro W3"/>
+              </a:defRPr>
+            </a:lvl5pPr>
+            <a:lvl6pPr marL="1051560" indent="-173736" algn="l" defTabSz="914400" rtl="0" eaLnBrk="1" latinLnBrk="0" hangingPunct="1">
+              <a:spcBef>
+                <a:spcPct val="20000"/>
+              </a:spcBef>
+              <a:buClr>
+                <a:schemeClr val="accent1"/>
+              </a:buClr>
+              <a:buFont typeface="Arial" pitchFamily="34" charset="0"/>
+              <a:buChar char="•"/>
+              <a:defRPr kumimoji="1" sz="1400" kern="1200">
+                <a:solidFill>
+                  <a:schemeClr val="tx2"/>
+                </a:solidFill>
+                <a:latin typeface="+mn-lt"/>
+                <a:ea typeface="+mn-ea"/>
+                <a:cs typeface="+mn-cs"/>
+              </a:defRPr>
+            </a:lvl6pPr>
+            <a:lvl7pPr marL="1234440" indent="-173736" algn="l" defTabSz="914400" rtl="0" eaLnBrk="1" latinLnBrk="0" hangingPunct="1">
+              <a:spcBef>
+                <a:spcPct val="20000"/>
+              </a:spcBef>
+              <a:buClr>
+                <a:schemeClr val="accent1"/>
+              </a:buClr>
+              <a:buFont typeface="Arial" pitchFamily="34" charset="0"/>
+              <a:buChar char="•"/>
+              <a:defRPr kumimoji="1" sz="1400" kern="1200">
+                <a:solidFill>
+                  <a:schemeClr val="tx2"/>
+                </a:solidFill>
+                <a:latin typeface="+mn-lt"/>
+                <a:ea typeface="+mn-ea"/>
+                <a:cs typeface="+mn-cs"/>
+              </a:defRPr>
+            </a:lvl7pPr>
+            <a:lvl8pPr marL="1417320" indent="-173736" algn="l" defTabSz="914400" rtl="0" eaLnBrk="1" latinLnBrk="0" hangingPunct="1">
+              <a:spcBef>
+                <a:spcPct val="20000"/>
+              </a:spcBef>
+              <a:buClr>
+                <a:schemeClr val="accent1"/>
+              </a:buClr>
+              <a:buFont typeface="Arial" pitchFamily="34" charset="0"/>
+              <a:buChar char="•"/>
+              <a:defRPr kumimoji="1" sz="1400" kern="1200">
+                <a:solidFill>
+                  <a:schemeClr val="tx2"/>
+                </a:solidFill>
+                <a:latin typeface="+mn-lt"/>
+                <a:ea typeface="+mn-ea"/>
+                <a:cs typeface="+mn-cs"/>
+              </a:defRPr>
+            </a:lvl8pPr>
+            <a:lvl9pPr marL="1600200" indent="-173736" algn="l" defTabSz="914400" rtl="0" eaLnBrk="1" latinLnBrk="0" hangingPunct="1">
+              <a:spcBef>
+                <a:spcPct val="20000"/>
+              </a:spcBef>
+              <a:buClr>
+                <a:schemeClr val="accent1"/>
+              </a:buClr>
+              <a:buFont typeface="Arial" pitchFamily="34" charset="0"/>
+              <a:buChar char="•"/>
+              <a:defRPr kumimoji="1" sz="1400" kern="1200">
+                <a:solidFill>
+                  <a:schemeClr val="tx2"/>
+                </a:solidFill>
+                <a:latin typeface="+mn-lt"/>
+                <a:ea typeface="+mn-ea"/>
+                <a:cs typeface="+mn-cs"/>
+              </a:defRPr>
+            </a:lvl9pPr>
+          </a:lstStyle>
+          <a:p>
+            <a:pPr marL="457200" indent="-457200">
+              <a:buFont typeface="+mj-lt"/>
+              <a:buAutoNum type="arabicPeriod"/>
+            </a:pPr>
+            <a:r>
+              <a:rPr lang="en-US" altLang="ja-JP" dirty="0"/>
+              <a:t>https://</a:t>
+            </a:r>
+            <a:r>
+              <a:rPr lang="en-US" altLang="ja-JP" dirty="0" err="1"/>
+              <a:t>github.com</a:t>
+            </a:r>
+            <a:r>
+              <a:rPr lang="en-US" altLang="ja-JP" dirty="0"/>
+              <a:t>/</a:t>
+            </a:r>
+            <a:r>
+              <a:rPr lang="en-US" altLang="ja-JP" dirty="0" err="1"/>
+              <a:t>ippei-takahashi</a:t>
+            </a:r>
+            <a:r>
+              <a:rPr lang="en-US" altLang="ja-JP" dirty="0"/>
+              <a:t>/</a:t>
+            </a:r>
+            <a:r>
+              <a:rPr lang="en-US" altLang="ja-JP" dirty="0" smtClean="0"/>
+              <a:t>paak_2014_12_05</a:t>
+            </a:r>
+            <a:r>
+              <a:rPr lang="ja-JP" altLang="en-US" dirty="0" smtClean="0"/>
+              <a:t>にアクセス</a:t>
+            </a:r>
+            <a:endParaRPr lang="en-US" altLang="ja-JP" dirty="0" smtClean="0"/>
+          </a:p>
+          <a:p>
+            <a:pPr marL="457200" indent="-457200">
+              <a:buFont typeface="+mj-lt"/>
+              <a:buAutoNum type="arabicPeriod"/>
+            </a:pPr>
+            <a:r>
+              <a:rPr lang="ja-JP" altLang="en-US" dirty="0" smtClean="0"/>
+              <a:t>右下のほうにある</a:t>
+            </a:r>
+            <a:r>
+              <a:rPr lang="en-US" altLang="ja-JP" dirty="0" smtClean="0"/>
+              <a:t>Download ZIP</a:t>
+            </a:r>
+            <a:r>
+              <a:rPr lang="ja-JP" altLang="en-US" dirty="0" smtClean="0"/>
+              <a:t>をクリックすればダウンロードできる</a:t>
+            </a:r>
+            <a:endParaRPr lang="ja-JP" altLang="en-US" dirty="0"/>
           </a:p>
         </p:txBody>
       </p:sp>
@@ -29773,8 +31918,12 @@
           <a:lstStyle/>
           <a:p>
             <a:r>
+              <a:rPr lang="ja-JP" altLang="en-US" dirty="0" smtClean="0"/>
+              <a:t>下</a:t>
+            </a:r>
+            <a:r>
               <a:rPr kumimoji="1" lang="ja-JP" altLang="en-US" dirty="0" smtClean="0"/>
-              <a:t>ログを出すための準備</a:t>
+              <a:t>準備</a:t>
             </a:r>
             <a:endParaRPr kumimoji="1" lang="ja-JP" altLang="en-US" dirty="0"/>
           </a:p>
@@ -30013,7 +32162,11 @@
             </a:r>
             <a:r>
               <a:rPr lang="ja-JP" altLang="en-US" dirty="0" smtClean="0"/>
-              <a:t>に，</a:t>
+              <a:t>をクリックし</a:t>
+            </a:r>
+            <a:r>
+              <a:rPr lang="ja-JP" altLang="en-US" dirty="0" smtClean="0"/>
+              <a:t>，</a:t>
             </a:r>
             <a:endParaRPr lang="en-US" altLang="ja-JP" dirty="0" smtClean="0"/>
           </a:p>
@@ -30047,7 +32200,19 @@
             </a:pPr>
             <a:r>
               <a:rPr lang="ja-JP" altLang="en-US" dirty="0" smtClean="0"/>
-              <a:t>を追加して「＋」ボタンをクリック</a:t>
+              <a:t>を</a:t>
+            </a:r>
+            <a:r>
+              <a:rPr lang="ja-JP" altLang="en-US" dirty="0" smtClean="0"/>
+              <a:t>追記</a:t>
+            </a:r>
+            <a:r>
+              <a:rPr lang="ja-JP" altLang="en-US" dirty="0" smtClean="0"/>
+              <a:t>して</a:t>
+            </a:r>
+            <a:r>
+              <a:rPr lang="ja-JP" altLang="en-US" dirty="0" smtClean="0"/>
+              <a:t>「＋」ボタンをクリック</a:t>
             </a:r>
             <a:endParaRPr lang="ja-JP" altLang="en-US" dirty="0"/>
           </a:p>
@@ -30125,12 +32290,12 @@
           <a:lstStyle/>
           <a:p>
             <a:r>
-              <a:rPr kumimoji="1" lang="en-US" altLang="ja-JP" dirty="0" err="1" smtClean="0"/>
-              <a:t>Node.js</a:t>
+              <a:rPr kumimoji="1" lang="en-US" altLang="ja-JP" dirty="0" smtClean="0"/>
+              <a:t>JavaScript</a:t>
             </a:r>
             <a:r>
               <a:rPr kumimoji="1" lang="ja-JP" altLang="en-US" dirty="0" smtClean="0"/>
-              <a:t>とは</a:t>
+              <a:t>の文法</a:t>
             </a:r>
             <a:endParaRPr kumimoji="1" lang="ja-JP" altLang="en-US" dirty="0"/>
           </a:p>
@@ -30152,57 +32317,12 @@
           <a:lstStyle/>
           <a:p>
             <a:r>
+              <a:rPr kumimoji="1" lang="en-US" altLang="ja-JP" dirty="0" smtClean="0"/>
+              <a:t>JS</a:t>
+            </a:r>
+            <a:r>
               <a:rPr kumimoji="1" lang="ja-JP" altLang="en-US" dirty="0" smtClean="0"/>
-              <a:t>サーバサイドで動く</a:t>
-            </a:r>
-            <a:r>
-              <a:rPr kumimoji="1" lang="en-US" altLang="ja-JP" dirty="0" smtClean="0"/>
-              <a:t>JavaScript</a:t>
-            </a:r>
-            <a:r>
-              <a:rPr kumimoji="1" lang="ja-JP" altLang="en-US" dirty="0" smtClean="0"/>
-              <a:t>環境</a:t>
-            </a:r>
-            <a:endParaRPr kumimoji="1" lang="en-US" altLang="ja-JP" dirty="0" smtClean="0"/>
-          </a:p>
-          <a:p>
-            <a:r>
-              <a:rPr lang="ja-JP" altLang="en-US" dirty="0" smtClean="0"/>
-              <a:t>導入は比較的簡単</a:t>
-            </a:r>
-            <a:endParaRPr lang="en-US" altLang="ja-JP" dirty="0" smtClean="0"/>
-          </a:p>
-          <a:p>
-            <a:pPr lvl="1"/>
-            <a:r>
-              <a:rPr kumimoji="1" lang="en-US" altLang="ja-JP" dirty="0" smtClean="0"/>
-              <a:t>JavaScript</a:t>
-            </a:r>
-            <a:r>
-              <a:rPr kumimoji="1" lang="ja-JP" altLang="en-US" dirty="0" smtClean="0"/>
-              <a:t>なので，学習コストも低い</a:t>
-            </a:r>
-            <a:endParaRPr kumimoji="1" lang="en-US" altLang="ja-JP" dirty="0" smtClean="0"/>
-          </a:p>
-          <a:p>
-            <a:r>
-              <a:rPr lang="ja-JP" altLang="en-US" dirty="0" smtClean="0"/>
-              <a:t>たくさんのリクエストを処理するのが得意</a:t>
-            </a:r>
-            <a:endParaRPr lang="en-US" altLang="ja-JP" dirty="0" smtClean="0"/>
-          </a:p>
-          <a:p>
-            <a:pPr lvl="1"/>
-            <a:r>
-              <a:rPr kumimoji="1" lang="ja-JP" altLang="en-US" dirty="0" smtClean="0"/>
-              <a:t>チャットやメッセンジャーのようなサービスには適任</a:t>
-            </a:r>
-            <a:endParaRPr kumimoji="1" lang="en-US" altLang="ja-JP" dirty="0" smtClean="0"/>
-          </a:p>
-          <a:p>
-            <a:r>
-              <a:rPr kumimoji="1" lang="ja-JP" altLang="en-US" dirty="0" smtClean="0"/>
-              <a:t>重い計算処理は苦手</a:t>
+              <a:t>を動かす準備ができたので，早速文法を学んでみよう！</a:t>
             </a:r>
             <a:endParaRPr kumimoji="1" lang="ja-JP" altLang="en-US" dirty="0"/>
           </a:p>
@@ -30211,7 +32331,7 @@
     </p:spTree>
     <p:extLst>
       <p:ext uri="{BB962C8B-B14F-4D97-AF65-F5344CB8AC3E}">
-        <p14:creationId xmlns:p14="http://schemas.microsoft.com/office/powerpoint/2010/main" val="1153243270"/>
+        <p14:creationId xmlns:p14="http://schemas.microsoft.com/office/powerpoint/2010/main" val="2885929268"/>
       </p:ext>
     </p:extLst>
   </p:cSld>

--- a/ippnin_20141205.pptx
+++ b/ippnin_20141205.pptx
@@ -5,10 +5,10 @@
     <p:sldMasterId id="2147483915" r:id="rId1"/>
   </p:sldMasterIdLst>
   <p:notesMasterIdLst>
-    <p:notesMasterId r:id="rId41"/>
+    <p:notesMasterId r:id="rId44"/>
   </p:notesMasterIdLst>
   <p:handoutMasterIdLst>
-    <p:handoutMasterId r:id="rId42"/>
+    <p:handoutMasterId r:id="rId45"/>
   </p:handoutMasterIdLst>
   <p:sldIdLst>
     <p:sldId id="256" r:id="rId2"/>
@@ -49,7 +49,10 @@
     <p:sldId id="315" r:id="rId37"/>
     <p:sldId id="312" r:id="rId38"/>
     <p:sldId id="314" r:id="rId39"/>
-    <p:sldId id="311" r:id="rId40"/>
+    <p:sldId id="316" r:id="rId40"/>
+    <p:sldId id="317" r:id="rId41"/>
+    <p:sldId id="311" r:id="rId42"/>
+    <p:sldId id="318" r:id="rId43"/>
   </p:sldIdLst>
   <p:sldSz cx="9144000" cy="6858000" type="screen4x3"/>
   <p:notesSz cx="6858000" cy="9144000"/>
@@ -30564,218 +30567,92 @@
       </p:sp>
       <p:sp>
         <p:nvSpPr>
-          <p:cNvPr id="3" name="コンテンツ プレースホルダー 3"/>
-          <p:cNvSpPr txBox="1">
-            <a:spLocks/>
+          <p:cNvPr id="3" name="タイトル 2"/>
+          <p:cNvSpPr>
+            <a:spLocks noGrp="1"/>
           </p:cNvSpPr>
-          <p:nvPr/>
+          <p:nvPr>
+            <p:ph type="title"/>
+          </p:nvPr>
         </p:nvSpPr>
-        <p:spPr>
-          <a:xfrm>
-            <a:off x="274320" y="935590"/>
-            <a:ext cx="8595360" cy="4937760"/>
-          </a:xfrm>
-          <a:prstGeom prst="rect">
-            <a:avLst/>
-          </a:prstGeom>
-        </p:spPr>
+        <p:spPr/>
         <p:txBody>
           <a:bodyPr/>
-          <a:lstStyle>
-            <a:lvl1pPr marL="342000" indent="-342000" algn="l" defTabSz="914400" rtl="0" eaLnBrk="1" latinLnBrk="0" hangingPunct="1">
-              <a:spcBef>
-                <a:spcPts val="600"/>
-              </a:spcBef>
-              <a:spcAft>
-                <a:spcPts val="0"/>
-              </a:spcAft>
-              <a:buClr>
-                <a:schemeClr val="accent1"/>
-              </a:buClr>
-              <a:buFont typeface="Wingdings" charset="2"/>
-              <a:buChar char="v"/>
-              <a:defRPr kumimoji="1" sz="2200" b="0" i="0" kern="1200" cap="none" spc="30" baseline="0">
-                <a:solidFill>
-                  <a:schemeClr val="tx2"/>
-                </a:solidFill>
-                <a:latin typeface="ヒラギノ角ゴ Pro W3"/>
-                <a:ea typeface="ヒラギノ角ゴ Pro W3"/>
-                <a:cs typeface="ヒラギノ角ゴ Pro W3"/>
-              </a:defRPr>
-            </a:lvl1pPr>
-            <a:lvl2pPr marL="514800" indent="-342000" algn="l" defTabSz="914400" rtl="0" eaLnBrk="1" latinLnBrk="0" hangingPunct="1">
-              <a:spcBef>
-                <a:spcPts val="600"/>
-              </a:spcBef>
-              <a:buClr>
-                <a:schemeClr val="accent1"/>
-              </a:buClr>
-              <a:buFont typeface="Wingdings" charset="2"/>
-              <a:buChar char="v"/>
-              <a:defRPr kumimoji="1" sz="2000" kern="1200">
-                <a:solidFill>
-                  <a:schemeClr val="tx2"/>
-                </a:solidFill>
-                <a:latin typeface="ヒラギノ角ゴ Pro W3"/>
-                <a:ea typeface="ヒラギノ角ゴ Pro W3"/>
-                <a:cs typeface="ヒラギノ角ゴ Pro W3"/>
-              </a:defRPr>
-            </a:lvl2pPr>
-            <a:lvl3pPr marL="687600" indent="-342000" algn="l" defTabSz="914400" rtl="0" eaLnBrk="1" latinLnBrk="0" hangingPunct="1">
-              <a:spcBef>
-                <a:spcPts val="600"/>
-              </a:spcBef>
-              <a:buClr>
-                <a:schemeClr val="accent1"/>
-              </a:buClr>
-              <a:buFont typeface="Wingdings" charset="2"/>
-              <a:buChar char="v"/>
-              <a:defRPr kumimoji="1" sz="1800" kern="1200">
-                <a:solidFill>
-                  <a:schemeClr val="tx2"/>
-                </a:solidFill>
-                <a:latin typeface="ヒラギノ角ゴ Pro W3"/>
-                <a:ea typeface="ヒラギノ角ゴ Pro W3"/>
-                <a:cs typeface="ヒラギノ角ゴ Pro W3"/>
-              </a:defRPr>
-            </a:lvl3pPr>
-            <a:lvl4pPr marL="860400" indent="-342000" algn="l" defTabSz="914400" rtl="0" eaLnBrk="1" latinLnBrk="0" hangingPunct="1">
-              <a:spcBef>
-                <a:spcPts val="600"/>
-              </a:spcBef>
-              <a:buClr>
-                <a:schemeClr val="accent1"/>
-              </a:buClr>
-              <a:buFont typeface="Wingdings" charset="2"/>
-              <a:buChar char="v"/>
-              <a:defRPr kumimoji="1" sz="1600" kern="1200">
-                <a:solidFill>
-                  <a:schemeClr val="tx2"/>
-                </a:solidFill>
-                <a:latin typeface="ヒラギノ角ゴ Pro W3"/>
-                <a:ea typeface="ヒラギノ角ゴ Pro W3"/>
-                <a:cs typeface="ヒラギノ角ゴ Pro W3"/>
-              </a:defRPr>
-            </a:lvl4pPr>
-            <a:lvl5pPr marL="1033200" indent="-342000" algn="l" defTabSz="914400" rtl="0" eaLnBrk="1" latinLnBrk="0" hangingPunct="1">
-              <a:spcBef>
-                <a:spcPts val="600"/>
-              </a:spcBef>
-              <a:buClr>
-                <a:schemeClr val="accent1"/>
-              </a:buClr>
-              <a:buFont typeface="Wingdings" charset="2"/>
-              <a:buChar char="v"/>
-              <a:defRPr kumimoji="1" sz="1600" kern="1200" baseline="0">
-                <a:solidFill>
-                  <a:schemeClr val="tx2"/>
-                </a:solidFill>
-                <a:latin typeface="ヒラギノ角ゴ Pro W3"/>
-                <a:ea typeface="ヒラギノ角ゴ Pro W3"/>
-                <a:cs typeface="ヒラギノ角ゴ Pro W3"/>
-              </a:defRPr>
-            </a:lvl5pPr>
-            <a:lvl6pPr marL="1051560" indent="-173736" algn="l" defTabSz="914400" rtl="0" eaLnBrk="1" latinLnBrk="0" hangingPunct="1">
-              <a:spcBef>
-                <a:spcPct val="20000"/>
-              </a:spcBef>
-              <a:buClr>
-                <a:schemeClr val="accent1"/>
-              </a:buClr>
-              <a:buFont typeface="Arial" pitchFamily="34" charset="0"/>
-              <a:buChar char="•"/>
-              <a:defRPr kumimoji="1" sz="1400" kern="1200">
-                <a:solidFill>
-                  <a:schemeClr val="tx2"/>
-                </a:solidFill>
-                <a:latin typeface="+mn-lt"/>
-                <a:ea typeface="+mn-ea"/>
-                <a:cs typeface="+mn-cs"/>
-              </a:defRPr>
-            </a:lvl6pPr>
-            <a:lvl7pPr marL="1234440" indent="-173736" algn="l" defTabSz="914400" rtl="0" eaLnBrk="1" latinLnBrk="0" hangingPunct="1">
-              <a:spcBef>
-                <a:spcPct val="20000"/>
-              </a:spcBef>
-              <a:buClr>
-                <a:schemeClr val="accent1"/>
-              </a:buClr>
-              <a:buFont typeface="Arial" pitchFamily="34" charset="0"/>
-              <a:buChar char="•"/>
-              <a:defRPr kumimoji="1" sz="1400" kern="1200">
-                <a:solidFill>
-                  <a:schemeClr val="tx2"/>
-                </a:solidFill>
-                <a:latin typeface="+mn-lt"/>
-                <a:ea typeface="+mn-ea"/>
-                <a:cs typeface="+mn-cs"/>
-              </a:defRPr>
-            </a:lvl7pPr>
-            <a:lvl8pPr marL="1417320" indent="-173736" algn="l" defTabSz="914400" rtl="0" eaLnBrk="1" latinLnBrk="0" hangingPunct="1">
-              <a:spcBef>
-                <a:spcPct val="20000"/>
-              </a:spcBef>
-              <a:buClr>
-                <a:schemeClr val="accent1"/>
-              </a:buClr>
-              <a:buFont typeface="Arial" pitchFamily="34" charset="0"/>
-              <a:buChar char="•"/>
-              <a:defRPr kumimoji="1" sz="1400" kern="1200">
-                <a:solidFill>
-                  <a:schemeClr val="tx2"/>
-                </a:solidFill>
-                <a:latin typeface="+mn-lt"/>
-                <a:ea typeface="+mn-ea"/>
-                <a:cs typeface="+mn-cs"/>
-              </a:defRPr>
-            </a:lvl8pPr>
-            <a:lvl9pPr marL="1600200" indent="-173736" algn="l" defTabSz="914400" rtl="0" eaLnBrk="1" latinLnBrk="0" hangingPunct="1">
-              <a:spcBef>
-                <a:spcPct val="20000"/>
-              </a:spcBef>
-              <a:buClr>
-                <a:schemeClr val="accent1"/>
-              </a:buClr>
-              <a:buFont typeface="Arial" pitchFamily="34" charset="0"/>
-              <a:buChar char="•"/>
-              <a:defRPr kumimoji="1" sz="1400" kern="1200">
-                <a:solidFill>
-                  <a:schemeClr val="tx2"/>
-                </a:solidFill>
-                <a:latin typeface="+mn-lt"/>
-                <a:ea typeface="+mn-ea"/>
-                <a:cs typeface="+mn-cs"/>
-              </a:defRPr>
-            </a:lvl9pPr>
-          </a:lstStyle>
-          <a:p>
-            <a:pPr marL="0" indent="0" algn="ctr">
-              <a:buNone/>
-            </a:pPr>
-            <a:endParaRPr lang="en-US" altLang="ja-JP" sz="5400" dirty="0" smtClean="0"/>
-          </a:p>
-          <a:p>
-            <a:pPr marL="0" indent="0" algn="ctr">
-              <a:buNone/>
-            </a:pPr>
-            <a:endParaRPr lang="en-US" altLang="ja-JP" sz="5400" dirty="0"/>
-          </a:p>
-          <a:p>
-            <a:pPr marL="0" indent="0" algn="ctr">
-              <a:buNone/>
-            </a:pPr>
-            <a:r>
-              <a:rPr lang="ja-JP" altLang="en-US" sz="5400" dirty="0" smtClean="0"/>
-              <a:t>ありがとうございました！</a:t>
-            </a:r>
-            <a:endParaRPr lang="ja-JP" altLang="en-US" sz="5400" dirty="0"/>
+          <a:lstStyle/>
+          <a:p>
+            <a:r>
+              <a:rPr kumimoji="1" lang="en-US" altLang="ja-JP" dirty="0" smtClean="0"/>
+              <a:t>Web</a:t>
+            </a:r>
+            <a:r>
+              <a:rPr kumimoji="1" lang="ja-JP" altLang="en-US" dirty="0" smtClean="0"/>
+              <a:t>アプリの別の作り方</a:t>
+            </a:r>
+            <a:endParaRPr kumimoji="1" lang="ja-JP" altLang="en-US" dirty="0"/>
+          </a:p>
+        </p:txBody>
+      </p:sp>
+      <p:sp>
+        <p:nvSpPr>
+          <p:cNvPr id="4" name="コンテンツ プレースホルダー 3"/>
+          <p:cNvSpPr>
+            <a:spLocks noGrp="1"/>
+          </p:cNvSpPr>
+          <p:nvPr>
+            <p:ph sz="quarter" idx="13"/>
+          </p:nvPr>
+        </p:nvSpPr>
+        <p:spPr/>
+        <p:txBody>
+          <a:bodyPr/>
+          <a:lstStyle/>
+          <a:p>
+            <a:r>
+              <a:rPr kumimoji="1" lang="en-US" altLang="ja-JP" dirty="0" err="1" smtClean="0"/>
+              <a:t>GrowUI</a:t>
+            </a:r>
+            <a:endParaRPr lang="en-US" altLang="ja-JP" dirty="0"/>
+          </a:p>
+          <a:p>
+            <a:pPr lvl="1"/>
+            <a:r>
+              <a:rPr kumimoji="1" lang="en-US" altLang="ja-JP" dirty="0" smtClean="0"/>
+              <a:t>Web</a:t>
+            </a:r>
+            <a:r>
+              <a:rPr kumimoji="1" lang="ja-JP" altLang="en-US" dirty="0" smtClean="0"/>
+              <a:t>アプリをドラッグ＆ドロップで作るためのツール</a:t>
+            </a:r>
+            <a:endParaRPr kumimoji="1" lang="en-US" altLang="ja-JP" dirty="0" smtClean="0"/>
+          </a:p>
+          <a:p>
+            <a:pPr lvl="1"/>
+            <a:r>
+              <a:rPr lang="en-US" altLang="ja-JP" dirty="0" smtClean="0">
+                <a:hlinkClick r:id="rId2"/>
+              </a:rPr>
+              <a:t>http://growui.com</a:t>
+            </a:r>
+            <a:endParaRPr lang="en-US" altLang="ja-JP" dirty="0" smtClean="0"/>
+          </a:p>
+          <a:p>
+            <a:pPr lvl="2"/>
+            <a:r>
+              <a:rPr kumimoji="1" lang="en-US" altLang="ja-JP" dirty="0" smtClean="0"/>
+              <a:t>Google Chrome</a:t>
+            </a:r>
+            <a:r>
+              <a:rPr kumimoji="1" lang="ja-JP" altLang="en-US" dirty="0" smtClean="0"/>
+              <a:t>推奨</a:t>
+            </a:r>
+            <a:endParaRPr kumimoji="1" lang="ja-JP" altLang="en-US" dirty="0"/>
           </a:p>
         </p:txBody>
       </p:sp>
     </p:spTree>
     <p:extLst>
       <p:ext uri="{BB962C8B-B14F-4D97-AF65-F5344CB8AC3E}">
-        <p14:creationId xmlns:p14="http://schemas.microsoft.com/office/powerpoint/2010/main" val="968896692"/>
+        <p14:creationId xmlns:p14="http://schemas.microsoft.com/office/powerpoint/2010/main" val="667892043"/>
       </p:ext>
     </p:extLst>
   </p:cSld>
@@ -31133,6 +31010,519 @@
     <p:extLst>
       <p:ext uri="{BB962C8B-B14F-4D97-AF65-F5344CB8AC3E}">
         <p14:creationId xmlns:p14="http://schemas.microsoft.com/office/powerpoint/2010/main" val="4004926238"/>
+      </p:ext>
+    </p:extLst>
+  </p:cSld>
+  <p:clrMapOvr>
+    <a:masterClrMapping/>
+  </p:clrMapOvr>
+</p:sld>
+</file>
+
+<file path=ppt/slides/slide40.xml><?xml version="1.0" encoding="utf-8"?>
+<p:sld xmlns:a="http://schemas.openxmlformats.org/drawingml/2006/main" xmlns:r="http://schemas.openxmlformats.org/officeDocument/2006/relationships" xmlns:p="http://schemas.openxmlformats.org/presentationml/2006/main">
+  <p:cSld>
+    <p:spTree>
+      <p:nvGrpSpPr>
+        <p:cNvPr id="1" name=""/>
+        <p:cNvGrpSpPr/>
+        <p:nvPr/>
+      </p:nvGrpSpPr>
+      <p:grpSpPr>
+        <a:xfrm>
+          <a:off x="0" y="0"/>
+          <a:ext cx="0" cy="0"/>
+          <a:chOff x="0" y="0"/>
+          <a:chExt cx="0" cy="0"/>
+        </a:xfrm>
+      </p:grpSpPr>
+      <p:sp>
+        <p:nvSpPr>
+          <p:cNvPr id="2" name="スライド番号プレースホルダー 1"/>
+          <p:cNvSpPr>
+            <a:spLocks noGrp="1"/>
+          </p:cNvSpPr>
+          <p:nvPr>
+            <p:ph type="sldNum" sz="quarter" idx="12"/>
+          </p:nvPr>
+        </p:nvSpPr>
+        <p:spPr/>
+        <p:txBody>
+          <a:bodyPr>
+            <a:normAutofit fontScale="92500" lnSpcReduction="20000"/>
+          </a:bodyPr>
+          <a:lstStyle/>
+          <a:p>
+            <a:fld id="{5744759D-0EFF-4FB2-9CCE-04E00944F0FE}" type="slidenum">
+              <a:rPr lang="en-US" smtClean="0"/>
+              <a:pPr/>
+              <a:t>40</a:t>
+            </a:fld>
+            <a:endParaRPr lang="en-US"/>
+          </a:p>
+        </p:txBody>
+      </p:sp>
+      <p:sp>
+        <p:nvSpPr>
+          <p:cNvPr id="3" name="タイトル 2"/>
+          <p:cNvSpPr>
+            <a:spLocks noGrp="1"/>
+          </p:cNvSpPr>
+          <p:nvPr>
+            <p:ph type="title"/>
+          </p:nvPr>
+        </p:nvSpPr>
+        <p:spPr/>
+        <p:txBody>
+          <a:bodyPr/>
+          <a:lstStyle/>
+          <a:p>
+            <a:r>
+              <a:rPr kumimoji="1" lang="ja-JP" altLang="en-US" dirty="0" smtClean="0"/>
+              <a:t>アンケート</a:t>
+            </a:r>
+            <a:endParaRPr kumimoji="1" lang="ja-JP" altLang="en-US" dirty="0"/>
+          </a:p>
+        </p:txBody>
+      </p:sp>
+      <p:sp>
+        <p:nvSpPr>
+          <p:cNvPr id="4" name="コンテンツ プレースホルダー 3"/>
+          <p:cNvSpPr>
+            <a:spLocks noGrp="1"/>
+          </p:cNvSpPr>
+          <p:nvPr>
+            <p:ph sz="quarter" idx="13"/>
+          </p:nvPr>
+        </p:nvSpPr>
+        <p:spPr/>
+        <p:txBody>
+          <a:bodyPr/>
+          <a:lstStyle/>
+          <a:p>
+            <a:r>
+              <a:rPr lang="en-US" altLang="ja-JP" dirty="0"/>
+              <a:t>https://</a:t>
+            </a:r>
+            <a:r>
+              <a:rPr lang="en-US" altLang="ja-JP" dirty="0" err="1"/>
+              <a:t>docs.google.com</a:t>
+            </a:r>
+            <a:r>
+              <a:rPr lang="en-US" altLang="ja-JP" dirty="0"/>
+              <a:t>/forms/d/1v_BdsLpcXb4qvmmVDmhR6U1Z5RZfkeTHSflUJgR9alQ/</a:t>
+            </a:r>
+            <a:r>
+              <a:rPr lang="en-US" altLang="ja-JP" dirty="0" err="1"/>
+              <a:t>viewform</a:t>
+            </a:r>
+            <a:endParaRPr kumimoji="1" lang="ja-JP" altLang="en-US" dirty="0"/>
+          </a:p>
+        </p:txBody>
+      </p:sp>
+    </p:spTree>
+    <p:extLst>
+      <p:ext uri="{BB962C8B-B14F-4D97-AF65-F5344CB8AC3E}">
+        <p14:creationId xmlns:p14="http://schemas.microsoft.com/office/powerpoint/2010/main" val="133980745"/>
+      </p:ext>
+    </p:extLst>
+  </p:cSld>
+  <p:clrMapOvr>
+    <a:masterClrMapping/>
+  </p:clrMapOvr>
+</p:sld>
+</file>
+
+<file path=ppt/slides/slide41.xml><?xml version="1.0" encoding="utf-8"?>
+<p:sld xmlns:a="http://schemas.openxmlformats.org/drawingml/2006/main" xmlns:r="http://schemas.openxmlformats.org/officeDocument/2006/relationships" xmlns:p="http://schemas.openxmlformats.org/presentationml/2006/main">
+  <p:cSld>
+    <p:spTree>
+      <p:nvGrpSpPr>
+        <p:cNvPr id="1" name=""/>
+        <p:cNvGrpSpPr/>
+        <p:nvPr/>
+      </p:nvGrpSpPr>
+      <p:grpSpPr>
+        <a:xfrm>
+          <a:off x="0" y="0"/>
+          <a:ext cx="0" cy="0"/>
+          <a:chOff x="0" y="0"/>
+          <a:chExt cx="0" cy="0"/>
+        </a:xfrm>
+      </p:grpSpPr>
+      <p:sp>
+        <p:nvSpPr>
+          <p:cNvPr id="2" name="スライド番号プレースホルダー 1"/>
+          <p:cNvSpPr>
+            <a:spLocks noGrp="1"/>
+          </p:cNvSpPr>
+          <p:nvPr>
+            <p:ph type="sldNum" sz="quarter" idx="12"/>
+          </p:nvPr>
+        </p:nvSpPr>
+        <p:spPr/>
+        <p:txBody>
+          <a:bodyPr>
+            <a:normAutofit fontScale="92500" lnSpcReduction="20000"/>
+          </a:bodyPr>
+          <a:lstStyle/>
+          <a:p>
+            <a:fld id="{5744759D-0EFF-4FB2-9CCE-04E00944F0FE}" type="slidenum">
+              <a:rPr lang="en-US" smtClean="0"/>
+              <a:pPr/>
+              <a:t>41</a:t>
+            </a:fld>
+            <a:endParaRPr lang="en-US"/>
+          </a:p>
+        </p:txBody>
+      </p:sp>
+      <p:sp>
+        <p:nvSpPr>
+          <p:cNvPr id="3" name="コンテンツ プレースホルダー 3"/>
+          <p:cNvSpPr txBox="1">
+            <a:spLocks/>
+          </p:cNvSpPr>
+          <p:nvPr/>
+        </p:nvSpPr>
+        <p:spPr>
+          <a:xfrm>
+            <a:off x="274320" y="935590"/>
+            <a:ext cx="8595360" cy="4937760"/>
+          </a:xfrm>
+          <a:prstGeom prst="rect">
+            <a:avLst/>
+          </a:prstGeom>
+        </p:spPr>
+        <p:txBody>
+          <a:bodyPr/>
+          <a:lstStyle>
+            <a:lvl1pPr marL="342000" indent="-342000" algn="l" defTabSz="914400" rtl="0" eaLnBrk="1" latinLnBrk="0" hangingPunct="1">
+              <a:spcBef>
+                <a:spcPts val="600"/>
+              </a:spcBef>
+              <a:spcAft>
+                <a:spcPts val="0"/>
+              </a:spcAft>
+              <a:buClr>
+                <a:schemeClr val="accent1"/>
+              </a:buClr>
+              <a:buFont typeface="Wingdings" charset="2"/>
+              <a:buChar char="v"/>
+              <a:defRPr kumimoji="1" sz="2200" b="0" i="0" kern="1200" cap="none" spc="30" baseline="0">
+                <a:solidFill>
+                  <a:schemeClr val="tx2"/>
+                </a:solidFill>
+                <a:latin typeface="ヒラギノ角ゴ Pro W3"/>
+                <a:ea typeface="ヒラギノ角ゴ Pro W3"/>
+                <a:cs typeface="ヒラギノ角ゴ Pro W3"/>
+              </a:defRPr>
+            </a:lvl1pPr>
+            <a:lvl2pPr marL="514800" indent="-342000" algn="l" defTabSz="914400" rtl="0" eaLnBrk="1" latinLnBrk="0" hangingPunct="1">
+              <a:spcBef>
+                <a:spcPts val="600"/>
+              </a:spcBef>
+              <a:buClr>
+                <a:schemeClr val="accent1"/>
+              </a:buClr>
+              <a:buFont typeface="Wingdings" charset="2"/>
+              <a:buChar char="v"/>
+              <a:defRPr kumimoji="1" sz="2000" kern="1200">
+                <a:solidFill>
+                  <a:schemeClr val="tx2"/>
+                </a:solidFill>
+                <a:latin typeface="ヒラギノ角ゴ Pro W3"/>
+                <a:ea typeface="ヒラギノ角ゴ Pro W3"/>
+                <a:cs typeface="ヒラギノ角ゴ Pro W3"/>
+              </a:defRPr>
+            </a:lvl2pPr>
+            <a:lvl3pPr marL="687600" indent="-342000" algn="l" defTabSz="914400" rtl="0" eaLnBrk="1" latinLnBrk="0" hangingPunct="1">
+              <a:spcBef>
+                <a:spcPts val="600"/>
+              </a:spcBef>
+              <a:buClr>
+                <a:schemeClr val="accent1"/>
+              </a:buClr>
+              <a:buFont typeface="Wingdings" charset="2"/>
+              <a:buChar char="v"/>
+              <a:defRPr kumimoji="1" sz="1800" kern="1200">
+                <a:solidFill>
+                  <a:schemeClr val="tx2"/>
+                </a:solidFill>
+                <a:latin typeface="ヒラギノ角ゴ Pro W3"/>
+                <a:ea typeface="ヒラギノ角ゴ Pro W3"/>
+                <a:cs typeface="ヒラギノ角ゴ Pro W3"/>
+              </a:defRPr>
+            </a:lvl3pPr>
+            <a:lvl4pPr marL="860400" indent="-342000" algn="l" defTabSz="914400" rtl="0" eaLnBrk="1" latinLnBrk="0" hangingPunct="1">
+              <a:spcBef>
+                <a:spcPts val="600"/>
+              </a:spcBef>
+              <a:buClr>
+                <a:schemeClr val="accent1"/>
+              </a:buClr>
+              <a:buFont typeface="Wingdings" charset="2"/>
+              <a:buChar char="v"/>
+              <a:defRPr kumimoji="1" sz="1600" kern="1200">
+                <a:solidFill>
+                  <a:schemeClr val="tx2"/>
+                </a:solidFill>
+                <a:latin typeface="ヒラギノ角ゴ Pro W3"/>
+                <a:ea typeface="ヒラギノ角ゴ Pro W3"/>
+                <a:cs typeface="ヒラギノ角ゴ Pro W3"/>
+              </a:defRPr>
+            </a:lvl4pPr>
+            <a:lvl5pPr marL="1033200" indent="-342000" algn="l" defTabSz="914400" rtl="0" eaLnBrk="1" latinLnBrk="0" hangingPunct="1">
+              <a:spcBef>
+                <a:spcPts val="600"/>
+              </a:spcBef>
+              <a:buClr>
+                <a:schemeClr val="accent1"/>
+              </a:buClr>
+              <a:buFont typeface="Wingdings" charset="2"/>
+              <a:buChar char="v"/>
+              <a:defRPr kumimoji="1" sz="1600" kern="1200" baseline="0">
+                <a:solidFill>
+                  <a:schemeClr val="tx2"/>
+                </a:solidFill>
+                <a:latin typeface="ヒラギノ角ゴ Pro W3"/>
+                <a:ea typeface="ヒラギノ角ゴ Pro W3"/>
+                <a:cs typeface="ヒラギノ角ゴ Pro W3"/>
+              </a:defRPr>
+            </a:lvl5pPr>
+            <a:lvl6pPr marL="1051560" indent="-173736" algn="l" defTabSz="914400" rtl="0" eaLnBrk="1" latinLnBrk="0" hangingPunct="1">
+              <a:spcBef>
+                <a:spcPct val="20000"/>
+              </a:spcBef>
+              <a:buClr>
+                <a:schemeClr val="accent1"/>
+              </a:buClr>
+              <a:buFont typeface="Arial" pitchFamily="34" charset="0"/>
+              <a:buChar char="•"/>
+              <a:defRPr kumimoji="1" sz="1400" kern="1200">
+                <a:solidFill>
+                  <a:schemeClr val="tx2"/>
+                </a:solidFill>
+                <a:latin typeface="+mn-lt"/>
+                <a:ea typeface="+mn-ea"/>
+                <a:cs typeface="+mn-cs"/>
+              </a:defRPr>
+            </a:lvl6pPr>
+            <a:lvl7pPr marL="1234440" indent="-173736" algn="l" defTabSz="914400" rtl="0" eaLnBrk="1" latinLnBrk="0" hangingPunct="1">
+              <a:spcBef>
+                <a:spcPct val="20000"/>
+              </a:spcBef>
+              <a:buClr>
+                <a:schemeClr val="accent1"/>
+              </a:buClr>
+              <a:buFont typeface="Arial" pitchFamily="34" charset="0"/>
+              <a:buChar char="•"/>
+              <a:defRPr kumimoji="1" sz="1400" kern="1200">
+                <a:solidFill>
+                  <a:schemeClr val="tx2"/>
+                </a:solidFill>
+                <a:latin typeface="+mn-lt"/>
+                <a:ea typeface="+mn-ea"/>
+                <a:cs typeface="+mn-cs"/>
+              </a:defRPr>
+            </a:lvl7pPr>
+            <a:lvl8pPr marL="1417320" indent="-173736" algn="l" defTabSz="914400" rtl="0" eaLnBrk="1" latinLnBrk="0" hangingPunct="1">
+              <a:spcBef>
+                <a:spcPct val="20000"/>
+              </a:spcBef>
+              <a:buClr>
+                <a:schemeClr val="accent1"/>
+              </a:buClr>
+              <a:buFont typeface="Arial" pitchFamily="34" charset="0"/>
+              <a:buChar char="•"/>
+              <a:defRPr kumimoji="1" sz="1400" kern="1200">
+                <a:solidFill>
+                  <a:schemeClr val="tx2"/>
+                </a:solidFill>
+                <a:latin typeface="+mn-lt"/>
+                <a:ea typeface="+mn-ea"/>
+                <a:cs typeface="+mn-cs"/>
+              </a:defRPr>
+            </a:lvl8pPr>
+            <a:lvl9pPr marL="1600200" indent="-173736" algn="l" defTabSz="914400" rtl="0" eaLnBrk="1" latinLnBrk="0" hangingPunct="1">
+              <a:spcBef>
+                <a:spcPct val="20000"/>
+              </a:spcBef>
+              <a:buClr>
+                <a:schemeClr val="accent1"/>
+              </a:buClr>
+              <a:buFont typeface="Arial" pitchFamily="34" charset="0"/>
+              <a:buChar char="•"/>
+              <a:defRPr kumimoji="1" sz="1400" kern="1200">
+                <a:solidFill>
+                  <a:schemeClr val="tx2"/>
+                </a:solidFill>
+                <a:latin typeface="+mn-lt"/>
+                <a:ea typeface="+mn-ea"/>
+                <a:cs typeface="+mn-cs"/>
+              </a:defRPr>
+            </a:lvl9pPr>
+          </a:lstStyle>
+          <a:p>
+            <a:pPr marL="0" indent="0" algn="ctr">
+              <a:buNone/>
+            </a:pPr>
+            <a:endParaRPr lang="en-US" altLang="ja-JP" sz="5400" dirty="0" smtClean="0"/>
+          </a:p>
+          <a:p>
+            <a:pPr marL="0" indent="0" algn="ctr">
+              <a:buNone/>
+            </a:pPr>
+            <a:endParaRPr lang="en-US" altLang="ja-JP" sz="5400" dirty="0"/>
+          </a:p>
+          <a:p>
+            <a:pPr marL="0" indent="0" algn="ctr">
+              <a:buNone/>
+            </a:pPr>
+            <a:r>
+              <a:rPr lang="ja-JP" altLang="en-US" sz="5400" dirty="0" smtClean="0"/>
+              <a:t>ありがとうございました！</a:t>
+            </a:r>
+            <a:endParaRPr lang="ja-JP" altLang="en-US" sz="5400" dirty="0"/>
+          </a:p>
+        </p:txBody>
+      </p:sp>
+    </p:spTree>
+    <p:extLst>
+      <p:ext uri="{BB962C8B-B14F-4D97-AF65-F5344CB8AC3E}">
+        <p14:creationId xmlns:p14="http://schemas.microsoft.com/office/powerpoint/2010/main" val="968896692"/>
+      </p:ext>
+    </p:extLst>
+  </p:cSld>
+  <p:clrMapOvr>
+    <a:masterClrMapping/>
+  </p:clrMapOvr>
+</p:sld>
+</file>
+
+<file path=ppt/slides/slide42.xml><?xml version="1.0" encoding="utf-8"?>
+<p:sld xmlns:a="http://schemas.openxmlformats.org/drawingml/2006/main" xmlns:r="http://schemas.openxmlformats.org/officeDocument/2006/relationships" xmlns:p="http://schemas.openxmlformats.org/presentationml/2006/main">
+  <p:cSld>
+    <p:spTree>
+      <p:nvGrpSpPr>
+        <p:cNvPr id="1" name=""/>
+        <p:cNvGrpSpPr/>
+        <p:nvPr/>
+      </p:nvGrpSpPr>
+      <p:grpSpPr>
+        <a:xfrm>
+          <a:off x="0" y="0"/>
+          <a:ext cx="0" cy="0"/>
+          <a:chOff x="0" y="0"/>
+          <a:chExt cx="0" cy="0"/>
+        </a:xfrm>
+      </p:grpSpPr>
+      <p:sp>
+        <p:nvSpPr>
+          <p:cNvPr id="2" name="スライド番号プレースホルダー 1"/>
+          <p:cNvSpPr>
+            <a:spLocks noGrp="1"/>
+          </p:cNvSpPr>
+          <p:nvPr>
+            <p:ph type="sldNum" sz="quarter" idx="12"/>
+          </p:nvPr>
+        </p:nvSpPr>
+        <p:spPr/>
+        <p:txBody>
+          <a:bodyPr>
+            <a:normAutofit fontScale="92500" lnSpcReduction="20000"/>
+          </a:bodyPr>
+          <a:lstStyle/>
+          <a:p>
+            <a:fld id="{5744759D-0EFF-4FB2-9CCE-04E00944F0FE}" type="slidenum">
+              <a:rPr lang="en-US" smtClean="0"/>
+              <a:pPr/>
+              <a:t>42</a:t>
+            </a:fld>
+            <a:endParaRPr lang="en-US"/>
+          </a:p>
+        </p:txBody>
+      </p:sp>
+      <p:sp>
+        <p:nvSpPr>
+          <p:cNvPr id="3" name="タイトル 2"/>
+          <p:cNvSpPr>
+            <a:spLocks noGrp="1"/>
+          </p:cNvSpPr>
+          <p:nvPr>
+            <p:ph type="title"/>
+          </p:nvPr>
+        </p:nvSpPr>
+        <p:spPr/>
+        <p:txBody>
+          <a:bodyPr/>
+          <a:lstStyle/>
+          <a:p>
+            <a:r>
+              <a:rPr kumimoji="1" lang="ja-JP" altLang="en-US" dirty="0" smtClean="0"/>
+              <a:t>時間が余ったら・・・</a:t>
+            </a:r>
+            <a:endParaRPr kumimoji="1" lang="ja-JP" altLang="en-US" dirty="0"/>
+          </a:p>
+        </p:txBody>
+      </p:sp>
+      <p:sp>
+        <p:nvSpPr>
+          <p:cNvPr id="4" name="コンテンツ プレースホルダー 3"/>
+          <p:cNvSpPr>
+            <a:spLocks noGrp="1"/>
+          </p:cNvSpPr>
+          <p:nvPr>
+            <p:ph sz="quarter" idx="13"/>
+          </p:nvPr>
+        </p:nvSpPr>
+        <p:spPr/>
+        <p:txBody>
+          <a:bodyPr/>
+          <a:lstStyle/>
+          <a:p>
+            <a:r>
+              <a:rPr kumimoji="1" lang="ja-JP" altLang="en-US" dirty="0" smtClean="0"/>
+              <a:t>掲示板に投稿日時を載せるようにする</a:t>
+            </a:r>
+            <a:endParaRPr kumimoji="1" lang="en-US" altLang="ja-JP" dirty="0" smtClean="0"/>
+          </a:p>
+          <a:p>
+            <a:pPr lvl="1"/>
+            <a:r>
+              <a:rPr kumimoji="1" lang="ja-JP" altLang="en-US" dirty="0" smtClean="0"/>
+              <a:t>ヒント：</a:t>
+            </a:r>
+            <a:r>
+              <a:rPr kumimoji="1" lang="en-US" altLang="ja-JP" dirty="0" smtClean="0"/>
+              <a:t>POST</a:t>
+            </a:r>
+            <a:r>
+              <a:rPr kumimoji="1" lang="ja-JP" altLang="en-US" dirty="0" smtClean="0"/>
+              <a:t>時にサーバ側で付ける等で可能</a:t>
+            </a:r>
+            <a:endParaRPr kumimoji="1" lang="en-US" altLang="ja-JP" dirty="0" smtClean="0"/>
+          </a:p>
+          <a:p>
+            <a:r>
+              <a:rPr kumimoji="1" lang="ja-JP" altLang="en-US" dirty="0" smtClean="0"/>
+              <a:t>スレッドを作れるようにする</a:t>
+            </a:r>
+            <a:endParaRPr kumimoji="1" lang="en-US" altLang="ja-JP" dirty="0" smtClean="0"/>
+          </a:p>
+          <a:p>
+            <a:pPr lvl="1"/>
+            <a:r>
+              <a:rPr lang="ja-JP" altLang="en-US" dirty="0" smtClean="0"/>
+              <a:t>ヒント：スレッドのための新たなテーブルを作る</a:t>
+            </a:r>
+            <a:endParaRPr lang="en-US" altLang="ja-JP" dirty="0" smtClean="0"/>
+          </a:p>
+        </p:txBody>
+      </p:sp>
+    </p:spTree>
+    <p:extLst>
+      <p:ext uri="{BB962C8B-B14F-4D97-AF65-F5344CB8AC3E}">
+        <p14:creationId xmlns:p14="http://schemas.microsoft.com/office/powerpoint/2010/main" val="2420783698"/>
       </p:ext>
     </p:extLst>
   </p:cSld>
